--- a/宣道詩/(宣道詩33)只有寶血.pptx
+++ b/宣道詩/(宣道詩33)只有寶血.pptx
@@ -6,16 +6,19 @@
   </p:sldMasterIdLst>
   <p:sldIdLst>
     <p:sldId id="256" r:id="rId2"/>
-    <p:sldId id="257" r:id="rId3"/>
-    <p:sldId id="258" r:id="rId4"/>
-    <p:sldId id="259" r:id="rId5"/>
-    <p:sldId id="260" r:id="rId6"/>
-    <p:sldId id="261" r:id="rId7"/>
-    <p:sldId id="262" r:id="rId8"/>
-    <p:sldId id="263" r:id="rId9"/>
-    <p:sldId id="264" r:id="rId10"/>
+    <p:sldId id="265" r:id="rId3"/>
+    <p:sldId id="257" r:id="rId4"/>
+    <p:sldId id="258" r:id="rId5"/>
+    <p:sldId id="259" r:id="rId6"/>
+    <p:sldId id="266" r:id="rId7"/>
+    <p:sldId id="260" r:id="rId8"/>
+    <p:sldId id="261" r:id="rId9"/>
+    <p:sldId id="262" r:id="rId10"/>
+    <p:sldId id="267" r:id="rId11"/>
+    <p:sldId id="263" r:id="rId12"/>
+    <p:sldId id="264" r:id="rId13"/>
   </p:sldIdLst>
-  <p:sldSz cx="9144000" cy="6858000" type="screen4x3"/>
+  <p:sldSz cx="12192000" cy="6858000"/>
   <p:notesSz cx="6858000" cy="9144000"/>
   <p:defaultTextStyle>
     <a:defPPr>
@@ -112,6 +115,22 @@
       </a:defRPr>
     </a:lvl9pPr>
   </p:defaultTextStyle>
+  <p:extLst>
+    <p:ext uri="{EFAFB233-063F-42B5-8137-9DF3F51BA10A}">
+      <p15:sldGuideLst xmlns:p15="http://schemas.microsoft.com/office/powerpoint/2012/main">
+        <p15:guide id="1" orient="horz" pos="2160" userDrawn="1">
+          <p15:clr>
+            <a:srgbClr val="A4A3A4"/>
+          </p15:clr>
+        </p15:guide>
+        <p15:guide id="2" pos="3840" userDrawn="1">
+          <p15:clr>
+            <a:srgbClr val="A4A3A4"/>
+          </p15:clr>
+        </p15:guide>
+      </p15:sldGuideLst>
+    </p:ext>
+  </p:extLst>
 </p:presentation>
 </file>
 
@@ -144,8 +163,8 @@
         </p:nvSpPr>
         <p:spPr>
           <a:xfrm>
-            <a:off x="685800" y="2130425"/>
-            <a:ext cx="7772400" cy="1470025"/>
+            <a:off x="914400" y="2130426"/>
+            <a:ext cx="10363200" cy="1470025"/>
           </a:xfrm>
         </p:spPr>
         <p:txBody>
@@ -172,8 +191,8 @@
         </p:nvSpPr>
         <p:spPr>
           <a:xfrm>
-            <a:off x="1371600" y="3886200"/>
-            <a:ext cx="6400800" cy="1752600"/>
+            <a:off x="1828800" y="3886200"/>
+            <a:ext cx="8534400" cy="1752600"/>
           </a:xfrm>
         </p:spPr>
         <p:txBody>
@@ -297,7 +316,7 @@
             <a:fld id="{212F838A-6F4B-4BB1-BACD-B06005FD32E3}" type="datetimeFigureOut">
               <a:rPr lang="zh-TW" altLang="en-US" smtClean="0"/>
               <a:pPr/>
-              <a:t>2018/8/4</a:t>
+              <a:t>2020/9/4</a:t>
             </a:fld>
             <a:endParaRPr lang="zh-TW" altLang="en-US"/>
           </a:p>
@@ -464,7 +483,7 @@
             <a:fld id="{212F838A-6F4B-4BB1-BACD-B06005FD32E3}" type="datetimeFigureOut">
               <a:rPr lang="zh-TW" altLang="en-US" smtClean="0"/>
               <a:pPr/>
-              <a:t>2018/8/4</a:t>
+              <a:t>2020/9/4</a:t>
             </a:fld>
             <a:endParaRPr lang="zh-TW" altLang="en-US"/>
           </a:p>
@@ -550,8 +569,8 @@
         </p:nvSpPr>
         <p:spPr>
           <a:xfrm>
-            <a:off x="6629400" y="274638"/>
-            <a:ext cx="2057400" cy="5851525"/>
+            <a:off x="8839200" y="274639"/>
+            <a:ext cx="2743200" cy="5851525"/>
           </a:xfrm>
         </p:spPr>
         <p:txBody>
@@ -578,8 +597,8 @@
         </p:nvSpPr>
         <p:spPr>
           <a:xfrm>
-            <a:off x="457200" y="274638"/>
-            <a:ext cx="6019800" cy="5851525"/>
+            <a:off x="609600" y="274639"/>
+            <a:ext cx="8026400" cy="5851525"/>
           </a:xfrm>
         </p:spPr>
         <p:txBody>
@@ -641,7 +660,7 @@
             <a:fld id="{212F838A-6F4B-4BB1-BACD-B06005FD32E3}" type="datetimeFigureOut">
               <a:rPr lang="zh-TW" altLang="en-US" smtClean="0"/>
               <a:pPr/>
-              <a:t>2018/8/4</a:t>
+              <a:t>2020/9/4</a:t>
             </a:fld>
             <a:endParaRPr lang="zh-TW" altLang="en-US"/>
           </a:p>
@@ -808,7 +827,7 @@
             <a:fld id="{212F838A-6F4B-4BB1-BACD-B06005FD32E3}" type="datetimeFigureOut">
               <a:rPr lang="zh-TW" altLang="en-US" smtClean="0"/>
               <a:pPr/>
-              <a:t>2018/8/4</a:t>
+              <a:t>2020/9/4</a:t>
             </a:fld>
             <a:endParaRPr lang="zh-TW" altLang="en-US"/>
           </a:p>
@@ -894,8 +913,8 @@
         </p:nvSpPr>
         <p:spPr>
           <a:xfrm>
-            <a:off x="722313" y="4406900"/>
-            <a:ext cx="7772400" cy="1362075"/>
+            <a:off x="963084" y="4406901"/>
+            <a:ext cx="10363200" cy="1362075"/>
           </a:xfrm>
         </p:spPr>
         <p:txBody>
@@ -926,8 +945,8 @@
         </p:nvSpPr>
         <p:spPr>
           <a:xfrm>
-            <a:off x="722313" y="2906713"/>
-            <a:ext cx="7772400" cy="1500187"/>
+            <a:off x="963084" y="2906713"/>
+            <a:ext cx="10363200" cy="1500187"/>
           </a:xfrm>
         </p:spPr>
         <p:txBody>
@@ -1051,7 +1070,7 @@
             <a:fld id="{212F838A-6F4B-4BB1-BACD-B06005FD32E3}" type="datetimeFigureOut">
               <a:rPr lang="zh-TW" altLang="en-US" smtClean="0"/>
               <a:pPr/>
-              <a:t>2018/8/4</a:t>
+              <a:t>2020/9/4</a:t>
             </a:fld>
             <a:endParaRPr lang="zh-TW" altLang="en-US"/>
           </a:p>
@@ -1160,8 +1179,8 @@
         </p:nvSpPr>
         <p:spPr>
           <a:xfrm>
-            <a:off x="457200" y="1600200"/>
-            <a:ext cx="4038600" cy="4525963"/>
+            <a:off x="609600" y="1600201"/>
+            <a:ext cx="5384800" cy="4525963"/>
           </a:xfrm>
         </p:spPr>
         <p:txBody>
@@ -1245,8 +1264,8 @@
         </p:nvSpPr>
         <p:spPr>
           <a:xfrm>
-            <a:off x="4648200" y="1600200"/>
-            <a:ext cx="4038600" cy="4525963"/>
+            <a:off x="6197600" y="1600201"/>
+            <a:ext cx="5384800" cy="4525963"/>
           </a:xfrm>
         </p:spPr>
         <p:txBody>
@@ -1336,7 +1355,7 @@
             <a:fld id="{212F838A-6F4B-4BB1-BACD-B06005FD32E3}" type="datetimeFigureOut">
               <a:rPr lang="zh-TW" altLang="en-US" smtClean="0"/>
               <a:pPr/>
-              <a:t>2018/8/4</a:t>
+              <a:t>2020/9/4</a:t>
             </a:fld>
             <a:endParaRPr lang="zh-TW" altLang="en-US"/>
           </a:p>
@@ -1449,8 +1468,8 @@
         </p:nvSpPr>
         <p:spPr>
           <a:xfrm>
-            <a:off x="457200" y="1535113"/>
-            <a:ext cx="4040188" cy="639762"/>
+            <a:off x="609600" y="1535113"/>
+            <a:ext cx="5386917" cy="639762"/>
           </a:xfrm>
         </p:spPr>
         <p:txBody>
@@ -1514,8 +1533,8 @@
         </p:nvSpPr>
         <p:spPr>
           <a:xfrm>
-            <a:off x="457200" y="2174875"/>
-            <a:ext cx="4040188" cy="3951288"/>
+            <a:off x="609600" y="2174875"/>
+            <a:ext cx="5386917" cy="3951288"/>
           </a:xfrm>
         </p:spPr>
         <p:txBody>
@@ -1599,8 +1618,8 @@
         </p:nvSpPr>
         <p:spPr>
           <a:xfrm>
-            <a:off x="4645025" y="1535113"/>
-            <a:ext cx="4041775" cy="639762"/>
+            <a:off x="6193368" y="1535113"/>
+            <a:ext cx="5389033" cy="639762"/>
           </a:xfrm>
         </p:spPr>
         <p:txBody>
@@ -1664,8 +1683,8 @@
         </p:nvSpPr>
         <p:spPr>
           <a:xfrm>
-            <a:off x="4645025" y="2174875"/>
-            <a:ext cx="4041775" cy="3951288"/>
+            <a:off x="6193368" y="2174875"/>
+            <a:ext cx="5389033" cy="3951288"/>
           </a:xfrm>
         </p:spPr>
         <p:txBody>
@@ -1755,7 +1774,7 @@
             <a:fld id="{212F838A-6F4B-4BB1-BACD-B06005FD32E3}" type="datetimeFigureOut">
               <a:rPr lang="zh-TW" altLang="en-US" smtClean="0"/>
               <a:pPr/>
-              <a:t>2018/8/4</a:t>
+              <a:t>2020/9/4</a:t>
             </a:fld>
             <a:endParaRPr lang="zh-TW" altLang="en-US"/>
           </a:p>
@@ -1870,7 +1889,7 @@
             <a:fld id="{212F838A-6F4B-4BB1-BACD-B06005FD32E3}" type="datetimeFigureOut">
               <a:rPr lang="zh-TW" altLang="en-US" smtClean="0"/>
               <a:pPr/>
-              <a:t>2018/8/4</a:t>
+              <a:t>2020/9/4</a:t>
             </a:fld>
             <a:endParaRPr lang="zh-TW" altLang="en-US"/>
           </a:p>
@@ -1962,7 +1981,7 @@
             <a:fld id="{212F838A-6F4B-4BB1-BACD-B06005FD32E3}" type="datetimeFigureOut">
               <a:rPr lang="zh-TW" altLang="en-US" smtClean="0"/>
               <a:pPr/>
-              <a:t>2018/8/4</a:t>
+              <a:t>2020/9/4</a:t>
             </a:fld>
             <a:endParaRPr lang="zh-TW" altLang="en-US"/>
           </a:p>
@@ -2048,8 +2067,8 @@
         </p:nvSpPr>
         <p:spPr>
           <a:xfrm>
-            <a:off x="457200" y="273050"/>
-            <a:ext cx="3008313" cy="1162050"/>
+            <a:off x="609601" y="273050"/>
+            <a:ext cx="4011084" cy="1162050"/>
           </a:xfrm>
         </p:spPr>
         <p:txBody>
@@ -2080,8 +2099,8 @@
         </p:nvSpPr>
         <p:spPr>
           <a:xfrm>
-            <a:off x="3575050" y="273050"/>
-            <a:ext cx="5111750" cy="5853113"/>
+            <a:off x="4766733" y="273051"/>
+            <a:ext cx="6815667" cy="5853113"/>
           </a:xfrm>
         </p:spPr>
         <p:txBody>
@@ -2165,8 +2184,8 @@
         </p:nvSpPr>
         <p:spPr>
           <a:xfrm>
-            <a:off x="457200" y="1435100"/>
-            <a:ext cx="3008313" cy="4691063"/>
+            <a:off x="609601" y="1435101"/>
+            <a:ext cx="4011084" cy="4691063"/>
           </a:xfrm>
         </p:spPr>
         <p:txBody>
@@ -2236,7 +2255,7 @@
             <a:fld id="{212F838A-6F4B-4BB1-BACD-B06005FD32E3}" type="datetimeFigureOut">
               <a:rPr lang="zh-TW" altLang="en-US" smtClean="0"/>
               <a:pPr/>
-              <a:t>2018/8/4</a:t>
+              <a:t>2020/9/4</a:t>
             </a:fld>
             <a:endParaRPr lang="zh-TW" altLang="en-US"/>
           </a:p>
@@ -2322,8 +2341,8 @@
         </p:nvSpPr>
         <p:spPr>
           <a:xfrm>
-            <a:off x="1792288" y="4800600"/>
-            <a:ext cx="5486400" cy="566738"/>
+            <a:off x="2389717" y="4800600"/>
+            <a:ext cx="7315200" cy="566738"/>
           </a:xfrm>
         </p:spPr>
         <p:txBody>
@@ -2354,8 +2373,8 @@
         </p:nvSpPr>
         <p:spPr>
           <a:xfrm>
-            <a:off x="1792288" y="612775"/>
-            <a:ext cx="5486400" cy="4114800"/>
+            <a:off x="2389717" y="612775"/>
+            <a:ext cx="7315200" cy="4114800"/>
           </a:xfrm>
         </p:spPr>
         <p:txBody>
@@ -2419,8 +2438,8 @@
         </p:nvSpPr>
         <p:spPr>
           <a:xfrm>
-            <a:off x="1792288" y="5367338"/>
-            <a:ext cx="5486400" cy="804862"/>
+            <a:off x="2389717" y="5367338"/>
+            <a:ext cx="7315200" cy="804862"/>
           </a:xfrm>
         </p:spPr>
         <p:txBody>
@@ -2490,7 +2509,7 @@
             <a:fld id="{212F838A-6F4B-4BB1-BACD-B06005FD32E3}" type="datetimeFigureOut">
               <a:rPr lang="zh-TW" altLang="en-US" smtClean="0"/>
               <a:pPr/>
-              <a:t>2018/8/4</a:t>
+              <a:t>2020/9/4</a:t>
             </a:fld>
             <a:endParaRPr lang="zh-TW" altLang="en-US"/>
           </a:p>
@@ -2586,8 +2605,8 @@
         </p:nvSpPr>
         <p:spPr>
           <a:xfrm>
-            <a:off x="457200" y="274638"/>
-            <a:ext cx="8229600" cy="1143000"/>
+            <a:off x="609600" y="274638"/>
+            <a:ext cx="10972800" cy="1143000"/>
           </a:xfrm>
           <a:prstGeom prst="rect">
             <a:avLst/>
@@ -2619,8 +2638,8 @@
         </p:nvSpPr>
         <p:spPr>
           <a:xfrm>
-            <a:off x="457200" y="1600200"/>
-            <a:ext cx="8229600" cy="4525963"/>
+            <a:off x="609600" y="1600201"/>
+            <a:ext cx="10972800" cy="4525963"/>
           </a:xfrm>
           <a:prstGeom prst="rect">
             <a:avLst/>
@@ -2681,8 +2700,8 @@
         </p:nvSpPr>
         <p:spPr>
           <a:xfrm>
-            <a:off x="457200" y="6356350"/>
-            <a:ext cx="2133600" cy="365125"/>
+            <a:off x="609600" y="6356351"/>
+            <a:ext cx="2844800" cy="365125"/>
           </a:xfrm>
           <a:prstGeom prst="rect">
             <a:avLst/>
@@ -2705,7 +2724,7 @@
             <a:fld id="{212F838A-6F4B-4BB1-BACD-B06005FD32E3}" type="datetimeFigureOut">
               <a:rPr lang="zh-TW" altLang="en-US" smtClean="0"/>
               <a:pPr/>
-              <a:t>2018/8/4</a:t>
+              <a:t>2020/9/4</a:t>
             </a:fld>
             <a:endParaRPr lang="zh-TW" altLang="en-US"/>
           </a:p>
@@ -2723,8 +2742,8 @@
         </p:nvSpPr>
         <p:spPr>
           <a:xfrm>
-            <a:off x="3124200" y="6356350"/>
-            <a:ext cx="2895600" cy="365125"/>
+            <a:off x="4165600" y="6356351"/>
+            <a:ext cx="3860800" cy="365125"/>
           </a:xfrm>
           <a:prstGeom prst="rect">
             <a:avLst/>
@@ -2760,8 +2779,8 @@
         </p:nvSpPr>
         <p:spPr>
           <a:xfrm>
-            <a:off x="6553200" y="6356350"/>
-            <a:ext cx="2133600" cy="365125"/>
+            <a:off x="8737600" y="6356351"/>
+            <a:ext cx="2844800" cy="365125"/>
           </a:xfrm>
           <a:prstGeom prst="rect">
             <a:avLst/>
@@ -3088,39 +3107,41 @@
         </p:nvSpPr>
         <p:spPr/>
         <p:txBody>
-          <a:bodyPr/>
-          <a:lstStyle/>
-          <a:p>
-            <a:r>
-              <a:rPr lang="zh-TW" altLang="en-US" b="1" dirty="0">
-                <a:solidFill>
-                  <a:srgbClr val="660033"/>
-                </a:solidFill>
-                <a:latin typeface="微軟正黑體" pitchFamily="34" charset="-120"/>
-                <a:ea typeface="微軟正黑體" pitchFamily="34" charset="-120"/>
-              </a:rPr>
-              <a:t>只有寶血</a:t>
-            </a:r>
-          </a:p>
-        </p:txBody>
-      </p:sp>
-      <p:sp>
-        <p:nvSpPr>
-          <p:cNvPr id="5" name="內容版面配置區 4"/>
-          <p:cNvSpPr>
-            <a:spLocks noGrp="1"/>
-          </p:cNvSpPr>
-          <p:nvPr>
-            <p:ph idx="1"/>
-          </p:nvPr>
-        </p:nvSpPr>
-        <p:spPr/>
-        <p:txBody>
           <a:bodyPr>
             <a:normAutofit/>
           </a:bodyPr>
           <a:lstStyle/>
           <a:p>
+            <a:r>
+              <a:rPr lang="zh-TW" altLang="en-US" sz="4800" b="1" dirty="0">
+                <a:solidFill>
+                  <a:srgbClr val="660033"/>
+                </a:solidFill>
+                <a:latin typeface="微軟正黑體" pitchFamily="34" charset="-120"/>
+                <a:ea typeface="微軟正黑體" pitchFamily="34" charset="-120"/>
+              </a:rPr>
+              <a:t>只有寶血</a:t>
+            </a:r>
+          </a:p>
+        </p:txBody>
+      </p:sp>
+      <p:sp>
+        <p:nvSpPr>
+          <p:cNvPr id="5" name="內容版面配置區 4"/>
+          <p:cNvSpPr>
+            <a:spLocks noGrp="1"/>
+          </p:cNvSpPr>
+          <p:nvPr>
+            <p:ph idx="1"/>
+          </p:nvPr>
+        </p:nvSpPr>
+        <p:spPr/>
+        <p:txBody>
+          <a:bodyPr>
+            <a:normAutofit/>
+          </a:bodyPr>
+          <a:lstStyle/>
+          <a:p>
             <a:pPr lvl="0" algn="ctr">
               <a:buNone/>
             </a:pPr>
@@ -3178,6 +3199,538 @@
                 <a:ea typeface="微軟正黑體" pitchFamily="34" charset="-120"/>
               </a:rPr>
               <a:t>只有主耶穌之寶血</a:t>
+            </a:r>
+          </a:p>
+        </p:txBody>
+      </p:sp>
+      <p:sp>
+        <p:nvSpPr>
+          <p:cNvPr id="2" name="TextBox 1"/>
+          <p:cNvSpPr txBox="1"/>
+          <p:nvPr/>
+        </p:nvSpPr>
+        <p:spPr>
+          <a:xfrm>
+            <a:off x="1415480" y="1772816"/>
+            <a:ext cx="1008112" cy="830997"/>
+          </a:xfrm>
+          <a:prstGeom prst="rect">
+            <a:avLst/>
+          </a:prstGeom>
+          <a:noFill/>
+        </p:spPr>
+        <p:txBody>
+          <a:bodyPr wrap="square" rtlCol="0">
+            <a:spAutoFit/>
+          </a:bodyPr>
+          <a:lstStyle/>
+          <a:p>
+            <a:r>
+              <a:rPr lang="en-US" sz="4800" b="1" dirty="0">
+                <a:solidFill>
+                  <a:srgbClr val="660033"/>
+                </a:solidFill>
+                <a:ea typeface="微軟正黑體" pitchFamily="34" charset="-120"/>
+              </a:rPr>
+              <a:t>1.</a:t>
+            </a:r>
+            <a:endParaRPr lang="vi-VN" sz="4800" b="1" dirty="0">
+              <a:solidFill>
+                <a:srgbClr val="660033"/>
+              </a:solidFill>
+              <a:ea typeface="微軟正黑體" pitchFamily="34" charset="-120"/>
+            </a:endParaRPr>
+          </a:p>
+        </p:txBody>
+      </p:sp>
+    </p:spTree>
+  </p:cSld>
+  <p:clrMapOvr>
+    <a:masterClrMapping/>
+  </p:clrMapOvr>
+</p:sld>
+</file>
+
+<file path=ppt/slides/slide10.xml><?xml version="1.0" encoding="utf-8"?>
+<p:sld xmlns:a="http://schemas.openxmlformats.org/drawingml/2006/main" xmlns:r="http://schemas.openxmlformats.org/officeDocument/2006/relationships" xmlns:p="http://schemas.openxmlformats.org/presentationml/2006/main">
+  <p:cSld>
+    <p:spTree>
+      <p:nvGrpSpPr>
+        <p:cNvPr id="1" name=""/>
+        <p:cNvGrpSpPr/>
+        <p:nvPr/>
+      </p:nvGrpSpPr>
+      <p:grpSpPr>
+        <a:xfrm>
+          <a:off x="0" y="0"/>
+          <a:ext cx="0" cy="0"/>
+          <a:chOff x="0" y="0"/>
+          <a:chExt cx="0" cy="0"/>
+        </a:xfrm>
+      </p:grpSpPr>
+      <p:sp>
+        <p:nvSpPr>
+          <p:cNvPr id="4" name="標題 3"/>
+          <p:cNvSpPr>
+            <a:spLocks noGrp="1"/>
+          </p:cNvSpPr>
+          <p:nvPr>
+            <p:ph type="title"/>
+          </p:nvPr>
+        </p:nvSpPr>
+        <p:spPr/>
+        <p:txBody>
+          <a:bodyPr>
+            <a:normAutofit/>
+          </a:bodyPr>
+          <a:lstStyle/>
+          <a:p>
+            <a:r>
+              <a:rPr lang="zh-TW" altLang="en-US" sz="4800" b="1" dirty="0">
+                <a:solidFill>
+                  <a:srgbClr val="660033"/>
+                </a:solidFill>
+                <a:latin typeface="微軟正黑體" pitchFamily="34" charset="-120"/>
+                <a:ea typeface="微軟正黑體" pitchFamily="34" charset="-120"/>
+              </a:rPr>
+              <a:t>只有寶血</a:t>
+            </a:r>
+          </a:p>
+        </p:txBody>
+      </p:sp>
+      <p:sp>
+        <p:nvSpPr>
+          <p:cNvPr id="5" name="內容版面配置區 4"/>
+          <p:cNvSpPr>
+            <a:spLocks noGrp="1"/>
+          </p:cNvSpPr>
+          <p:nvPr>
+            <p:ph idx="1"/>
+          </p:nvPr>
+        </p:nvSpPr>
+        <p:spPr/>
+        <p:txBody>
+          <a:bodyPr>
+            <a:normAutofit/>
+          </a:bodyPr>
+          <a:lstStyle/>
+          <a:p>
+            <a:pPr algn="ctr">
+              <a:buNone/>
+            </a:pPr>
+            <a:r>
+              <a:rPr lang="zh-TW" altLang="en-US" sz="5400" b="1" dirty="0">
+                <a:solidFill>
+                  <a:srgbClr val="660033"/>
+                </a:solidFill>
+                <a:latin typeface="微軟正黑體" pitchFamily="34" charset="-120"/>
+                <a:ea typeface="微軟正黑體" pitchFamily="34" charset="-120"/>
+              </a:rPr>
+              <a:t>主在十架流血</a:t>
+            </a:r>
+          </a:p>
+          <a:p>
+            <a:pPr algn="ctr">
+              <a:buNone/>
+            </a:pPr>
+            <a:r>
+              <a:rPr lang="zh-TW" altLang="en-US" sz="5400" b="1" dirty="0">
+                <a:solidFill>
+                  <a:srgbClr val="660033"/>
+                </a:solidFill>
+                <a:latin typeface="微軟正黑體" pitchFamily="34" charset="-120"/>
+                <a:ea typeface="微軟正黑體" pitchFamily="34" charset="-120"/>
+              </a:rPr>
+              <a:t>洗我罪惡清潔</a:t>
+            </a:r>
+          </a:p>
+          <a:p>
+            <a:pPr algn="ctr">
+              <a:buNone/>
+            </a:pPr>
+            <a:r>
+              <a:rPr lang="zh-TW" altLang="en-US" sz="5400" b="1" dirty="0">
+                <a:solidFill>
+                  <a:srgbClr val="660033"/>
+                </a:solidFill>
+                <a:latin typeface="微軟正黑體" pitchFamily="34" charset="-120"/>
+                <a:ea typeface="微軟正黑體" pitchFamily="34" charset="-120"/>
+              </a:rPr>
+              <a:t>使我白超乎雪</a:t>
+            </a:r>
+          </a:p>
+          <a:p>
+            <a:pPr algn="ctr">
+              <a:buNone/>
+            </a:pPr>
+            <a:r>
+              <a:rPr lang="zh-TW" altLang="en-US" sz="5400" b="1" dirty="0">
+                <a:solidFill>
+                  <a:srgbClr val="660033"/>
+                </a:solidFill>
+                <a:latin typeface="微軟正黑體" pitchFamily="34" charset="-120"/>
+                <a:ea typeface="微軟正黑體" pitchFamily="34" charset="-120"/>
+              </a:rPr>
+              <a:t>全賴主耶穌之寶血</a:t>
+            </a:r>
+          </a:p>
+        </p:txBody>
+      </p:sp>
+    </p:spTree>
+    <p:extLst>
+      <p:ext uri="{BB962C8B-B14F-4D97-AF65-F5344CB8AC3E}">
+        <p14:creationId xmlns:p14="http://schemas.microsoft.com/office/powerpoint/2010/main" val="2190578349"/>
+      </p:ext>
+    </p:extLst>
+  </p:cSld>
+  <p:clrMapOvr>
+    <a:masterClrMapping/>
+  </p:clrMapOvr>
+</p:sld>
+</file>
+
+<file path=ppt/slides/slide11.xml><?xml version="1.0" encoding="utf-8"?>
+<p:sld xmlns:a="http://schemas.openxmlformats.org/drawingml/2006/main" xmlns:r="http://schemas.openxmlformats.org/officeDocument/2006/relationships" xmlns:p="http://schemas.openxmlformats.org/presentationml/2006/main">
+  <p:cSld>
+    <p:spTree>
+      <p:nvGrpSpPr>
+        <p:cNvPr id="1" name=""/>
+        <p:cNvGrpSpPr/>
+        <p:nvPr/>
+      </p:nvGrpSpPr>
+      <p:grpSpPr>
+        <a:xfrm>
+          <a:off x="0" y="0"/>
+          <a:ext cx="0" cy="0"/>
+          <a:chOff x="0" y="0"/>
+          <a:chExt cx="0" cy="0"/>
+        </a:xfrm>
+      </p:grpSpPr>
+      <p:sp>
+        <p:nvSpPr>
+          <p:cNvPr id="4" name="標題 3"/>
+          <p:cNvSpPr>
+            <a:spLocks noGrp="1"/>
+          </p:cNvSpPr>
+          <p:nvPr>
+            <p:ph type="title"/>
+          </p:nvPr>
+        </p:nvSpPr>
+        <p:spPr/>
+        <p:txBody>
+          <a:bodyPr>
+            <a:normAutofit/>
+          </a:bodyPr>
+          <a:lstStyle/>
+          <a:p>
+            <a:r>
+              <a:rPr lang="zh-TW" altLang="en-US" sz="4800" b="1" dirty="0">
+                <a:solidFill>
+                  <a:srgbClr val="660033"/>
+                </a:solidFill>
+                <a:latin typeface="微軟正黑體" pitchFamily="34" charset="-120"/>
+                <a:ea typeface="微軟正黑體" pitchFamily="34" charset="-120"/>
+              </a:rPr>
+              <a:t>只有寶血</a:t>
+            </a:r>
+          </a:p>
+        </p:txBody>
+      </p:sp>
+      <p:sp>
+        <p:nvSpPr>
+          <p:cNvPr id="5" name="內容版面配置區 4"/>
+          <p:cNvSpPr>
+            <a:spLocks noGrp="1"/>
+          </p:cNvSpPr>
+          <p:nvPr>
+            <p:ph idx="1"/>
+          </p:nvPr>
+        </p:nvSpPr>
+        <p:spPr/>
+        <p:txBody>
+          <a:bodyPr>
+            <a:normAutofit/>
+          </a:bodyPr>
+          <a:lstStyle/>
+          <a:p>
+            <a:pPr lvl="0" algn="ctr">
+              <a:buNone/>
+            </a:pPr>
+            <a:r>
+              <a:rPr lang="zh-CN" altLang="en-US" sz="5400" b="1" dirty="0">
+                <a:solidFill>
+                  <a:srgbClr val="660033"/>
+                </a:solidFill>
+                <a:latin typeface="微軟正黑體" pitchFamily="34" charset="-120"/>
+                <a:ea typeface="微軟正黑體" pitchFamily="34" charset="-120"/>
+              </a:rPr>
+              <a:t>尊</a:t>
+            </a:r>
+            <a:r>
+              <a:rPr lang="zh-CN" altLang="en-US" sz="5400" b="1" dirty="0" smtClean="0">
+                <a:solidFill>
+                  <a:srgbClr val="660033"/>
+                </a:solidFill>
+                <a:latin typeface="微軟正黑體" pitchFamily="34" charset="-120"/>
+                <a:ea typeface="微軟正黑體" pitchFamily="34" charset="-120"/>
+              </a:rPr>
+              <a:t>貴榮耀並頌讚</a:t>
+            </a:r>
+            <a:endParaRPr lang="en-US" altLang="zh-CN" sz="5400" b="1" dirty="0" smtClean="0">
+              <a:solidFill>
+                <a:srgbClr val="660033"/>
+              </a:solidFill>
+              <a:latin typeface="微軟正黑體" pitchFamily="34" charset="-120"/>
+              <a:ea typeface="微軟正黑體" pitchFamily="34" charset="-120"/>
+            </a:endParaRPr>
+          </a:p>
+          <a:p>
+            <a:pPr lvl="0" algn="ctr">
+              <a:buNone/>
+            </a:pPr>
+            <a:r>
+              <a:rPr lang="zh-CN" altLang="en-US" sz="5400" b="1" dirty="0" smtClean="0">
+                <a:solidFill>
+                  <a:srgbClr val="660033"/>
+                </a:solidFill>
+                <a:latin typeface="微軟正黑體" pitchFamily="34" charset="-120"/>
+                <a:ea typeface="微軟正黑體" pitchFamily="34" charset="-120"/>
+              </a:rPr>
+              <a:t>歸與主耶穌之寶血</a:t>
+            </a:r>
+            <a:endParaRPr lang="en-US" altLang="zh-CN" sz="5400" b="1" dirty="0" smtClean="0">
+              <a:solidFill>
+                <a:srgbClr val="660033"/>
+              </a:solidFill>
+              <a:latin typeface="微軟正黑體" pitchFamily="34" charset="-120"/>
+              <a:ea typeface="微軟正黑體" pitchFamily="34" charset="-120"/>
+            </a:endParaRPr>
+          </a:p>
+          <a:p>
+            <a:pPr algn="ctr">
+              <a:buNone/>
+            </a:pPr>
+            <a:r>
+              <a:rPr lang="zh-CN" altLang="en-US" sz="5400" b="1" dirty="0">
+                <a:solidFill>
+                  <a:srgbClr val="660033"/>
+                </a:solidFill>
+                <a:latin typeface="微軟正黑體" pitchFamily="34" charset="-120"/>
+                <a:ea typeface="微軟正黑體" pitchFamily="34" charset="-120"/>
+              </a:rPr>
+              <a:t>尊貴榮耀並頌讚</a:t>
+            </a:r>
+            <a:endParaRPr lang="en-US" altLang="zh-CN" sz="5400" b="1" dirty="0">
+              <a:solidFill>
+                <a:srgbClr val="660033"/>
+              </a:solidFill>
+              <a:latin typeface="微軟正黑體" pitchFamily="34" charset="-120"/>
+              <a:ea typeface="微軟正黑體" pitchFamily="34" charset="-120"/>
+            </a:endParaRPr>
+          </a:p>
+          <a:p>
+            <a:pPr algn="ctr">
+              <a:buNone/>
+            </a:pPr>
+            <a:r>
+              <a:rPr lang="zh-CN" altLang="en-US" sz="5400" b="1" dirty="0">
+                <a:solidFill>
+                  <a:srgbClr val="660033"/>
+                </a:solidFill>
+                <a:latin typeface="微軟正黑體" pitchFamily="34" charset="-120"/>
+                <a:ea typeface="微軟正黑體" pitchFamily="34" charset="-120"/>
+              </a:rPr>
+              <a:t>歸與主耶穌之寶</a:t>
+            </a:r>
+            <a:r>
+              <a:rPr lang="zh-CN" altLang="en-US" sz="5400" b="1" dirty="0" smtClean="0">
+                <a:solidFill>
+                  <a:srgbClr val="660033"/>
+                </a:solidFill>
+                <a:latin typeface="微軟正黑體" pitchFamily="34" charset="-120"/>
+                <a:ea typeface="微軟正黑體" pitchFamily="34" charset="-120"/>
+              </a:rPr>
+              <a:t>血</a:t>
+            </a:r>
+            <a:endParaRPr lang="en-US" altLang="zh-CN" sz="5400" b="1" dirty="0">
+              <a:solidFill>
+                <a:srgbClr val="660033"/>
+              </a:solidFill>
+              <a:latin typeface="微軟正黑體" pitchFamily="34" charset="-120"/>
+              <a:ea typeface="微軟正黑體" pitchFamily="34" charset="-120"/>
+            </a:endParaRPr>
+          </a:p>
+        </p:txBody>
+      </p:sp>
+      <p:sp>
+        <p:nvSpPr>
+          <p:cNvPr id="6" name="TextBox 5"/>
+          <p:cNvSpPr txBox="1"/>
+          <p:nvPr/>
+        </p:nvSpPr>
+        <p:spPr>
+          <a:xfrm>
+            <a:off x="1415480" y="1772816"/>
+            <a:ext cx="1008112" cy="830997"/>
+          </a:xfrm>
+          <a:prstGeom prst="rect">
+            <a:avLst/>
+          </a:prstGeom>
+          <a:noFill/>
+        </p:spPr>
+        <p:txBody>
+          <a:bodyPr wrap="square" rtlCol="0">
+            <a:spAutoFit/>
+          </a:bodyPr>
+          <a:lstStyle/>
+          <a:p>
+            <a:r>
+              <a:rPr lang="en-US" sz="4800" b="1" dirty="0" smtClean="0">
+                <a:solidFill>
+                  <a:srgbClr val="660033"/>
+                </a:solidFill>
+                <a:ea typeface="微軟正黑體" pitchFamily="34" charset="-120"/>
+              </a:rPr>
+              <a:t>6.</a:t>
+            </a:r>
+            <a:endParaRPr lang="vi-VN" sz="4800" b="1" dirty="0">
+              <a:solidFill>
+                <a:srgbClr val="660033"/>
+              </a:solidFill>
+              <a:ea typeface="微軟正黑體" pitchFamily="34" charset="-120"/>
+            </a:endParaRPr>
+          </a:p>
+        </p:txBody>
+      </p:sp>
+    </p:spTree>
+  </p:cSld>
+  <p:clrMapOvr>
+    <a:masterClrMapping/>
+  </p:clrMapOvr>
+</p:sld>
+</file>
+
+<file path=ppt/slides/slide12.xml><?xml version="1.0" encoding="utf-8"?>
+<p:sld xmlns:a="http://schemas.openxmlformats.org/drawingml/2006/main" xmlns:r="http://schemas.openxmlformats.org/officeDocument/2006/relationships" xmlns:p="http://schemas.openxmlformats.org/presentationml/2006/main">
+  <p:cSld>
+    <p:spTree>
+      <p:nvGrpSpPr>
+        <p:cNvPr id="1" name=""/>
+        <p:cNvGrpSpPr/>
+        <p:nvPr/>
+      </p:nvGrpSpPr>
+      <p:grpSpPr>
+        <a:xfrm>
+          <a:off x="0" y="0"/>
+          <a:ext cx="0" cy="0"/>
+          <a:chOff x="0" y="0"/>
+          <a:chExt cx="0" cy="0"/>
+        </a:xfrm>
+      </p:grpSpPr>
+      <p:sp>
+        <p:nvSpPr>
+          <p:cNvPr id="4" name="標題 3"/>
+          <p:cNvSpPr>
+            <a:spLocks noGrp="1"/>
+          </p:cNvSpPr>
+          <p:nvPr>
+            <p:ph type="title"/>
+          </p:nvPr>
+        </p:nvSpPr>
+        <p:spPr/>
+        <p:txBody>
+          <a:bodyPr>
+            <a:normAutofit/>
+          </a:bodyPr>
+          <a:lstStyle/>
+          <a:p>
+            <a:r>
+              <a:rPr lang="zh-TW" altLang="en-US" sz="4800" b="1" dirty="0">
+                <a:solidFill>
+                  <a:srgbClr val="660033"/>
+                </a:solidFill>
+                <a:latin typeface="微軟正黑體" pitchFamily="34" charset="-120"/>
+                <a:ea typeface="微軟正黑體" pitchFamily="34" charset="-120"/>
+              </a:rPr>
+              <a:t>只有寶血</a:t>
+            </a:r>
+          </a:p>
+        </p:txBody>
+      </p:sp>
+      <p:sp>
+        <p:nvSpPr>
+          <p:cNvPr id="5" name="內容版面配置區 4"/>
+          <p:cNvSpPr>
+            <a:spLocks noGrp="1"/>
+          </p:cNvSpPr>
+          <p:nvPr>
+            <p:ph idx="1"/>
+          </p:nvPr>
+        </p:nvSpPr>
+        <p:spPr/>
+        <p:txBody>
+          <a:bodyPr>
+            <a:normAutofit/>
+          </a:bodyPr>
+          <a:lstStyle/>
+          <a:p>
+            <a:pPr algn="ctr">
+              <a:buNone/>
+            </a:pPr>
+            <a:r>
+              <a:rPr lang="zh-TW" altLang="en-US" sz="5400" b="1" dirty="0">
+                <a:solidFill>
+                  <a:srgbClr val="660033"/>
+                </a:solidFill>
+                <a:latin typeface="微軟正黑體" pitchFamily="34" charset="-120"/>
+                <a:ea typeface="微軟正黑體" pitchFamily="34" charset="-120"/>
+              </a:rPr>
+              <a:t>主在十架流血</a:t>
+            </a:r>
+          </a:p>
+          <a:p>
+            <a:pPr algn="ctr">
+              <a:buNone/>
+            </a:pPr>
+            <a:r>
+              <a:rPr lang="zh-TW" altLang="en-US" sz="5400" b="1" dirty="0">
+                <a:solidFill>
+                  <a:srgbClr val="660033"/>
+                </a:solidFill>
+                <a:latin typeface="微軟正黑體" pitchFamily="34" charset="-120"/>
+                <a:ea typeface="微軟正黑體" pitchFamily="34" charset="-120"/>
+              </a:rPr>
+              <a:t>洗我罪惡清潔</a:t>
+            </a:r>
+          </a:p>
+          <a:p>
+            <a:pPr algn="ctr">
+              <a:buNone/>
+            </a:pPr>
+            <a:r>
+              <a:rPr lang="zh-TW" altLang="en-US" sz="5400" b="1" dirty="0">
+                <a:solidFill>
+                  <a:srgbClr val="660033"/>
+                </a:solidFill>
+                <a:latin typeface="微軟正黑體" pitchFamily="34" charset="-120"/>
+                <a:ea typeface="微軟正黑體" pitchFamily="34" charset="-120"/>
+              </a:rPr>
+              <a:t>使我白超乎雪</a:t>
+            </a:r>
+          </a:p>
+          <a:p>
+            <a:pPr algn="ctr">
+              <a:buNone/>
+            </a:pPr>
+            <a:r>
+              <a:rPr lang="zh-TW" altLang="en-US" sz="5400" b="1" dirty="0">
+                <a:solidFill>
+                  <a:srgbClr val="660033"/>
+                </a:solidFill>
+                <a:latin typeface="微軟正黑體" pitchFamily="34" charset="-120"/>
+                <a:ea typeface="微軟正黑體" pitchFamily="34" charset="-120"/>
+              </a:rPr>
+              <a:t>全賴主耶穌之寶血</a:t>
             </a:r>
           </a:p>
         </p:txBody>
@@ -3219,40 +3772,42 @@
         </p:nvSpPr>
         <p:spPr/>
         <p:txBody>
-          <a:bodyPr/>
-          <a:lstStyle/>
-          <a:p>
-            <a:r>
-              <a:rPr lang="zh-TW" altLang="en-US" b="1" dirty="0">
-                <a:solidFill>
-                  <a:srgbClr val="660033"/>
-                </a:solidFill>
-                <a:latin typeface="微軟正黑體" pitchFamily="34" charset="-120"/>
-                <a:ea typeface="微軟正黑體" pitchFamily="34" charset="-120"/>
-              </a:rPr>
-              <a:t>只有寶血</a:t>
-            </a:r>
-          </a:p>
-        </p:txBody>
-      </p:sp>
-      <p:sp>
-        <p:nvSpPr>
-          <p:cNvPr id="5" name="內容版面配置區 4"/>
-          <p:cNvSpPr>
-            <a:spLocks noGrp="1"/>
-          </p:cNvSpPr>
-          <p:nvPr>
-            <p:ph idx="1"/>
-          </p:nvPr>
-        </p:nvSpPr>
-        <p:spPr/>
-        <p:txBody>
           <a:bodyPr>
             <a:normAutofit/>
           </a:bodyPr>
           <a:lstStyle/>
           <a:p>
-            <a:pPr lvl="0" algn="ctr">
+            <a:r>
+              <a:rPr lang="zh-TW" altLang="en-US" sz="4800" b="1" dirty="0">
+                <a:solidFill>
+                  <a:srgbClr val="660033"/>
+                </a:solidFill>
+                <a:latin typeface="微軟正黑體" pitchFamily="34" charset="-120"/>
+                <a:ea typeface="微軟正黑體" pitchFamily="34" charset="-120"/>
+              </a:rPr>
+              <a:t>只有寶血</a:t>
+            </a:r>
+          </a:p>
+        </p:txBody>
+      </p:sp>
+      <p:sp>
+        <p:nvSpPr>
+          <p:cNvPr id="5" name="內容版面配置區 4"/>
+          <p:cNvSpPr>
+            <a:spLocks noGrp="1"/>
+          </p:cNvSpPr>
+          <p:nvPr>
+            <p:ph idx="1"/>
+          </p:nvPr>
+        </p:nvSpPr>
+        <p:spPr/>
+        <p:txBody>
+          <a:bodyPr>
+            <a:normAutofit/>
+          </a:bodyPr>
+          <a:lstStyle/>
+          <a:p>
+            <a:pPr algn="ctr">
               <a:buNone/>
             </a:pPr>
             <a:r>
@@ -3263,7 +3818,7 @@
                 <a:latin typeface="微軟正黑體" pitchFamily="34" charset="-120"/>
                 <a:ea typeface="微軟正黑體" pitchFamily="34" charset="-120"/>
               </a:rPr>
-              <a:t>何能救贖我罪人</a:t>
+              <a:t>主在十架流血</a:t>
             </a:r>
           </a:p>
           <a:p>
@@ -3278,7 +3833,7 @@
                 <a:latin typeface="微軟正黑體" pitchFamily="34" charset="-120"/>
                 <a:ea typeface="微軟正黑體" pitchFamily="34" charset="-120"/>
               </a:rPr>
-              <a:t>只有主耶穌之寶血</a:t>
+              <a:t>洗我罪惡清潔</a:t>
             </a:r>
           </a:p>
           <a:p>
@@ -3293,7 +3848,7 @@
                 <a:latin typeface="微軟正黑體" pitchFamily="34" charset="-120"/>
                 <a:ea typeface="微軟正黑體" pitchFamily="34" charset="-120"/>
               </a:rPr>
-              <a:t>何能使我近真神</a:t>
+              <a:t>使我白超乎雪</a:t>
             </a:r>
           </a:p>
           <a:p>
@@ -3308,12 +3863,17 @@
                 <a:latin typeface="微軟正黑體" pitchFamily="34" charset="-120"/>
                 <a:ea typeface="微軟正黑體" pitchFamily="34" charset="-120"/>
               </a:rPr>
-              <a:t>只有主耶穌之寶血</a:t>
+              <a:t>全賴主耶穌之寶血</a:t>
             </a:r>
           </a:p>
         </p:txBody>
       </p:sp>
     </p:spTree>
+    <p:extLst>
+      <p:ext uri="{BB962C8B-B14F-4D97-AF65-F5344CB8AC3E}">
+        <p14:creationId xmlns:p14="http://schemas.microsoft.com/office/powerpoint/2010/main" val="1482074734"/>
+      </p:ext>
+    </p:extLst>
   </p:cSld>
   <p:clrMapOvr>
     <a:masterClrMapping/>
@@ -3350,39 +3910,56 @@
         </p:nvSpPr>
         <p:spPr/>
         <p:txBody>
-          <a:bodyPr/>
-          <a:lstStyle/>
-          <a:p>
-            <a:r>
-              <a:rPr lang="zh-TW" altLang="en-US" b="1" dirty="0">
-                <a:solidFill>
-                  <a:srgbClr val="660033"/>
-                </a:solidFill>
-                <a:latin typeface="微軟正黑體" pitchFamily="34" charset="-120"/>
-                <a:ea typeface="微軟正黑體" pitchFamily="34" charset="-120"/>
-              </a:rPr>
-              <a:t>只有寶血</a:t>
-            </a:r>
-          </a:p>
-        </p:txBody>
-      </p:sp>
-      <p:sp>
-        <p:nvSpPr>
-          <p:cNvPr id="5" name="內容版面配置區 4"/>
-          <p:cNvSpPr>
-            <a:spLocks noGrp="1"/>
-          </p:cNvSpPr>
-          <p:nvPr>
-            <p:ph idx="1"/>
-          </p:nvPr>
-        </p:nvSpPr>
-        <p:spPr/>
-        <p:txBody>
           <a:bodyPr>
             <a:normAutofit/>
           </a:bodyPr>
           <a:lstStyle/>
           <a:p>
+            <a:r>
+              <a:rPr lang="zh-TW" altLang="en-US" sz="4800" b="1" dirty="0">
+                <a:solidFill>
+                  <a:srgbClr val="660033"/>
+                </a:solidFill>
+                <a:latin typeface="微軟正黑體" pitchFamily="34" charset="-120"/>
+                <a:ea typeface="微軟正黑體" pitchFamily="34" charset="-120"/>
+              </a:rPr>
+              <a:t>只有寶血</a:t>
+            </a:r>
+          </a:p>
+        </p:txBody>
+      </p:sp>
+      <p:sp>
+        <p:nvSpPr>
+          <p:cNvPr id="5" name="內容版面配置區 4"/>
+          <p:cNvSpPr>
+            <a:spLocks noGrp="1"/>
+          </p:cNvSpPr>
+          <p:nvPr>
+            <p:ph idx="1"/>
+          </p:nvPr>
+        </p:nvSpPr>
+        <p:spPr/>
+        <p:txBody>
+          <a:bodyPr>
+            <a:normAutofit/>
+          </a:bodyPr>
+          <a:lstStyle/>
+          <a:p>
+            <a:pPr lvl="0" algn="ctr">
+              <a:buNone/>
+            </a:pPr>
+            <a:r>
+              <a:rPr lang="zh-TW" altLang="en-US" sz="5400" b="1" dirty="0">
+                <a:solidFill>
+                  <a:srgbClr val="660033"/>
+                </a:solidFill>
+                <a:latin typeface="微軟正黑體" pitchFamily="34" charset="-120"/>
+                <a:ea typeface="微軟正黑體" pitchFamily="34" charset="-120"/>
+              </a:rPr>
+              <a:t>何能救贖我罪人</a:t>
+            </a:r>
+          </a:p>
+          <a:p>
             <a:pPr algn="ctr">
               <a:buNone/>
             </a:pPr>
@@ -3394,7 +3971,7 @@
                 <a:latin typeface="微軟正黑體" pitchFamily="34" charset="-120"/>
                 <a:ea typeface="微軟正黑體" pitchFamily="34" charset="-120"/>
               </a:rPr>
-              <a:t>主在十架流血</a:t>
+              <a:t>只有主耶穌之寶血</a:t>
             </a:r>
           </a:p>
           <a:p>
@@ -3409,8 +3986,45 @@
                 <a:latin typeface="微軟正黑體" pitchFamily="34" charset="-120"/>
                 <a:ea typeface="微軟正黑體" pitchFamily="34" charset="-120"/>
               </a:rPr>
-              <a:t>洗我罪惡清潔</a:t>
-            </a:r>
+              <a:t>何能使</a:t>
+            </a:r>
+            <a:r>
+              <a:rPr lang="zh-TW" altLang="en-US" sz="5400" b="1" dirty="0" smtClean="0">
+                <a:solidFill>
+                  <a:srgbClr val="660033"/>
+                </a:solidFill>
+                <a:latin typeface="微軟正黑體" pitchFamily="34" charset="-120"/>
+                <a:ea typeface="微軟正黑體" pitchFamily="34" charset="-120"/>
+              </a:rPr>
+              <a:t>我</a:t>
+            </a:r>
+            <a:r>
+              <a:rPr lang="zh-CN" altLang="en-US" sz="5400" b="1" dirty="0">
+                <a:solidFill>
+                  <a:srgbClr val="660033"/>
+                </a:solidFill>
+                <a:latin typeface="微軟正黑體" pitchFamily="34" charset="-120"/>
+                <a:ea typeface="微軟正黑體" pitchFamily="34" charset="-120"/>
+              </a:rPr>
+              <a:t>與</a:t>
+            </a:r>
+            <a:r>
+              <a:rPr lang="zh-TW" altLang="en-US" sz="5400" b="1" dirty="0" smtClean="0">
+                <a:solidFill>
+                  <a:srgbClr val="660033"/>
+                </a:solidFill>
+                <a:latin typeface="微軟正黑體" pitchFamily="34" charset="-120"/>
+                <a:ea typeface="微軟正黑體" pitchFamily="34" charset="-120"/>
+              </a:rPr>
+              <a:t>神近</a:t>
+            </a:r>
+            <a:endParaRPr lang="zh-TW" altLang="en-US" sz="5400" b="1" dirty="0">
+              <a:solidFill>
+                <a:srgbClr val="660033"/>
+              </a:solidFill>
+              <a:latin typeface="微軟正黑體" pitchFamily="34" charset="-120"/>
+              <a:ea typeface="微軟正黑體" pitchFamily="34" charset="-120"/>
+            </a:endParaRPr>
           </a:p>
           <a:p>
             <a:pPr algn="ctr">
@@ -3424,23 +4038,48 @@
                 <a:latin typeface="微軟正黑體" pitchFamily="34" charset="-120"/>
                 <a:ea typeface="微軟正黑體" pitchFamily="34" charset="-120"/>
               </a:rPr>
-              <a:t>使我白超乎雪</a:t>
-            </a:r>
-          </a:p>
-          <a:p>
-            <a:pPr algn="ctr">
-              <a:buNone/>
-            </a:pPr>
-            <a:r>
-              <a:rPr lang="zh-TW" altLang="en-US" sz="5400" b="1" dirty="0">
-                <a:solidFill>
-                  <a:srgbClr val="660033"/>
-                </a:solidFill>
-                <a:latin typeface="微軟正黑體" pitchFamily="34" charset="-120"/>
-                <a:ea typeface="微軟正黑體" pitchFamily="34" charset="-120"/>
-              </a:rPr>
-              <a:t>全賴主耶穌之寶血</a:t>
-            </a:r>
+              <a:t>只有主耶穌之寶血</a:t>
+            </a:r>
+          </a:p>
+        </p:txBody>
+      </p:sp>
+      <p:sp>
+        <p:nvSpPr>
+          <p:cNvPr id="6" name="TextBox 5"/>
+          <p:cNvSpPr txBox="1"/>
+          <p:nvPr/>
+        </p:nvSpPr>
+        <p:spPr>
+          <a:xfrm>
+            <a:off x="1415480" y="1772816"/>
+            <a:ext cx="1008112" cy="830997"/>
+          </a:xfrm>
+          <a:prstGeom prst="rect">
+            <a:avLst/>
+          </a:prstGeom>
+          <a:noFill/>
+        </p:spPr>
+        <p:txBody>
+          <a:bodyPr wrap="square" rtlCol="0">
+            <a:spAutoFit/>
+          </a:bodyPr>
+          <a:lstStyle/>
+          <a:p>
+            <a:r>
+              <a:rPr lang="en-US" sz="4800" b="1" dirty="0" smtClean="0">
+                <a:solidFill>
+                  <a:srgbClr val="660033"/>
+                </a:solidFill>
+                <a:ea typeface="微軟正黑體" pitchFamily="34" charset="-120"/>
+              </a:rPr>
+              <a:t>2.</a:t>
+            </a:r>
+            <a:endParaRPr lang="vi-VN" sz="4800" b="1" dirty="0">
+              <a:solidFill>
+                <a:srgbClr val="660033"/>
+              </a:solidFill>
+              <a:ea typeface="微軟正黑體" pitchFamily="34" charset="-120"/>
+            </a:endParaRPr>
           </a:p>
         </p:txBody>
       </p:sp>
@@ -3481,40 +4120,42 @@
         </p:nvSpPr>
         <p:spPr/>
         <p:txBody>
-          <a:bodyPr/>
-          <a:lstStyle/>
-          <a:p>
-            <a:r>
-              <a:rPr lang="zh-TW" altLang="en-US" b="1" dirty="0">
-                <a:solidFill>
-                  <a:srgbClr val="660033"/>
-                </a:solidFill>
-                <a:latin typeface="微軟正黑體" pitchFamily="34" charset="-120"/>
-                <a:ea typeface="微軟正黑體" pitchFamily="34" charset="-120"/>
-              </a:rPr>
-              <a:t>只有寶血</a:t>
-            </a:r>
-          </a:p>
-        </p:txBody>
-      </p:sp>
-      <p:sp>
-        <p:nvSpPr>
-          <p:cNvPr id="5" name="內容版面配置區 4"/>
-          <p:cNvSpPr>
-            <a:spLocks noGrp="1"/>
-          </p:cNvSpPr>
-          <p:nvPr>
-            <p:ph idx="1"/>
-          </p:nvPr>
-        </p:nvSpPr>
-        <p:spPr/>
-        <p:txBody>
           <a:bodyPr>
             <a:normAutofit/>
           </a:bodyPr>
           <a:lstStyle/>
           <a:p>
-            <a:pPr lvl="0" algn="ctr">
+            <a:r>
+              <a:rPr lang="zh-TW" altLang="en-US" sz="4800" b="1" dirty="0">
+                <a:solidFill>
+                  <a:srgbClr val="660033"/>
+                </a:solidFill>
+                <a:latin typeface="微軟正黑體" pitchFamily="34" charset="-120"/>
+                <a:ea typeface="微軟正黑體" pitchFamily="34" charset="-120"/>
+              </a:rPr>
+              <a:t>只有寶血</a:t>
+            </a:r>
+          </a:p>
+        </p:txBody>
+      </p:sp>
+      <p:sp>
+        <p:nvSpPr>
+          <p:cNvPr id="5" name="內容版面配置區 4"/>
+          <p:cNvSpPr>
+            <a:spLocks noGrp="1"/>
+          </p:cNvSpPr>
+          <p:nvPr>
+            <p:ph idx="1"/>
+          </p:nvPr>
+        </p:nvSpPr>
+        <p:spPr/>
+        <p:txBody>
+          <a:bodyPr>
+            <a:normAutofit/>
+          </a:bodyPr>
+          <a:lstStyle/>
+          <a:p>
+            <a:pPr algn="ctr">
               <a:buNone/>
             </a:pPr>
             <a:r>
@@ -3525,7 +4166,7 @@
                 <a:latin typeface="微軟正黑體" pitchFamily="34" charset="-120"/>
                 <a:ea typeface="微軟正黑體" pitchFamily="34" charset="-120"/>
               </a:rPr>
-              <a:t>何能使我出黑暗</a:t>
+              <a:t>主在十架流血</a:t>
             </a:r>
           </a:p>
           <a:p>
@@ -3540,7 +4181,7 @@
                 <a:latin typeface="微軟正黑體" pitchFamily="34" charset="-120"/>
                 <a:ea typeface="微軟正黑體" pitchFamily="34" charset="-120"/>
               </a:rPr>
-              <a:t>只有主耶穌之寶血</a:t>
+              <a:t>洗我罪惡清潔</a:t>
             </a:r>
           </a:p>
           <a:p>
@@ -3555,7 +4196,7 @@
                 <a:latin typeface="微軟正黑體" pitchFamily="34" charset="-120"/>
                 <a:ea typeface="微軟正黑體" pitchFamily="34" charset="-120"/>
               </a:rPr>
-              <a:t>何能使我入光明</a:t>
+              <a:t>使我白超乎雪</a:t>
             </a:r>
           </a:p>
           <a:p>
@@ -3570,7 +4211,7 @@
                 <a:latin typeface="微軟正黑體" pitchFamily="34" charset="-120"/>
                 <a:ea typeface="微軟正黑體" pitchFamily="34" charset="-120"/>
               </a:rPr>
-              <a:t>只有主耶穌之寶血</a:t>
+              <a:t>全賴主耶穌之寶血</a:t>
             </a:r>
           </a:p>
         </p:txBody>
@@ -3612,39 +4253,41 @@
         </p:nvSpPr>
         <p:spPr/>
         <p:txBody>
-          <a:bodyPr/>
-          <a:lstStyle/>
-          <a:p>
-            <a:r>
-              <a:rPr lang="zh-TW" altLang="en-US" b="1" dirty="0">
-                <a:solidFill>
-                  <a:srgbClr val="660033"/>
-                </a:solidFill>
-                <a:latin typeface="微軟正黑體" pitchFamily="34" charset="-120"/>
-                <a:ea typeface="微軟正黑體" pitchFamily="34" charset="-120"/>
-              </a:rPr>
-              <a:t>只有寶血</a:t>
-            </a:r>
-          </a:p>
-        </p:txBody>
-      </p:sp>
-      <p:sp>
-        <p:nvSpPr>
-          <p:cNvPr id="5" name="內容版面配置區 4"/>
-          <p:cNvSpPr>
-            <a:spLocks noGrp="1"/>
-          </p:cNvSpPr>
-          <p:nvPr>
-            <p:ph idx="1"/>
-          </p:nvPr>
-        </p:nvSpPr>
-        <p:spPr/>
-        <p:txBody>
           <a:bodyPr>
             <a:normAutofit/>
           </a:bodyPr>
           <a:lstStyle/>
           <a:p>
+            <a:r>
+              <a:rPr lang="zh-TW" altLang="en-US" sz="4800" b="1" dirty="0">
+                <a:solidFill>
+                  <a:srgbClr val="660033"/>
+                </a:solidFill>
+                <a:latin typeface="微軟正黑體" pitchFamily="34" charset="-120"/>
+                <a:ea typeface="微軟正黑體" pitchFamily="34" charset="-120"/>
+              </a:rPr>
+              <a:t>只有寶血</a:t>
+            </a:r>
+          </a:p>
+        </p:txBody>
+      </p:sp>
+      <p:sp>
+        <p:nvSpPr>
+          <p:cNvPr id="5" name="內容版面配置區 4"/>
+          <p:cNvSpPr>
+            <a:spLocks noGrp="1"/>
+          </p:cNvSpPr>
+          <p:nvPr>
+            <p:ph idx="1"/>
+          </p:nvPr>
+        </p:nvSpPr>
+        <p:spPr/>
+        <p:txBody>
+          <a:bodyPr>
+            <a:normAutofit/>
+          </a:bodyPr>
+          <a:lstStyle/>
+          <a:p>
             <a:pPr lvl="0" algn="ctr">
               <a:buNone/>
             </a:pPr>
@@ -3703,6 +4346,62 @@
               </a:rPr>
               <a:t>只有主耶穌之寶血</a:t>
             </a:r>
+            <a:endParaRPr lang="zh-TW" altLang="en-US" sz="5400" b="1" dirty="0">
+              <a:solidFill>
+                <a:srgbClr val="660033"/>
+              </a:solidFill>
+              <a:latin typeface="微軟正黑體" pitchFamily="34" charset="-120"/>
+              <a:ea typeface="微軟正黑體" pitchFamily="34" charset="-120"/>
+            </a:endParaRPr>
+          </a:p>
+        </p:txBody>
+      </p:sp>
+      <p:sp>
+        <p:nvSpPr>
+          <p:cNvPr id="6" name="TextBox 5"/>
+          <p:cNvSpPr txBox="1"/>
+          <p:nvPr/>
+        </p:nvSpPr>
+        <p:spPr>
+          <a:xfrm>
+            <a:off x="1415480" y="1772816"/>
+            <a:ext cx="1008112" cy="830997"/>
+          </a:xfrm>
+          <a:prstGeom prst="rect">
+            <a:avLst/>
+          </a:prstGeom>
+          <a:noFill/>
+        </p:spPr>
+        <p:txBody>
+          <a:bodyPr wrap="square" rtlCol="0">
+            <a:spAutoFit/>
+          </a:bodyPr>
+          <a:lstStyle/>
+          <a:p>
+            <a:r>
+              <a:rPr lang="en-US" sz="4800" b="1" dirty="0">
+                <a:solidFill>
+                  <a:srgbClr val="660033"/>
+                </a:solidFill>
+                <a:ea typeface="微軟正黑體" pitchFamily="34" charset="-120"/>
+              </a:rPr>
+              <a:t>3</a:t>
+            </a:r>
+            <a:r>
+              <a:rPr lang="en-US" sz="4800" b="1" dirty="0" smtClean="0">
+                <a:solidFill>
+                  <a:srgbClr val="660033"/>
+                </a:solidFill>
+                <a:ea typeface="微軟正黑體" pitchFamily="34" charset="-120"/>
+              </a:rPr>
+              <a:t>.</a:t>
+            </a:r>
+            <a:endParaRPr lang="vi-VN" sz="4800" b="1" dirty="0">
+              <a:solidFill>
+                <a:srgbClr val="660033"/>
+              </a:solidFill>
+              <a:ea typeface="微軟正黑體" pitchFamily="34" charset="-120"/>
+            </a:endParaRPr>
           </a:p>
         </p:txBody>
       </p:sp>
@@ -3743,39 +4442,41 @@
         </p:nvSpPr>
         <p:spPr/>
         <p:txBody>
-          <a:bodyPr/>
-          <a:lstStyle/>
-          <a:p>
-            <a:r>
-              <a:rPr lang="zh-TW" altLang="en-US" b="1" dirty="0">
-                <a:solidFill>
-                  <a:srgbClr val="660033"/>
-                </a:solidFill>
-                <a:latin typeface="微軟正黑體" pitchFamily="34" charset="-120"/>
-                <a:ea typeface="微軟正黑體" pitchFamily="34" charset="-120"/>
-              </a:rPr>
-              <a:t>只有寶血</a:t>
-            </a:r>
-          </a:p>
-        </p:txBody>
-      </p:sp>
-      <p:sp>
-        <p:nvSpPr>
-          <p:cNvPr id="5" name="內容版面配置區 4"/>
-          <p:cNvSpPr>
-            <a:spLocks noGrp="1"/>
-          </p:cNvSpPr>
-          <p:nvPr>
-            <p:ph idx="1"/>
-          </p:nvPr>
-        </p:nvSpPr>
-        <p:spPr/>
-        <p:txBody>
           <a:bodyPr>
             <a:normAutofit/>
           </a:bodyPr>
           <a:lstStyle/>
           <a:p>
+            <a:r>
+              <a:rPr lang="zh-TW" altLang="en-US" sz="4800" b="1" dirty="0">
+                <a:solidFill>
+                  <a:srgbClr val="660033"/>
+                </a:solidFill>
+                <a:latin typeface="微軟正黑體" pitchFamily="34" charset="-120"/>
+                <a:ea typeface="微軟正黑體" pitchFamily="34" charset="-120"/>
+              </a:rPr>
+              <a:t>只有寶血</a:t>
+            </a:r>
+          </a:p>
+        </p:txBody>
+      </p:sp>
+      <p:sp>
+        <p:nvSpPr>
+          <p:cNvPr id="5" name="內容版面配置區 4"/>
+          <p:cNvSpPr>
+            <a:spLocks noGrp="1"/>
+          </p:cNvSpPr>
+          <p:nvPr>
+            <p:ph idx="1"/>
+          </p:nvPr>
+        </p:nvSpPr>
+        <p:spPr/>
+        <p:txBody>
+          <a:bodyPr>
+            <a:normAutofit/>
+          </a:bodyPr>
+          <a:lstStyle/>
+          <a:p>
             <a:pPr algn="ctr">
               <a:buNone/>
             </a:pPr>
@@ -3838,6 +4539,11 @@
         </p:txBody>
       </p:sp>
     </p:spTree>
+    <p:extLst>
+      <p:ext uri="{BB962C8B-B14F-4D97-AF65-F5344CB8AC3E}">
+        <p14:creationId xmlns:p14="http://schemas.microsoft.com/office/powerpoint/2010/main" val="3063356115"/>
+      </p:ext>
+    </p:extLst>
   </p:cSld>
   <p:clrMapOvr>
     <a:masterClrMapping/>
@@ -3874,39 +4580,41 @@
         </p:nvSpPr>
         <p:spPr/>
         <p:txBody>
-          <a:bodyPr/>
-          <a:lstStyle/>
-          <a:p>
-            <a:r>
-              <a:rPr lang="zh-TW" altLang="en-US" b="1" dirty="0">
-                <a:solidFill>
-                  <a:srgbClr val="660033"/>
-                </a:solidFill>
-                <a:latin typeface="微軟正黑體" pitchFamily="34" charset="-120"/>
-                <a:ea typeface="微軟正黑體" pitchFamily="34" charset="-120"/>
-              </a:rPr>
-              <a:t>只有寶血</a:t>
-            </a:r>
-          </a:p>
-        </p:txBody>
-      </p:sp>
-      <p:sp>
-        <p:nvSpPr>
-          <p:cNvPr id="5" name="內容版面配置區 4"/>
-          <p:cNvSpPr>
-            <a:spLocks noGrp="1"/>
-          </p:cNvSpPr>
-          <p:nvPr>
-            <p:ph idx="1"/>
-          </p:nvPr>
-        </p:nvSpPr>
-        <p:spPr/>
-        <p:txBody>
           <a:bodyPr>
             <a:normAutofit/>
           </a:bodyPr>
           <a:lstStyle/>
           <a:p>
+            <a:r>
+              <a:rPr lang="zh-TW" altLang="en-US" sz="4800" b="1" dirty="0">
+                <a:solidFill>
+                  <a:srgbClr val="660033"/>
+                </a:solidFill>
+                <a:latin typeface="微軟正黑體" pitchFamily="34" charset="-120"/>
+                <a:ea typeface="微軟正黑體" pitchFamily="34" charset="-120"/>
+              </a:rPr>
+              <a:t>只有寶血</a:t>
+            </a:r>
+          </a:p>
+        </p:txBody>
+      </p:sp>
+      <p:sp>
+        <p:nvSpPr>
+          <p:cNvPr id="5" name="內容版面配置區 4"/>
+          <p:cNvSpPr>
+            <a:spLocks noGrp="1"/>
+          </p:cNvSpPr>
+          <p:nvPr>
+            <p:ph idx="1"/>
+          </p:nvPr>
+        </p:nvSpPr>
+        <p:spPr/>
+        <p:txBody>
+          <a:bodyPr>
+            <a:normAutofit/>
+          </a:bodyPr>
+          <a:lstStyle/>
+          <a:p>
             <a:pPr lvl="0" algn="ctr">
               <a:buNone/>
             </a:pPr>
@@ -3965,6 +4673,62 @@
               </a:rPr>
               <a:t>只有主耶穌之寶血</a:t>
             </a:r>
+            <a:endParaRPr lang="zh-TW" altLang="en-US" sz="5400" b="1" dirty="0">
+              <a:solidFill>
+                <a:srgbClr val="660033"/>
+              </a:solidFill>
+              <a:latin typeface="微軟正黑體" pitchFamily="34" charset="-120"/>
+              <a:ea typeface="微軟正黑體" pitchFamily="34" charset="-120"/>
+            </a:endParaRPr>
+          </a:p>
+        </p:txBody>
+      </p:sp>
+      <p:sp>
+        <p:nvSpPr>
+          <p:cNvPr id="6" name="TextBox 5"/>
+          <p:cNvSpPr txBox="1"/>
+          <p:nvPr/>
+        </p:nvSpPr>
+        <p:spPr>
+          <a:xfrm>
+            <a:off x="1415480" y="1772816"/>
+            <a:ext cx="1008112" cy="830997"/>
+          </a:xfrm>
+          <a:prstGeom prst="rect">
+            <a:avLst/>
+          </a:prstGeom>
+          <a:noFill/>
+        </p:spPr>
+        <p:txBody>
+          <a:bodyPr wrap="square" rtlCol="0">
+            <a:spAutoFit/>
+          </a:bodyPr>
+          <a:lstStyle/>
+          <a:p>
+            <a:r>
+              <a:rPr lang="en-US" sz="4800" b="1" dirty="0">
+                <a:solidFill>
+                  <a:srgbClr val="660033"/>
+                </a:solidFill>
+                <a:ea typeface="微軟正黑體" pitchFamily="34" charset="-120"/>
+              </a:rPr>
+              <a:t>4</a:t>
+            </a:r>
+            <a:r>
+              <a:rPr lang="en-US" sz="4800" b="1" dirty="0" smtClean="0">
+                <a:solidFill>
+                  <a:srgbClr val="660033"/>
+                </a:solidFill>
+                <a:ea typeface="微軟正黑體" pitchFamily="34" charset="-120"/>
+              </a:rPr>
+              <a:t>.</a:t>
+            </a:r>
+            <a:endParaRPr lang="vi-VN" sz="4800" b="1" dirty="0">
+              <a:solidFill>
+                <a:srgbClr val="660033"/>
+              </a:solidFill>
+              <a:ea typeface="微軟正黑體" pitchFamily="34" charset="-120"/>
+            </a:endParaRPr>
           </a:p>
         </p:txBody>
       </p:sp>
@@ -4005,40 +4769,42 @@
         </p:nvSpPr>
         <p:spPr/>
         <p:txBody>
-          <a:bodyPr/>
-          <a:lstStyle/>
-          <a:p>
-            <a:r>
-              <a:rPr lang="zh-TW" altLang="en-US" b="1" dirty="0">
-                <a:solidFill>
-                  <a:srgbClr val="660033"/>
-                </a:solidFill>
-                <a:latin typeface="微軟正黑體" pitchFamily="34" charset="-120"/>
-                <a:ea typeface="微軟正黑體" pitchFamily="34" charset="-120"/>
-              </a:rPr>
-              <a:t>只有寶血</a:t>
-            </a:r>
-          </a:p>
-        </p:txBody>
-      </p:sp>
-      <p:sp>
-        <p:nvSpPr>
-          <p:cNvPr id="5" name="內容版面配置區 4"/>
-          <p:cNvSpPr>
-            <a:spLocks noGrp="1"/>
-          </p:cNvSpPr>
-          <p:nvPr>
-            <p:ph idx="1"/>
-          </p:nvPr>
-        </p:nvSpPr>
-        <p:spPr/>
-        <p:txBody>
           <a:bodyPr>
             <a:normAutofit/>
           </a:bodyPr>
           <a:lstStyle/>
           <a:p>
-            <a:pPr lvl="0" algn="ctr">
+            <a:r>
+              <a:rPr lang="zh-TW" altLang="en-US" sz="4800" b="1" dirty="0">
+                <a:solidFill>
+                  <a:srgbClr val="660033"/>
+                </a:solidFill>
+                <a:latin typeface="微軟正黑體" pitchFamily="34" charset="-120"/>
+                <a:ea typeface="微軟正黑體" pitchFamily="34" charset="-120"/>
+              </a:rPr>
+              <a:t>只有寶血</a:t>
+            </a:r>
+          </a:p>
+        </p:txBody>
+      </p:sp>
+      <p:sp>
+        <p:nvSpPr>
+          <p:cNvPr id="5" name="內容版面配置區 4"/>
+          <p:cNvSpPr>
+            <a:spLocks noGrp="1"/>
+          </p:cNvSpPr>
+          <p:nvPr>
+            <p:ph idx="1"/>
+          </p:nvPr>
+        </p:nvSpPr>
+        <p:spPr/>
+        <p:txBody>
+          <a:bodyPr>
+            <a:normAutofit/>
+          </a:bodyPr>
+          <a:lstStyle/>
+          <a:p>
+            <a:pPr algn="ctr">
               <a:buNone/>
             </a:pPr>
             <a:r>
@@ -4049,7 +4815,7 @@
                 <a:latin typeface="微軟正黑體" pitchFamily="34" charset="-120"/>
                 <a:ea typeface="微軟正黑體" pitchFamily="34" charset="-120"/>
               </a:rPr>
-              <a:t>何能使我常得勝</a:t>
+              <a:t>主在十架流血</a:t>
             </a:r>
           </a:p>
           <a:p>
@@ -4064,7 +4830,7 @@
                 <a:latin typeface="微軟正黑體" pitchFamily="34" charset="-120"/>
                 <a:ea typeface="微軟正黑體" pitchFamily="34" charset="-120"/>
               </a:rPr>
-              <a:t>只有主耶穌之寶血</a:t>
+              <a:t>洗我罪惡清潔</a:t>
             </a:r>
           </a:p>
           <a:p>
@@ -4079,7 +4845,7 @@
                 <a:latin typeface="微軟正黑體" pitchFamily="34" charset="-120"/>
                 <a:ea typeface="微軟正黑體" pitchFamily="34" charset="-120"/>
               </a:rPr>
-              <a:t>何能使我得榮耀</a:t>
+              <a:t>使我白超乎雪</a:t>
             </a:r>
           </a:p>
           <a:p>
@@ -4094,7 +4860,7 @@
                 <a:latin typeface="微軟正黑體" pitchFamily="34" charset="-120"/>
                 <a:ea typeface="微軟正黑體" pitchFamily="34" charset="-120"/>
               </a:rPr>
-              <a:t>只有主耶穌之寶血</a:t>
+              <a:t>全賴主耶穌之寶血</a:t>
             </a:r>
           </a:p>
         </p:txBody>
@@ -4136,39 +4902,56 @@
         </p:nvSpPr>
         <p:spPr/>
         <p:txBody>
-          <a:bodyPr/>
-          <a:lstStyle/>
-          <a:p>
-            <a:r>
-              <a:rPr lang="zh-TW" altLang="en-US" b="1" dirty="0">
-                <a:solidFill>
-                  <a:srgbClr val="660033"/>
-                </a:solidFill>
-                <a:latin typeface="微軟正黑體" pitchFamily="34" charset="-120"/>
-                <a:ea typeface="微軟正黑體" pitchFamily="34" charset="-120"/>
-              </a:rPr>
-              <a:t>只有寶血</a:t>
-            </a:r>
-          </a:p>
-        </p:txBody>
-      </p:sp>
-      <p:sp>
-        <p:nvSpPr>
-          <p:cNvPr id="5" name="內容版面配置區 4"/>
-          <p:cNvSpPr>
-            <a:spLocks noGrp="1"/>
-          </p:cNvSpPr>
-          <p:nvPr>
-            <p:ph idx="1"/>
-          </p:nvPr>
-        </p:nvSpPr>
-        <p:spPr/>
-        <p:txBody>
           <a:bodyPr>
             <a:normAutofit/>
           </a:bodyPr>
           <a:lstStyle/>
           <a:p>
+            <a:r>
+              <a:rPr lang="zh-TW" altLang="en-US" sz="4800" b="1" dirty="0">
+                <a:solidFill>
+                  <a:srgbClr val="660033"/>
+                </a:solidFill>
+                <a:latin typeface="微軟正黑體" pitchFamily="34" charset="-120"/>
+                <a:ea typeface="微軟正黑體" pitchFamily="34" charset="-120"/>
+              </a:rPr>
+              <a:t>只有寶血</a:t>
+            </a:r>
+          </a:p>
+        </p:txBody>
+      </p:sp>
+      <p:sp>
+        <p:nvSpPr>
+          <p:cNvPr id="5" name="內容版面配置區 4"/>
+          <p:cNvSpPr>
+            <a:spLocks noGrp="1"/>
+          </p:cNvSpPr>
+          <p:nvPr>
+            <p:ph idx="1"/>
+          </p:nvPr>
+        </p:nvSpPr>
+        <p:spPr/>
+        <p:txBody>
+          <a:bodyPr>
+            <a:normAutofit/>
+          </a:bodyPr>
+          <a:lstStyle/>
+          <a:p>
+            <a:pPr lvl="0" algn="ctr">
+              <a:buNone/>
+            </a:pPr>
+            <a:r>
+              <a:rPr lang="zh-TW" altLang="en-US" sz="5400" b="1" dirty="0">
+                <a:solidFill>
+                  <a:srgbClr val="660033"/>
+                </a:solidFill>
+                <a:latin typeface="微軟正黑體" pitchFamily="34" charset="-120"/>
+                <a:ea typeface="微軟正黑體" pitchFamily="34" charset="-120"/>
+              </a:rPr>
+              <a:t>何能使我常得勝</a:t>
+            </a:r>
+          </a:p>
+          <a:p>
             <a:pPr algn="ctr">
               <a:buNone/>
             </a:pPr>
@@ -4180,7 +4963,7 @@
                 <a:latin typeface="微軟正黑體" pitchFamily="34" charset="-120"/>
                 <a:ea typeface="微軟正黑體" pitchFamily="34" charset="-120"/>
               </a:rPr>
-              <a:t>主在十架流血</a:t>
+              <a:t>只有主耶穌之寶血</a:t>
             </a:r>
           </a:p>
           <a:p>
@@ -4195,7 +4978,7 @@
                 <a:latin typeface="微軟正黑體" pitchFamily="34" charset="-120"/>
                 <a:ea typeface="微軟正黑體" pitchFamily="34" charset="-120"/>
               </a:rPr>
-              <a:t>洗我罪惡清潔</a:t>
+              <a:t>何能使我得榮耀</a:t>
             </a:r>
           </a:p>
           <a:p>
@@ -4210,23 +4993,55 @@
                 <a:latin typeface="微軟正黑體" pitchFamily="34" charset="-120"/>
                 <a:ea typeface="微軟正黑體" pitchFamily="34" charset="-120"/>
               </a:rPr>
-              <a:t>使我白超乎雪</a:t>
-            </a:r>
-          </a:p>
-          <a:p>
-            <a:pPr algn="ctr">
-              <a:buNone/>
-            </a:pPr>
-            <a:r>
-              <a:rPr lang="zh-TW" altLang="en-US" sz="5400" b="1" dirty="0">
-                <a:solidFill>
-                  <a:srgbClr val="660033"/>
-                </a:solidFill>
-                <a:latin typeface="微軟正黑體" pitchFamily="34" charset="-120"/>
-                <a:ea typeface="微軟正黑體" pitchFamily="34" charset="-120"/>
-              </a:rPr>
-              <a:t>全賴主耶穌之寶血</a:t>
-            </a:r>
+              <a:t>只有主耶穌之寶血</a:t>
+            </a:r>
+            <a:endParaRPr lang="zh-TW" altLang="en-US" sz="5400" b="1" dirty="0">
+              <a:solidFill>
+                <a:srgbClr val="660033"/>
+              </a:solidFill>
+              <a:latin typeface="微軟正黑體" pitchFamily="34" charset="-120"/>
+              <a:ea typeface="微軟正黑體" pitchFamily="34" charset="-120"/>
+            </a:endParaRPr>
+          </a:p>
+        </p:txBody>
+      </p:sp>
+      <p:sp>
+        <p:nvSpPr>
+          <p:cNvPr id="6" name="TextBox 5"/>
+          <p:cNvSpPr txBox="1"/>
+          <p:nvPr/>
+        </p:nvSpPr>
+        <p:spPr>
+          <a:xfrm>
+            <a:off x="1415480" y="1772816"/>
+            <a:ext cx="1008112" cy="830997"/>
+          </a:xfrm>
+          <a:prstGeom prst="rect">
+            <a:avLst/>
+          </a:prstGeom>
+          <a:noFill/>
+        </p:spPr>
+        <p:txBody>
+          <a:bodyPr wrap="square" rtlCol="0">
+            <a:spAutoFit/>
+          </a:bodyPr>
+          <a:lstStyle/>
+          <a:p>
+            <a:r>
+              <a:rPr lang="en-US" sz="4800" b="1" dirty="0" smtClean="0">
+                <a:solidFill>
+                  <a:srgbClr val="660033"/>
+                </a:solidFill>
+                <a:ea typeface="微軟正黑體" pitchFamily="34" charset="-120"/>
+              </a:rPr>
+              <a:t>5.</a:t>
+            </a:r>
+            <a:endParaRPr lang="vi-VN" sz="4800" b="1" dirty="0">
+              <a:solidFill>
+                <a:srgbClr val="660033"/>
+              </a:solidFill>
+              <a:ea typeface="微軟正黑體" pitchFamily="34" charset="-120"/>
+            </a:endParaRPr>
           </a:p>
         </p:txBody>
       </p:sp>

--- a/宣道詩/(宣道詩33)只有寶血.pptx
+++ b/宣道詩/(宣道詩33)只有寶血.pptx
@@ -5,18 +5,25 @@
     <p:sldMasterId id="2147483672" r:id="rId1"/>
   </p:sldMasterIdLst>
   <p:sldIdLst>
-    <p:sldId id="256" r:id="rId2"/>
-    <p:sldId id="265" r:id="rId3"/>
-    <p:sldId id="257" r:id="rId4"/>
-    <p:sldId id="258" r:id="rId5"/>
-    <p:sldId id="259" r:id="rId6"/>
-    <p:sldId id="266" r:id="rId7"/>
-    <p:sldId id="260" r:id="rId8"/>
-    <p:sldId id="261" r:id="rId9"/>
-    <p:sldId id="262" r:id="rId10"/>
-    <p:sldId id="267" r:id="rId11"/>
-    <p:sldId id="263" r:id="rId12"/>
-    <p:sldId id="264" r:id="rId13"/>
+    <p:sldId id="391" r:id="rId2"/>
+    <p:sldId id="412" r:id="rId3"/>
+    <p:sldId id="534" r:id="rId4"/>
+    <p:sldId id="535" r:id="rId5"/>
+    <p:sldId id="536" r:id="rId6"/>
+    <p:sldId id="537" r:id="rId7"/>
+    <p:sldId id="546" r:id="rId8"/>
+    <p:sldId id="538" r:id="rId9"/>
+    <p:sldId id="539" r:id="rId10"/>
+    <p:sldId id="547" r:id="rId11"/>
+    <p:sldId id="540" r:id="rId12"/>
+    <p:sldId id="541" r:id="rId13"/>
+    <p:sldId id="548" r:id="rId14"/>
+    <p:sldId id="542" r:id="rId15"/>
+    <p:sldId id="543" r:id="rId16"/>
+    <p:sldId id="549" r:id="rId17"/>
+    <p:sldId id="544" r:id="rId18"/>
+    <p:sldId id="545" r:id="rId19"/>
+    <p:sldId id="550" r:id="rId20"/>
   </p:sldIdLst>
   <p:sldSz cx="12192000" cy="6858000"/>
   <p:notesSz cx="6858000" cy="9144000"/>
@@ -172,10 +179,9 @@
           <a:lstStyle/>
           <a:p>
             <a:r>
-              <a:rPr lang="zh-TW" altLang="en-US" smtClean="0"/>
+              <a:rPr lang="zh-TW" altLang="en-US"/>
               <a:t>按一下以編輯母片標題樣式</a:t>
             </a:r>
-            <a:endParaRPr lang="zh-TW" altLang="en-US"/>
           </a:p>
         </p:txBody>
       </p:sp>
@@ -291,10 +297,9 @@
           </a:lstStyle>
           <a:p>
             <a:r>
-              <a:rPr lang="zh-TW" altLang="en-US" smtClean="0"/>
+              <a:rPr lang="zh-TW" altLang="en-US"/>
               <a:t>按一下以編輯母片副標題樣式</a:t>
             </a:r>
-            <a:endParaRPr lang="zh-TW" altLang="en-US"/>
           </a:p>
         </p:txBody>
       </p:sp>
@@ -316,7 +321,7 @@
             <a:fld id="{212F838A-6F4B-4BB1-BACD-B06005FD32E3}" type="datetimeFigureOut">
               <a:rPr lang="zh-TW" altLang="en-US" smtClean="0"/>
               <a:pPr/>
-              <a:t>2020/9/4</a:t>
+              <a:t>2024/2/24</a:t>
             </a:fld>
             <a:endParaRPr lang="zh-TW" altLang="en-US"/>
           </a:p>
@@ -406,10 +411,9 @@
           <a:lstStyle/>
           <a:p>
             <a:r>
-              <a:rPr lang="zh-TW" altLang="en-US" smtClean="0"/>
+              <a:rPr lang="zh-TW" altLang="en-US"/>
               <a:t>按一下以編輯母片標題樣式</a:t>
             </a:r>
-            <a:endParaRPr lang="zh-TW" altLang="en-US"/>
           </a:p>
         </p:txBody>
       </p:sp>
@@ -430,38 +434,37 @@
           <a:p>
             <a:pPr lvl="0"/>
             <a:r>
-              <a:rPr lang="zh-TW" altLang="en-US" smtClean="0"/>
+              <a:rPr lang="zh-TW" altLang="en-US"/>
               <a:t>按一下以編輯母片文字樣式</a:t>
             </a:r>
           </a:p>
           <a:p>
             <a:pPr lvl="1"/>
             <a:r>
-              <a:rPr lang="zh-TW" altLang="en-US" smtClean="0"/>
+              <a:rPr lang="zh-TW" altLang="en-US"/>
               <a:t>第二層</a:t>
             </a:r>
           </a:p>
           <a:p>
             <a:pPr lvl="2"/>
             <a:r>
-              <a:rPr lang="zh-TW" altLang="en-US" smtClean="0"/>
+              <a:rPr lang="zh-TW" altLang="en-US"/>
               <a:t>第三層</a:t>
             </a:r>
           </a:p>
           <a:p>
             <a:pPr lvl="3"/>
             <a:r>
-              <a:rPr lang="zh-TW" altLang="en-US" smtClean="0"/>
+              <a:rPr lang="zh-TW" altLang="en-US"/>
               <a:t>第四層</a:t>
             </a:r>
           </a:p>
           <a:p>
             <a:pPr lvl="4"/>
             <a:r>
-              <a:rPr lang="zh-TW" altLang="en-US" smtClean="0"/>
+              <a:rPr lang="zh-TW" altLang="en-US"/>
               <a:t>第五層</a:t>
             </a:r>
-            <a:endParaRPr lang="zh-TW" altLang="en-US"/>
           </a:p>
         </p:txBody>
       </p:sp>
@@ -483,7 +486,7 @@
             <a:fld id="{212F838A-6F4B-4BB1-BACD-B06005FD32E3}" type="datetimeFigureOut">
               <a:rPr lang="zh-TW" altLang="en-US" smtClean="0"/>
               <a:pPr/>
-              <a:t>2020/9/4</a:t>
+              <a:t>2024/2/24</a:t>
             </a:fld>
             <a:endParaRPr lang="zh-TW" altLang="en-US"/>
           </a:p>
@@ -578,10 +581,9 @@
           <a:lstStyle/>
           <a:p>
             <a:r>
-              <a:rPr lang="zh-TW" altLang="en-US" smtClean="0"/>
+              <a:rPr lang="zh-TW" altLang="en-US"/>
               <a:t>按一下以編輯母片標題樣式</a:t>
             </a:r>
-            <a:endParaRPr lang="zh-TW" altLang="en-US"/>
           </a:p>
         </p:txBody>
       </p:sp>
@@ -607,38 +609,37 @@
           <a:p>
             <a:pPr lvl="0"/>
             <a:r>
-              <a:rPr lang="zh-TW" altLang="en-US" smtClean="0"/>
+              <a:rPr lang="zh-TW" altLang="en-US"/>
               <a:t>按一下以編輯母片文字樣式</a:t>
             </a:r>
           </a:p>
           <a:p>
             <a:pPr lvl="1"/>
             <a:r>
-              <a:rPr lang="zh-TW" altLang="en-US" smtClean="0"/>
+              <a:rPr lang="zh-TW" altLang="en-US"/>
               <a:t>第二層</a:t>
             </a:r>
           </a:p>
           <a:p>
             <a:pPr lvl="2"/>
             <a:r>
-              <a:rPr lang="zh-TW" altLang="en-US" smtClean="0"/>
+              <a:rPr lang="zh-TW" altLang="en-US"/>
               <a:t>第三層</a:t>
             </a:r>
           </a:p>
           <a:p>
             <a:pPr lvl="3"/>
             <a:r>
-              <a:rPr lang="zh-TW" altLang="en-US" smtClean="0"/>
+              <a:rPr lang="zh-TW" altLang="en-US"/>
               <a:t>第四層</a:t>
             </a:r>
           </a:p>
           <a:p>
             <a:pPr lvl="4"/>
             <a:r>
-              <a:rPr lang="zh-TW" altLang="en-US" smtClean="0"/>
+              <a:rPr lang="zh-TW" altLang="en-US"/>
               <a:t>第五層</a:t>
             </a:r>
-            <a:endParaRPr lang="zh-TW" altLang="en-US"/>
           </a:p>
         </p:txBody>
       </p:sp>
@@ -660,7 +661,7 @@
             <a:fld id="{212F838A-6F4B-4BB1-BACD-B06005FD32E3}" type="datetimeFigureOut">
               <a:rPr lang="zh-TW" altLang="en-US" smtClean="0"/>
               <a:pPr/>
-              <a:t>2020/9/4</a:t>
+              <a:t>2024/2/24</a:t>
             </a:fld>
             <a:endParaRPr lang="zh-TW" altLang="en-US"/>
           </a:p>
@@ -750,10 +751,9 @@
           <a:lstStyle/>
           <a:p>
             <a:r>
-              <a:rPr lang="zh-TW" altLang="en-US" smtClean="0"/>
+              <a:rPr lang="zh-TW" altLang="en-US"/>
               <a:t>按一下以編輯母片標題樣式</a:t>
             </a:r>
-            <a:endParaRPr lang="zh-TW" altLang="en-US"/>
           </a:p>
         </p:txBody>
       </p:sp>
@@ -774,38 +774,37 @@
           <a:p>
             <a:pPr lvl="0"/>
             <a:r>
-              <a:rPr lang="zh-TW" altLang="en-US" smtClean="0"/>
+              <a:rPr lang="zh-TW" altLang="en-US"/>
               <a:t>按一下以編輯母片文字樣式</a:t>
             </a:r>
           </a:p>
           <a:p>
             <a:pPr lvl="1"/>
             <a:r>
-              <a:rPr lang="zh-TW" altLang="en-US" smtClean="0"/>
+              <a:rPr lang="zh-TW" altLang="en-US"/>
               <a:t>第二層</a:t>
             </a:r>
           </a:p>
           <a:p>
             <a:pPr lvl="2"/>
             <a:r>
-              <a:rPr lang="zh-TW" altLang="en-US" smtClean="0"/>
+              <a:rPr lang="zh-TW" altLang="en-US"/>
               <a:t>第三層</a:t>
             </a:r>
           </a:p>
           <a:p>
             <a:pPr lvl="3"/>
             <a:r>
-              <a:rPr lang="zh-TW" altLang="en-US" smtClean="0"/>
+              <a:rPr lang="zh-TW" altLang="en-US"/>
               <a:t>第四層</a:t>
             </a:r>
           </a:p>
           <a:p>
             <a:pPr lvl="4"/>
             <a:r>
-              <a:rPr lang="zh-TW" altLang="en-US" smtClean="0"/>
+              <a:rPr lang="zh-TW" altLang="en-US"/>
               <a:t>第五層</a:t>
             </a:r>
-            <a:endParaRPr lang="zh-TW" altLang="en-US"/>
           </a:p>
         </p:txBody>
       </p:sp>
@@ -827,7 +826,7 @@
             <a:fld id="{212F838A-6F4B-4BB1-BACD-B06005FD32E3}" type="datetimeFigureOut">
               <a:rPr lang="zh-TW" altLang="en-US" smtClean="0"/>
               <a:pPr/>
-              <a:t>2020/9/4</a:t>
+              <a:t>2024/2/24</a:t>
             </a:fld>
             <a:endParaRPr lang="zh-TW" altLang="en-US"/>
           </a:p>
@@ -926,10 +925,9 @@
           </a:lstStyle>
           <a:p>
             <a:r>
-              <a:rPr lang="zh-TW" altLang="en-US" smtClean="0"/>
+              <a:rPr lang="zh-TW" altLang="en-US"/>
               <a:t>按一下以編輯母片標題樣式</a:t>
             </a:r>
-            <a:endParaRPr lang="zh-TW" altLang="en-US"/>
           </a:p>
         </p:txBody>
       </p:sp>
@@ -1046,7 +1044,7 @@
           <a:p>
             <a:pPr lvl="0"/>
             <a:r>
-              <a:rPr lang="zh-TW" altLang="en-US" smtClean="0"/>
+              <a:rPr lang="zh-TW" altLang="en-US"/>
               <a:t>按一下以編輯母片文字樣式</a:t>
             </a:r>
           </a:p>
@@ -1070,7 +1068,7 @@
             <a:fld id="{212F838A-6F4B-4BB1-BACD-B06005FD32E3}" type="datetimeFigureOut">
               <a:rPr lang="zh-TW" altLang="en-US" smtClean="0"/>
               <a:pPr/>
-              <a:t>2020/9/4</a:t>
+              <a:t>2024/2/24</a:t>
             </a:fld>
             <a:endParaRPr lang="zh-TW" altLang="en-US"/>
           </a:p>
@@ -1160,10 +1158,9 @@
           <a:lstStyle/>
           <a:p>
             <a:r>
-              <a:rPr lang="zh-TW" altLang="en-US" smtClean="0"/>
+              <a:rPr lang="zh-TW" altLang="en-US"/>
               <a:t>按一下以編輯母片標題樣式</a:t>
             </a:r>
-            <a:endParaRPr lang="zh-TW" altLang="en-US"/>
           </a:p>
         </p:txBody>
       </p:sp>
@@ -1217,38 +1214,37 @@
           <a:p>
             <a:pPr lvl="0"/>
             <a:r>
-              <a:rPr lang="zh-TW" altLang="en-US" smtClean="0"/>
+              <a:rPr lang="zh-TW" altLang="en-US"/>
               <a:t>按一下以編輯母片文字樣式</a:t>
             </a:r>
           </a:p>
           <a:p>
             <a:pPr lvl="1"/>
             <a:r>
-              <a:rPr lang="zh-TW" altLang="en-US" smtClean="0"/>
+              <a:rPr lang="zh-TW" altLang="en-US"/>
               <a:t>第二層</a:t>
             </a:r>
           </a:p>
           <a:p>
             <a:pPr lvl="2"/>
             <a:r>
-              <a:rPr lang="zh-TW" altLang="en-US" smtClean="0"/>
+              <a:rPr lang="zh-TW" altLang="en-US"/>
               <a:t>第三層</a:t>
             </a:r>
           </a:p>
           <a:p>
             <a:pPr lvl="3"/>
             <a:r>
-              <a:rPr lang="zh-TW" altLang="en-US" smtClean="0"/>
+              <a:rPr lang="zh-TW" altLang="en-US"/>
               <a:t>第四層</a:t>
             </a:r>
           </a:p>
           <a:p>
             <a:pPr lvl="4"/>
             <a:r>
-              <a:rPr lang="zh-TW" altLang="en-US" smtClean="0"/>
+              <a:rPr lang="zh-TW" altLang="en-US"/>
               <a:t>第五層</a:t>
             </a:r>
-            <a:endParaRPr lang="zh-TW" altLang="en-US"/>
           </a:p>
         </p:txBody>
       </p:sp>
@@ -1302,38 +1298,37 @@
           <a:p>
             <a:pPr lvl="0"/>
             <a:r>
-              <a:rPr lang="zh-TW" altLang="en-US" smtClean="0"/>
+              <a:rPr lang="zh-TW" altLang="en-US"/>
               <a:t>按一下以編輯母片文字樣式</a:t>
             </a:r>
           </a:p>
           <a:p>
             <a:pPr lvl="1"/>
             <a:r>
-              <a:rPr lang="zh-TW" altLang="en-US" smtClean="0"/>
+              <a:rPr lang="zh-TW" altLang="en-US"/>
               <a:t>第二層</a:t>
             </a:r>
           </a:p>
           <a:p>
             <a:pPr lvl="2"/>
             <a:r>
-              <a:rPr lang="zh-TW" altLang="en-US" smtClean="0"/>
+              <a:rPr lang="zh-TW" altLang="en-US"/>
               <a:t>第三層</a:t>
             </a:r>
           </a:p>
           <a:p>
             <a:pPr lvl="3"/>
             <a:r>
-              <a:rPr lang="zh-TW" altLang="en-US" smtClean="0"/>
+              <a:rPr lang="zh-TW" altLang="en-US"/>
               <a:t>第四層</a:t>
             </a:r>
           </a:p>
           <a:p>
             <a:pPr lvl="4"/>
             <a:r>
-              <a:rPr lang="zh-TW" altLang="en-US" smtClean="0"/>
+              <a:rPr lang="zh-TW" altLang="en-US"/>
               <a:t>第五層</a:t>
             </a:r>
-            <a:endParaRPr lang="zh-TW" altLang="en-US"/>
           </a:p>
         </p:txBody>
       </p:sp>
@@ -1355,7 +1350,7 @@
             <a:fld id="{212F838A-6F4B-4BB1-BACD-B06005FD32E3}" type="datetimeFigureOut">
               <a:rPr lang="zh-TW" altLang="en-US" smtClean="0"/>
               <a:pPr/>
-              <a:t>2020/9/4</a:t>
+              <a:t>2024/2/24</a:t>
             </a:fld>
             <a:endParaRPr lang="zh-TW" altLang="en-US"/>
           </a:p>
@@ -1449,10 +1444,9 @@
           </a:lstStyle>
           <a:p>
             <a:r>
-              <a:rPr lang="zh-TW" altLang="en-US" smtClean="0"/>
+              <a:rPr lang="zh-TW" altLang="en-US"/>
               <a:t>按一下以編輯母片標題樣式</a:t>
             </a:r>
-            <a:endParaRPr lang="zh-TW" altLang="en-US"/>
           </a:p>
         </p:txBody>
       </p:sp>
@@ -1515,7 +1509,7 @@
           <a:p>
             <a:pPr lvl="0"/>
             <a:r>
-              <a:rPr lang="zh-TW" altLang="en-US" smtClean="0"/>
+              <a:rPr lang="zh-TW" altLang="en-US"/>
               <a:t>按一下以編輯母片文字樣式</a:t>
             </a:r>
           </a:p>
@@ -1571,38 +1565,37 @@
           <a:p>
             <a:pPr lvl="0"/>
             <a:r>
-              <a:rPr lang="zh-TW" altLang="en-US" smtClean="0"/>
+              <a:rPr lang="zh-TW" altLang="en-US"/>
               <a:t>按一下以編輯母片文字樣式</a:t>
             </a:r>
           </a:p>
           <a:p>
             <a:pPr lvl="1"/>
             <a:r>
-              <a:rPr lang="zh-TW" altLang="en-US" smtClean="0"/>
+              <a:rPr lang="zh-TW" altLang="en-US"/>
               <a:t>第二層</a:t>
             </a:r>
           </a:p>
           <a:p>
             <a:pPr lvl="2"/>
             <a:r>
-              <a:rPr lang="zh-TW" altLang="en-US" smtClean="0"/>
+              <a:rPr lang="zh-TW" altLang="en-US"/>
               <a:t>第三層</a:t>
             </a:r>
           </a:p>
           <a:p>
             <a:pPr lvl="3"/>
             <a:r>
-              <a:rPr lang="zh-TW" altLang="en-US" smtClean="0"/>
+              <a:rPr lang="zh-TW" altLang="en-US"/>
               <a:t>第四層</a:t>
             </a:r>
           </a:p>
           <a:p>
             <a:pPr lvl="4"/>
             <a:r>
-              <a:rPr lang="zh-TW" altLang="en-US" smtClean="0"/>
+              <a:rPr lang="zh-TW" altLang="en-US"/>
               <a:t>第五層</a:t>
             </a:r>
-            <a:endParaRPr lang="zh-TW" altLang="en-US"/>
           </a:p>
         </p:txBody>
       </p:sp>
@@ -1665,7 +1658,7 @@
           <a:p>
             <a:pPr lvl="0"/>
             <a:r>
-              <a:rPr lang="zh-TW" altLang="en-US" smtClean="0"/>
+              <a:rPr lang="zh-TW" altLang="en-US"/>
               <a:t>按一下以編輯母片文字樣式</a:t>
             </a:r>
           </a:p>
@@ -1721,38 +1714,37 @@
           <a:p>
             <a:pPr lvl="0"/>
             <a:r>
-              <a:rPr lang="zh-TW" altLang="en-US" smtClean="0"/>
+              <a:rPr lang="zh-TW" altLang="en-US"/>
               <a:t>按一下以編輯母片文字樣式</a:t>
             </a:r>
           </a:p>
           <a:p>
             <a:pPr lvl="1"/>
             <a:r>
-              <a:rPr lang="zh-TW" altLang="en-US" smtClean="0"/>
+              <a:rPr lang="zh-TW" altLang="en-US"/>
               <a:t>第二層</a:t>
             </a:r>
           </a:p>
           <a:p>
             <a:pPr lvl="2"/>
             <a:r>
-              <a:rPr lang="zh-TW" altLang="en-US" smtClean="0"/>
+              <a:rPr lang="zh-TW" altLang="en-US"/>
               <a:t>第三層</a:t>
             </a:r>
           </a:p>
           <a:p>
             <a:pPr lvl="3"/>
             <a:r>
-              <a:rPr lang="zh-TW" altLang="en-US" smtClean="0"/>
+              <a:rPr lang="zh-TW" altLang="en-US"/>
               <a:t>第四層</a:t>
             </a:r>
           </a:p>
           <a:p>
             <a:pPr lvl="4"/>
             <a:r>
-              <a:rPr lang="zh-TW" altLang="en-US" smtClean="0"/>
+              <a:rPr lang="zh-TW" altLang="en-US"/>
               <a:t>第五層</a:t>
             </a:r>
-            <a:endParaRPr lang="zh-TW" altLang="en-US"/>
           </a:p>
         </p:txBody>
       </p:sp>
@@ -1774,7 +1766,7 @@
             <a:fld id="{212F838A-6F4B-4BB1-BACD-B06005FD32E3}" type="datetimeFigureOut">
               <a:rPr lang="zh-TW" altLang="en-US" smtClean="0"/>
               <a:pPr/>
-              <a:t>2020/9/4</a:t>
+              <a:t>2024/2/24</a:t>
             </a:fld>
             <a:endParaRPr lang="zh-TW" altLang="en-US"/>
           </a:p>
@@ -1864,10 +1856,9 @@
           <a:lstStyle/>
           <a:p>
             <a:r>
-              <a:rPr lang="zh-TW" altLang="en-US" smtClean="0"/>
+              <a:rPr lang="zh-TW" altLang="en-US"/>
               <a:t>按一下以編輯母片標題樣式</a:t>
             </a:r>
-            <a:endParaRPr lang="zh-TW" altLang="en-US"/>
           </a:p>
         </p:txBody>
       </p:sp>
@@ -1889,7 +1880,7 @@
             <a:fld id="{212F838A-6F4B-4BB1-BACD-B06005FD32E3}" type="datetimeFigureOut">
               <a:rPr lang="zh-TW" altLang="en-US" smtClean="0"/>
               <a:pPr/>
-              <a:t>2020/9/4</a:t>
+              <a:t>2024/2/24</a:t>
             </a:fld>
             <a:endParaRPr lang="zh-TW" altLang="en-US"/>
           </a:p>
@@ -1981,7 +1972,7 @@
             <a:fld id="{212F838A-6F4B-4BB1-BACD-B06005FD32E3}" type="datetimeFigureOut">
               <a:rPr lang="zh-TW" altLang="en-US" smtClean="0"/>
               <a:pPr/>
-              <a:t>2020/9/4</a:t>
+              <a:t>2024/2/24</a:t>
             </a:fld>
             <a:endParaRPr lang="zh-TW" altLang="en-US"/>
           </a:p>
@@ -2080,10 +2071,9 @@
           </a:lstStyle>
           <a:p>
             <a:r>
-              <a:rPr lang="zh-TW" altLang="en-US" smtClean="0"/>
+              <a:rPr lang="zh-TW" altLang="en-US"/>
               <a:t>按一下以編輯母片標題樣式</a:t>
             </a:r>
-            <a:endParaRPr lang="zh-TW" altLang="en-US"/>
           </a:p>
         </p:txBody>
       </p:sp>
@@ -2137,38 +2127,37 @@
           <a:p>
             <a:pPr lvl="0"/>
             <a:r>
-              <a:rPr lang="zh-TW" altLang="en-US" smtClean="0"/>
+              <a:rPr lang="zh-TW" altLang="en-US"/>
               <a:t>按一下以編輯母片文字樣式</a:t>
             </a:r>
           </a:p>
           <a:p>
             <a:pPr lvl="1"/>
             <a:r>
-              <a:rPr lang="zh-TW" altLang="en-US" smtClean="0"/>
+              <a:rPr lang="zh-TW" altLang="en-US"/>
               <a:t>第二層</a:t>
             </a:r>
           </a:p>
           <a:p>
             <a:pPr lvl="2"/>
             <a:r>
-              <a:rPr lang="zh-TW" altLang="en-US" smtClean="0"/>
+              <a:rPr lang="zh-TW" altLang="en-US"/>
               <a:t>第三層</a:t>
             </a:r>
           </a:p>
           <a:p>
             <a:pPr lvl="3"/>
             <a:r>
-              <a:rPr lang="zh-TW" altLang="en-US" smtClean="0"/>
+              <a:rPr lang="zh-TW" altLang="en-US"/>
               <a:t>第四層</a:t>
             </a:r>
           </a:p>
           <a:p>
             <a:pPr lvl="4"/>
             <a:r>
-              <a:rPr lang="zh-TW" altLang="en-US" smtClean="0"/>
+              <a:rPr lang="zh-TW" altLang="en-US"/>
               <a:t>第五層</a:t>
             </a:r>
-            <a:endParaRPr lang="zh-TW" altLang="en-US"/>
           </a:p>
         </p:txBody>
       </p:sp>
@@ -2231,7 +2220,7 @@
           <a:p>
             <a:pPr lvl="0"/>
             <a:r>
-              <a:rPr lang="zh-TW" altLang="en-US" smtClean="0"/>
+              <a:rPr lang="zh-TW" altLang="en-US"/>
               <a:t>按一下以編輯母片文字樣式</a:t>
             </a:r>
           </a:p>
@@ -2255,7 +2244,7 @@
             <a:fld id="{212F838A-6F4B-4BB1-BACD-B06005FD32E3}" type="datetimeFigureOut">
               <a:rPr lang="zh-TW" altLang="en-US" smtClean="0"/>
               <a:pPr/>
-              <a:t>2020/9/4</a:t>
+              <a:t>2024/2/24</a:t>
             </a:fld>
             <a:endParaRPr lang="zh-TW" altLang="en-US"/>
           </a:p>
@@ -2354,10 +2343,9 @@
           </a:lstStyle>
           <a:p>
             <a:r>
-              <a:rPr lang="zh-TW" altLang="en-US" smtClean="0"/>
+              <a:rPr lang="zh-TW" altLang="en-US"/>
               <a:t>按一下以編輯母片標題樣式</a:t>
             </a:r>
-            <a:endParaRPr lang="zh-TW" altLang="en-US"/>
           </a:p>
         </p:txBody>
       </p:sp>
@@ -2419,10 +2407,9 @@
           </a:lstStyle>
           <a:p>
             <a:r>
-              <a:rPr lang="zh-TW" altLang="en-US" smtClean="0"/>
+              <a:rPr lang="zh-TW" altLang="en-US"/>
               <a:t>按一下圖示以新增圖片</a:t>
             </a:r>
-            <a:endParaRPr lang="zh-TW" altLang="en-US"/>
           </a:p>
         </p:txBody>
       </p:sp>
@@ -2485,7 +2472,7 @@
           <a:p>
             <a:pPr lvl="0"/>
             <a:r>
-              <a:rPr lang="zh-TW" altLang="en-US" smtClean="0"/>
+              <a:rPr lang="zh-TW" altLang="en-US"/>
               <a:t>按一下以編輯母片文字樣式</a:t>
             </a:r>
           </a:p>
@@ -2509,7 +2496,7 @@
             <a:fld id="{212F838A-6F4B-4BB1-BACD-B06005FD32E3}" type="datetimeFigureOut">
               <a:rPr lang="zh-TW" altLang="en-US" smtClean="0"/>
               <a:pPr/>
-              <a:t>2020/9/4</a:t>
+              <a:t>2024/2/24</a:t>
             </a:fld>
             <a:endParaRPr lang="zh-TW" altLang="en-US"/>
           </a:p>
@@ -2619,10 +2606,9 @@
           <a:lstStyle/>
           <a:p>
             <a:r>
-              <a:rPr lang="zh-TW" altLang="en-US" smtClean="0"/>
+              <a:rPr lang="zh-TW" altLang="en-US"/>
               <a:t>按一下以編輯母片標題樣式</a:t>
             </a:r>
-            <a:endParaRPr lang="zh-TW" altLang="en-US"/>
           </a:p>
         </p:txBody>
       </p:sp>
@@ -2653,38 +2639,37 @@
           <a:p>
             <a:pPr lvl="0"/>
             <a:r>
-              <a:rPr lang="zh-TW" altLang="en-US" smtClean="0"/>
+              <a:rPr lang="zh-TW" altLang="en-US"/>
               <a:t>按一下以編輯母片文字樣式</a:t>
             </a:r>
           </a:p>
           <a:p>
             <a:pPr lvl="1"/>
             <a:r>
-              <a:rPr lang="zh-TW" altLang="en-US" smtClean="0"/>
+              <a:rPr lang="zh-TW" altLang="en-US"/>
               <a:t>第二層</a:t>
             </a:r>
           </a:p>
           <a:p>
             <a:pPr lvl="2"/>
             <a:r>
-              <a:rPr lang="zh-TW" altLang="en-US" smtClean="0"/>
+              <a:rPr lang="zh-TW" altLang="en-US"/>
               <a:t>第三層</a:t>
             </a:r>
           </a:p>
           <a:p>
             <a:pPr lvl="3"/>
             <a:r>
-              <a:rPr lang="zh-TW" altLang="en-US" smtClean="0"/>
+              <a:rPr lang="zh-TW" altLang="en-US"/>
               <a:t>第四層</a:t>
             </a:r>
           </a:p>
           <a:p>
             <a:pPr lvl="4"/>
             <a:r>
-              <a:rPr lang="zh-TW" altLang="en-US" smtClean="0"/>
+              <a:rPr lang="zh-TW" altLang="en-US"/>
               <a:t>第五層</a:t>
             </a:r>
-            <a:endParaRPr lang="zh-TW" altLang="en-US"/>
           </a:p>
         </p:txBody>
       </p:sp>
@@ -2724,7 +2709,7 @@
             <a:fld id="{212F838A-6F4B-4BB1-BACD-B06005FD32E3}" type="datetimeFigureOut">
               <a:rPr lang="zh-TW" altLang="en-US" smtClean="0"/>
               <a:pPr/>
-              <a:t>2020/9/4</a:t>
+              <a:t>2024/2/24</a:t>
             </a:fld>
             <a:endParaRPr lang="zh-TW" altLang="en-US"/>
           </a:p>
@@ -3105,18 +3090,80 @@
             <p:ph type="title"/>
           </p:nvPr>
         </p:nvSpPr>
-        <p:spPr/>
+        <p:spPr>
+          <a:xfrm>
+            <a:off x="0" y="2660915"/>
+            <a:ext cx="12192000" cy="1143000"/>
+          </a:xfrm>
+        </p:spPr>
         <p:txBody>
           <a:bodyPr>
-            <a:normAutofit/>
+            <a:noAutofit/>
           </a:bodyPr>
           <a:lstStyle/>
           <a:p>
             <a:r>
-              <a:rPr lang="zh-TW" altLang="en-US" sz="4800" b="1" dirty="0">
+              <a:rPr lang="zh-CN" altLang="en-US" sz="5333" b="1" u="sng" dirty="0">
+                <a:solidFill>
+                  <a:srgbClr val="000066"/>
+                </a:solidFill>
+                <a:effectLst>
+                  <a:outerShdw blurRad="38100" dist="38100" dir="2700000" algn="tl">
+                    <a:srgbClr val="000000">
+                      <a:alpha val="43137"/>
+                    </a:srgbClr>
+                  </a:outerShdw>
+                </a:effectLst>
+                <a:latin typeface="微軟正黑體" pitchFamily="34" charset="-120"/>
+                <a:ea typeface="微軟正黑體" pitchFamily="34" charset="-120"/>
+              </a:rPr>
+              <a:t>宣道詩 </a:t>
+            </a:r>
+            <a:r>
+              <a:rPr lang="en-US" altLang="zh-CN" sz="5333" b="1" u="sng" dirty="0">
+                <a:solidFill>
+                  <a:srgbClr val="000066"/>
+                </a:solidFill>
+                <a:effectLst>
+                  <a:outerShdw blurRad="38100" dist="38100" dir="2700000" algn="tl">
+                    <a:srgbClr val="000000">
+                      <a:alpha val="43137"/>
+                    </a:srgbClr>
+                  </a:outerShdw>
+                </a:effectLst>
+                <a:latin typeface="微軟正黑體" pitchFamily="34" charset="-120"/>
+                <a:ea typeface="微軟正黑體" pitchFamily="34" charset="-120"/>
+              </a:rPr>
+              <a:t>33</a:t>
+            </a:r>
+            <a:br>
+              <a:rPr lang="en-US" altLang="zh-CN" sz="7200" b="1" i="1" dirty="0">
                 <a:solidFill>
                   <a:srgbClr val="660033"/>
                 </a:solidFill>
+                <a:effectLst>
+                  <a:outerShdw blurRad="38100" dist="38100" dir="2700000" algn="tl">
+                    <a:srgbClr val="000000">
+                      <a:alpha val="43137"/>
+                    </a:srgbClr>
+                  </a:outerShdw>
+                </a:effectLst>
+                <a:latin typeface="微軟正黑體" pitchFamily="34" charset="-120"/>
+                <a:ea typeface="微軟正黑體" pitchFamily="34" charset="-120"/>
+              </a:rPr>
+            </a:br>
+            <a:r>
+              <a:rPr lang="zh-TW" altLang="en-US" sz="8000" b="1" dirty="0">
+                <a:solidFill>
+                  <a:srgbClr val="660033"/>
+                </a:solidFill>
+                <a:effectLst>
+                  <a:outerShdw blurRad="38100" dist="38100" dir="2700000" algn="tl">
+                    <a:srgbClr val="000000">
+                      <a:alpha val="43137"/>
+                    </a:srgbClr>
+                  </a:outerShdw>
+                </a:effectLst>
                 <a:latin typeface="微軟正黑體" pitchFamily="34" charset="-120"/>
                 <a:ea typeface="微軟正黑體" pitchFamily="34" charset="-120"/>
               </a:rPr>
@@ -3125,125 +3172,12 @@
           </a:p>
         </p:txBody>
       </p:sp>
-      <p:sp>
-        <p:nvSpPr>
-          <p:cNvPr id="5" name="內容版面配置區 4"/>
-          <p:cNvSpPr>
-            <a:spLocks noGrp="1"/>
-          </p:cNvSpPr>
-          <p:nvPr>
-            <p:ph idx="1"/>
-          </p:nvPr>
-        </p:nvSpPr>
-        <p:spPr/>
-        <p:txBody>
-          <a:bodyPr>
-            <a:normAutofit/>
-          </a:bodyPr>
-          <a:lstStyle/>
-          <a:p>
-            <a:pPr lvl="0" algn="ctr">
-              <a:buNone/>
-            </a:pPr>
-            <a:r>
-              <a:rPr lang="zh-TW" altLang="en-US" sz="5400" b="1" dirty="0">
-                <a:solidFill>
-                  <a:srgbClr val="660033"/>
-                </a:solidFill>
-                <a:latin typeface="微軟正黑體" pitchFamily="34" charset="-120"/>
-                <a:ea typeface="微軟正黑體" pitchFamily="34" charset="-120"/>
-              </a:rPr>
-              <a:t>何能使我脫罪擔</a:t>
-            </a:r>
-          </a:p>
-          <a:p>
-            <a:pPr algn="ctr">
-              <a:buNone/>
-            </a:pPr>
-            <a:r>
-              <a:rPr lang="zh-TW" altLang="en-US" sz="5400" b="1" dirty="0">
-                <a:solidFill>
-                  <a:srgbClr val="660033"/>
-                </a:solidFill>
-                <a:latin typeface="微軟正黑體" pitchFamily="34" charset="-120"/>
-                <a:ea typeface="微軟正黑體" pitchFamily="34" charset="-120"/>
-              </a:rPr>
-              <a:t>只有主耶穌之寶血</a:t>
-            </a:r>
-          </a:p>
-          <a:p>
-            <a:pPr algn="ctr">
-              <a:buNone/>
-            </a:pPr>
-            <a:r>
-              <a:rPr lang="zh-TW" altLang="en-US" sz="5400" b="1" dirty="0">
-                <a:solidFill>
-                  <a:srgbClr val="660033"/>
-                </a:solidFill>
-                <a:latin typeface="微軟正黑體" pitchFamily="34" charset="-120"/>
-                <a:ea typeface="微軟正黑體" pitchFamily="34" charset="-120"/>
-              </a:rPr>
-              <a:t>何能使我得平安</a:t>
-            </a:r>
-          </a:p>
-          <a:p>
-            <a:pPr algn="ctr">
-              <a:buNone/>
-            </a:pPr>
-            <a:r>
-              <a:rPr lang="zh-TW" altLang="en-US" sz="5400" b="1" dirty="0">
-                <a:solidFill>
-                  <a:srgbClr val="660033"/>
-                </a:solidFill>
-                <a:latin typeface="微軟正黑體" pitchFamily="34" charset="-120"/>
-                <a:ea typeface="微軟正黑體" pitchFamily="34" charset="-120"/>
-              </a:rPr>
-              <a:t>只有主耶穌之寶血</a:t>
-            </a:r>
-          </a:p>
-        </p:txBody>
-      </p:sp>
-      <p:sp>
-        <p:nvSpPr>
-          <p:cNvPr id="2" name="TextBox 1"/>
-          <p:cNvSpPr txBox="1"/>
-          <p:nvPr/>
-        </p:nvSpPr>
-        <p:spPr>
-          <a:xfrm>
-            <a:off x="1415480" y="1772816"/>
-            <a:ext cx="1008112" cy="830997"/>
-          </a:xfrm>
-          <a:prstGeom prst="rect">
-            <a:avLst/>
-          </a:prstGeom>
-          <a:noFill/>
-        </p:spPr>
-        <p:txBody>
-          <a:bodyPr wrap="square" rtlCol="0">
-            <a:spAutoFit/>
-          </a:bodyPr>
-          <a:lstStyle/>
-          <a:p>
-            <a:r>
-              <a:rPr lang="en-US" sz="4800" b="1" dirty="0">
-                <a:solidFill>
-                  <a:srgbClr val="660033"/>
-                </a:solidFill>
-                <a:ea typeface="微軟正黑體" pitchFamily="34" charset="-120"/>
-              </a:rPr>
-              <a:t>1.</a:t>
-            </a:r>
-            <a:endParaRPr lang="vi-VN" sz="4800" b="1" dirty="0">
-              <a:solidFill>
-                <a:srgbClr val="660033"/>
-              </a:solidFill>
-              <a:ea typeface="微軟正黑體" pitchFamily="34" charset="-120"/>
-            </a:endParaRPr>
-          </a:p>
-        </p:txBody>
-      </p:sp>
     </p:spTree>
+    <p:extLst>
+      <p:ext uri="{BB962C8B-B14F-4D97-AF65-F5344CB8AC3E}">
+        <p14:creationId xmlns:p14="http://schemas.microsoft.com/office/powerpoint/2010/main" val="3724263107"/>
+      </p:ext>
+    </p:extLst>
   </p:cSld>
   <p:clrMapOvr>
     <a:masterClrMapping/>
@@ -3256,7 +3190,13 @@
   <p:cSld>
     <p:spTree>
       <p:nvGrpSpPr>
-        <p:cNvPr id="1" name=""/>
+        <p:cNvPr id="1" name="">
+          <a:extLst>
+            <a:ext uri="{FF2B5EF4-FFF2-40B4-BE49-F238E27FC236}">
+              <a16:creationId xmlns:a16="http://schemas.microsoft.com/office/drawing/2014/main" id="{0B063F1A-D61B-4A4F-87A0-1BBEE27D7390}"/>
+            </a:ext>
+          </a:extLst>
+        </p:cNvPr>
         <p:cNvGrpSpPr/>
         <p:nvPr/>
       </p:nvGrpSpPr>
@@ -3270,108 +3210,59 @@
       </p:grpSpPr>
       <p:sp>
         <p:nvSpPr>
-          <p:cNvPr id="4" name="標題 3"/>
-          <p:cNvSpPr>
-            <a:spLocks noGrp="1"/>
-          </p:cNvSpPr>
-          <p:nvPr>
-            <p:ph type="title"/>
-          </p:nvPr>
-        </p:nvSpPr>
-        <p:spPr/>
-        <p:txBody>
-          <a:bodyPr>
+          <p:cNvPr id="5" name="內容版面配置區 4">
+            <a:extLst>
+              <a:ext uri="{FF2B5EF4-FFF2-40B4-BE49-F238E27FC236}">
+                <a16:creationId xmlns:a16="http://schemas.microsoft.com/office/drawing/2014/main" id="{B34DF6FD-8686-B0ED-3E5F-8F6A66E7E218}"/>
+              </a:ext>
+            </a:extLst>
+          </p:cNvPr>
+          <p:cNvSpPr>
+            <a:spLocks noGrp="1"/>
+          </p:cNvSpPr>
+          <p:nvPr>
+            <p:ph idx="1"/>
+          </p:nvPr>
+        </p:nvSpPr>
+        <p:spPr>
+          <a:xfrm>
+            <a:off x="0" y="2084851"/>
+            <a:ext cx="12192000" cy="2404863"/>
+          </a:xfrm>
+        </p:spPr>
+        <p:txBody>
+          <a:bodyPr anchor="ctr">
             <a:normAutofit/>
           </a:bodyPr>
           <a:lstStyle/>
           <a:p>
-            <a:r>
-              <a:rPr lang="zh-TW" altLang="en-US" sz="4800" b="1" dirty="0">
+            <a:pPr algn="ctr">
+              <a:buNone/>
+            </a:pPr>
+            <a:r>
+              <a:rPr lang="zh-TW" altLang="en-US" sz="6400" b="1" dirty="0">
                 <a:solidFill>
                   <a:srgbClr val="660033"/>
                 </a:solidFill>
                 <a:latin typeface="微軟正黑體" pitchFamily="34" charset="-120"/>
                 <a:ea typeface="微軟正黑體" pitchFamily="34" charset="-120"/>
               </a:rPr>
-              <a:t>只有寶血</a:t>
-            </a:r>
-          </a:p>
-        </p:txBody>
-      </p:sp>
-      <p:sp>
-        <p:nvSpPr>
-          <p:cNvPr id="5" name="內容版面配置區 4"/>
-          <p:cNvSpPr>
-            <a:spLocks noGrp="1"/>
-          </p:cNvSpPr>
-          <p:nvPr>
-            <p:ph idx="1"/>
-          </p:nvPr>
-        </p:nvSpPr>
-        <p:spPr/>
-        <p:txBody>
-          <a:bodyPr>
-            <a:normAutofit/>
-          </a:bodyPr>
-          <a:lstStyle/>
+              <a:t>主在十架流血  洗我罪惡清潔</a:t>
+            </a:r>
+          </a:p>
           <a:p>
             <a:pPr algn="ctr">
               <a:buNone/>
             </a:pPr>
             <a:r>
-              <a:rPr lang="zh-TW" altLang="en-US" sz="5400" b="1" dirty="0">
+              <a:rPr lang="zh-TW" altLang="en-US" sz="6400" b="1" dirty="0">
                 <a:solidFill>
                   <a:srgbClr val="660033"/>
                 </a:solidFill>
                 <a:latin typeface="微軟正黑體" pitchFamily="34" charset="-120"/>
                 <a:ea typeface="微軟正黑體" pitchFamily="34" charset="-120"/>
               </a:rPr>
-              <a:t>主在十架流血</a:t>
-            </a:r>
-          </a:p>
-          <a:p>
-            <a:pPr algn="ctr">
-              <a:buNone/>
-            </a:pPr>
-            <a:r>
-              <a:rPr lang="zh-TW" altLang="en-US" sz="5400" b="1" dirty="0">
-                <a:solidFill>
-                  <a:srgbClr val="660033"/>
-                </a:solidFill>
-                <a:latin typeface="微軟正黑體" pitchFamily="34" charset="-120"/>
-                <a:ea typeface="微軟正黑體" pitchFamily="34" charset="-120"/>
-              </a:rPr>
-              <a:t>洗我罪惡清潔</a:t>
-            </a:r>
-          </a:p>
-          <a:p>
-            <a:pPr algn="ctr">
-              <a:buNone/>
-            </a:pPr>
-            <a:r>
-              <a:rPr lang="zh-TW" altLang="en-US" sz="5400" b="1" dirty="0">
-                <a:solidFill>
-                  <a:srgbClr val="660033"/>
-                </a:solidFill>
-                <a:latin typeface="微軟正黑體" pitchFamily="34" charset="-120"/>
-                <a:ea typeface="微軟正黑體" pitchFamily="34" charset="-120"/>
-              </a:rPr>
-              <a:t>使我白超乎雪</a:t>
-            </a:r>
-          </a:p>
-          <a:p>
-            <a:pPr algn="ctr">
-              <a:buNone/>
-            </a:pPr>
-            <a:r>
-              <a:rPr lang="zh-TW" altLang="en-US" sz="5400" b="1" dirty="0">
-                <a:solidFill>
-                  <a:srgbClr val="660033"/>
-                </a:solidFill>
-                <a:latin typeface="微軟正黑體" pitchFamily="34" charset="-120"/>
-                <a:ea typeface="微軟正黑體" pitchFamily="34" charset="-120"/>
-              </a:rPr>
-              <a:t>全賴主耶穌之寶血</a:t>
+              <a:t>使我白超乎雪  全賴主耶穌之寶血</a:t>
             </a:r>
           </a:p>
         </p:txBody>
@@ -3379,7 +3270,7 @@
     </p:spTree>
     <p:extLst>
       <p:ext uri="{BB962C8B-B14F-4D97-AF65-F5344CB8AC3E}">
-        <p14:creationId xmlns:p14="http://schemas.microsoft.com/office/powerpoint/2010/main" val="2190578349"/>
+        <p14:creationId xmlns:p14="http://schemas.microsoft.com/office/powerpoint/2010/main" val="1478594926"/>
       </p:ext>
     </p:extLst>
   </p:cSld>
@@ -3394,7 +3285,13 @@
   <p:cSld>
     <p:spTree>
       <p:nvGrpSpPr>
-        <p:cNvPr id="1" name=""/>
+        <p:cNvPr id="1" name="">
+          <a:extLst>
+            <a:ext uri="{FF2B5EF4-FFF2-40B4-BE49-F238E27FC236}">
+              <a16:creationId xmlns:a16="http://schemas.microsoft.com/office/drawing/2014/main" id="{B118B74E-B92D-494D-7304-A04D94C5EC9C}"/>
+            </a:ext>
+          </a:extLst>
+        </p:cNvPr>
         <p:cNvGrpSpPr/>
         <p:nvPr/>
       </p:nvGrpSpPr>
@@ -3408,170 +3305,79 @@
       </p:grpSpPr>
       <p:sp>
         <p:nvSpPr>
-          <p:cNvPr id="4" name="標題 3"/>
-          <p:cNvSpPr>
-            <a:spLocks noGrp="1"/>
-          </p:cNvSpPr>
-          <p:nvPr>
-            <p:ph type="title"/>
-          </p:nvPr>
-        </p:nvSpPr>
-        <p:spPr/>
-        <p:txBody>
-          <a:bodyPr>
+          <p:cNvPr id="5" name="內容版面配置區 4">
+            <a:extLst>
+              <a:ext uri="{FF2B5EF4-FFF2-40B4-BE49-F238E27FC236}">
+                <a16:creationId xmlns:a16="http://schemas.microsoft.com/office/drawing/2014/main" id="{74857797-947A-9F7D-356C-7F1804DA2C6B}"/>
+              </a:ext>
+            </a:extLst>
+          </p:cNvPr>
+          <p:cNvSpPr>
+            <a:spLocks noGrp="1"/>
+          </p:cNvSpPr>
+          <p:nvPr>
+            <p:ph idx="1"/>
+          </p:nvPr>
+        </p:nvSpPr>
+        <p:spPr>
+          <a:xfrm>
+            <a:off x="0" y="2084851"/>
+            <a:ext cx="12192000" cy="2404863"/>
+          </a:xfrm>
+        </p:spPr>
+        <p:txBody>
+          <a:bodyPr anchor="ctr">
             <a:normAutofit/>
           </a:bodyPr>
           <a:lstStyle/>
           <a:p>
-            <a:r>
-              <a:rPr lang="zh-TW" altLang="en-US" sz="4800" b="1" dirty="0">
+            <a:pPr lvl="0" algn="ctr">
+              <a:buNone/>
+            </a:pPr>
+            <a:r>
+              <a:rPr lang="zh-TW" altLang="en-US" sz="6400" b="1" dirty="0">
                 <a:solidFill>
                   <a:srgbClr val="660033"/>
                 </a:solidFill>
                 <a:latin typeface="微軟正黑體" pitchFamily="34" charset="-120"/>
                 <a:ea typeface="微軟正黑體" pitchFamily="34" charset="-120"/>
               </a:rPr>
-              <a:t>只有寶血</a:t>
-            </a:r>
-          </a:p>
-        </p:txBody>
-      </p:sp>
-      <p:sp>
-        <p:nvSpPr>
-          <p:cNvPr id="5" name="內容版面配置區 4"/>
-          <p:cNvSpPr>
-            <a:spLocks noGrp="1"/>
-          </p:cNvSpPr>
-          <p:nvPr>
-            <p:ph idx="1"/>
-          </p:nvPr>
-        </p:nvSpPr>
-        <p:spPr/>
-        <p:txBody>
-          <a:bodyPr>
-            <a:normAutofit/>
-          </a:bodyPr>
-          <a:lstStyle/>
-          <a:p>
-            <a:pPr lvl="0" algn="ctr">
+              <a:t>何能使我得稱義</a:t>
+            </a:r>
+          </a:p>
+          <a:p>
+            <a:pPr algn="ctr">
               <a:buNone/>
             </a:pPr>
             <a:r>
-              <a:rPr lang="zh-CN" altLang="en-US" sz="5400" b="1" dirty="0">
+              <a:rPr lang="zh-TW" altLang="en-US" sz="6400" b="1" dirty="0">
                 <a:solidFill>
                   <a:srgbClr val="660033"/>
                 </a:solidFill>
                 <a:latin typeface="微軟正黑體" pitchFamily="34" charset="-120"/>
                 <a:ea typeface="微軟正黑體" pitchFamily="34" charset="-120"/>
               </a:rPr>
-              <a:t>尊</a:t>
-            </a:r>
-            <a:r>
-              <a:rPr lang="zh-CN" altLang="en-US" sz="5400" b="1" dirty="0" smtClean="0">
-                <a:solidFill>
-                  <a:srgbClr val="660033"/>
-                </a:solidFill>
-                <a:latin typeface="微軟正黑體" pitchFamily="34" charset="-120"/>
-                <a:ea typeface="微軟正黑體" pitchFamily="34" charset="-120"/>
-              </a:rPr>
-              <a:t>貴榮耀並頌讚</a:t>
-            </a:r>
-            <a:endParaRPr lang="en-US" altLang="zh-CN" sz="5400" b="1" dirty="0" smtClean="0">
-              <a:solidFill>
-                <a:srgbClr val="660033"/>
-              </a:solidFill>
-              <a:latin typeface="微軟正黑體" pitchFamily="34" charset="-120"/>
-              <a:ea typeface="微軟正黑體" pitchFamily="34" charset="-120"/>
-            </a:endParaRPr>
-          </a:p>
-          <a:p>
-            <a:pPr lvl="0" algn="ctr">
-              <a:buNone/>
-            </a:pPr>
-            <a:r>
-              <a:rPr lang="zh-CN" altLang="en-US" sz="5400" b="1" dirty="0" smtClean="0">
-                <a:solidFill>
-                  <a:srgbClr val="660033"/>
-                </a:solidFill>
-                <a:latin typeface="微軟正黑體" pitchFamily="34" charset="-120"/>
-                <a:ea typeface="微軟正黑體" pitchFamily="34" charset="-120"/>
-              </a:rPr>
-              <a:t>歸與主耶穌之寶血</a:t>
-            </a:r>
-            <a:endParaRPr lang="en-US" altLang="zh-CN" sz="5400" b="1" dirty="0" smtClean="0">
-              <a:solidFill>
-                <a:srgbClr val="660033"/>
-              </a:solidFill>
-              <a:latin typeface="微軟正黑體" pitchFamily="34" charset="-120"/>
-              <a:ea typeface="微軟正黑體" pitchFamily="34" charset="-120"/>
-            </a:endParaRPr>
-          </a:p>
-          <a:p>
-            <a:pPr algn="ctr">
-              <a:buNone/>
-            </a:pPr>
-            <a:r>
-              <a:rPr lang="zh-CN" altLang="en-US" sz="5400" b="1" dirty="0">
-                <a:solidFill>
-                  <a:srgbClr val="660033"/>
-                </a:solidFill>
-                <a:latin typeface="微軟正黑體" pitchFamily="34" charset="-120"/>
-                <a:ea typeface="微軟正黑體" pitchFamily="34" charset="-120"/>
-              </a:rPr>
-              <a:t>尊貴榮耀並頌讚</a:t>
-            </a:r>
-            <a:endParaRPr lang="en-US" altLang="zh-CN" sz="5400" b="1" dirty="0">
-              <a:solidFill>
-                <a:srgbClr val="660033"/>
-              </a:solidFill>
-              <a:latin typeface="微軟正黑體" pitchFamily="34" charset="-120"/>
-              <a:ea typeface="微軟正黑體" pitchFamily="34" charset="-120"/>
-            </a:endParaRPr>
-          </a:p>
-          <a:p>
-            <a:pPr algn="ctr">
-              <a:buNone/>
-            </a:pPr>
-            <a:r>
-              <a:rPr lang="zh-CN" altLang="en-US" sz="5400" b="1" dirty="0">
-                <a:solidFill>
-                  <a:srgbClr val="660033"/>
-                </a:solidFill>
-                <a:latin typeface="微軟正黑體" pitchFamily="34" charset="-120"/>
-                <a:ea typeface="微軟正黑體" pitchFamily="34" charset="-120"/>
-              </a:rPr>
-              <a:t>歸與主耶穌之寶</a:t>
-            </a:r>
-            <a:r>
-              <a:rPr lang="zh-CN" altLang="en-US" sz="5400" b="1" dirty="0" smtClean="0">
-                <a:solidFill>
-                  <a:srgbClr val="660033"/>
-                </a:solidFill>
-                <a:latin typeface="微軟正黑體" pitchFamily="34" charset="-120"/>
-                <a:ea typeface="微軟正黑體" pitchFamily="34" charset="-120"/>
-              </a:rPr>
-              <a:t>血</a:t>
-            </a:r>
-            <a:endParaRPr lang="en-US" altLang="zh-CN" sz="5400" b="1" dirty="0">
-              <a:solidFill>
-                <a:srgbClr val="660033"/>
-              </a:solidFill>
-              <a:latin typeface="微軟正黑體" pitchFamily="34" charset="-120"/>
-              <a:ea typeface="微軟正黑體" pitchFamily="34" charset="-120"/>
-            </a:endParaRPr>
-          </a:p>
-        </p:txBody>
-      </p:sp>
-      <p:sp>
-        <p:nvSpPr>
-          <p:cNvPr id="6" name="TextBox 5"/>
+              <a:t>只有主耶穌之寶血</a:t>
+            </a:r>
+          </a:p>
+        </p:txBody>
+      </p:sp>
+      <p:sp>
+        <p:nvSpPr>
+          <p:cNvPr id="3" name="TextBox 2">
+            <a:extLst>
+              <a:ext uri="{FF2B5EF4-FFF2-40B4-BE49-F238E27FC236}">
+                <a16:creationId xmlns:a16="http://schemas.microsoft.com/office/drawing/2014/main" id="{ADE1C05C-73F9-1279-13EE-445D1A4B398D}"/>
+              </a:ext>
+            </a:extLst>
+          </p:cNvPr>
           <p:cNvSpPr txBox="1"/>
           <p:nvPr/>
         </p:nvSpPr>
         <p:spPr>
           <a:xfrm>
-            <a:off x="1415480" y="1772816"/>
-            <a:ext cx="1008112" cy="830997"/>
+            <a:off x="0" y="5061181"/>
+            <a:ext cx="12192000" cy="666786"/>
           </a:xfrm>
           <a:prstGeom prst="rect">
             <a:avLst/>
@@ -3584,25 +3390,29 @@
           </a:bodyPr>
           <a:lstStyle/>
           <a:p>
-            <a:r>
-              <a:rPr lang="en-US" sz="4800" b="1" dirty="0" smtClean="0">
+            <a:pPr algn="ctr"/>
+            <a:r>
+              <a:rPr lang="en-US" sz="3733" b="1" dirty="0">
                 <a:solidFill>
                   <a:srgbClr val="660033"/>
                 </a:solidFill>
-                <a:ea typeface="微軟正黑體" pitchFamily="34" charset="-120"/>
               </a:rPr>
-              <a:t>6.</a:t>
-            </a:r>
-            <a:endParaRPr lang="vi-VN" sz="4800" b="1" dirty="0">
+              <a:t>( 4 / 6 )</a:t>
+            </a:r>
+            <a:endParaRPr lang="vi-VN" sz="3733" b="1" dirty="0">
               <a:solidFill>
                 <a:srgbClr val="660033"/>
               </a:solidFill>
-              <a:ea typeface="微軟正黑體" pitchFamily="34" charset="-120"/>
             </a:endParaRPr>
           </a:p>
         </p:txBody>
       </p:sp>
     </p:spTree>
+    <p:extLst>
+      <p:ext uri="{BB962C8B-B14F-4D97-AF65-F5344CB8AC3E}">
+        <p14:creationId xmlns:p14="http://schemas.microsoft.com/office/powerpoint/2010/main" val="3350631457"/>
+      </p:ext>
+    </p:extLst>
   </p:cSld>
   <p:clrMapOvr>
     <a:masterClrMapping/>
@@ -3615,7 +3425,13 @@
   <p:cSld>
     <p:spTree>
       <p:nvGrpSpPr>
-        <p:cNvPr id="1" name=""/>
+        <p:cNvPr id="1" name="">
+          <a:extLst>
+            <a:ext uri="{FF2B5EF4-FFF2-40B4-BE49-F238E27FC236}">
+              <a16:creationId xmlns:a16="http://schemas.microsoft.com/office/drawing/2014/main" id="{471989AC-EF4F-2EA6-174C-5A1972FAD412}"/>
+            </a:ext>
+          </a:extLst>
+        </p:cNvPr>
         <p:cNvGrpSpPr/>
         <p:nvPr/>
       </p:nvGrpSpPr>
@@ -3629,78 +3445,184 @@
       </p:grpSpPr>
       <p:sp>
         <p:nvSpPr>
-          <p:cNvPr id="4" name="標題 3"/>
-          <p:cNvSpPr>
-            <a:spLocks noGrp="1"/>
-          </p:cNvSpPr>
-          <p:nvPr>
-            <p:ph type="title"/>
-          </p:nvPr>
-        </p:nvSpPr>
-        <p:spPr/>
-        <p:txBody>
-          <a:bodyPr>
+          <p:cNvPr id="5" name="內容版面配置區 4">
+            <a:extLst>
+              <a:ext uri="{FF2B5EF4-FFF2-40B4-BE49-F238E27FC236}">
+                <a16:creationId xmlns:a16="http://schemas.microsoft.com/office/drawing/2014/main" id="{4802BD8C-7020-0573-7299-1D25F66C2AF7}"/>
+              </a:ext>
+            </a:extLst>
+          </p:cNvPr>
+          <p:cNvSpPr>
+            <a:spLocks noGrp="1"/>
+          </p:cNvSpPr>
+          <p:nvPr>
+            <p:ph idx="1"/>
+          </p:nvPr>
+        </p:nvSpPr>
+        <p:spPr>
+          <a:xfrm>
+            <a:off x="0" y="2084851"/>
+            <a:ext cx="12192000" cy="2404863"/>
+          </a:xfrm>
+        </p:spPr>
+        <p:txBody>
+          <a:bodyPr anchor="ctr">
             <a:normAutofit/>
           </a:bodyPr>
           <a:lstStyle/>
           <a:p>
-            <a:r>
-              <a:rPr lang="zh-TW" altLang="en-US" sz="4800" b="1" dirty="0">
+            <a:pPr algn="ctr">
+              <a:buNone/>
+            </a:pPr>
+            <a:r>
+              <a:rPr lang="zh-TW" altLang="en-US" sz="6400" b="1" dirty="0">
                 <a:solidFill>
                   <a:srgbClr val="660033"/>
                 </a:solidFill>
                 <a:latin typeface="微軟正黑體" pitchFamily="34" charset="-120"/>
                 <a:ea typeface="微軟正黑體" pitchFamily="34" charset="-120"/>
               </a:rPr>
-              <a:t>只有寶血</a:t>
-            </a:r>
-          </a:p>
-        </p:txBody>
-      </p:sp>
-      <p:sp>
-        <p:nvSpPr>
-          <p:cNvPr id="5" name="內容版面配置區 4"/>
-          <p:cNvSpPr>
-            <a:spLocks noGrp="1"/>
-          </p:cNvSpPr>
-          <p:nvPr>
-            <p:ph idx="1"/>
-          </p:nvPr>
-        </p:nvSpPr>
-        <p:spPr/>
-        <p:txBody>
-          <a:bodyPr>
-            <a:normAutofit/>
-          </a:bodyPr>
-          <a:lstStyle/>
+              <a:t>何能使我得成聖</a:t>
+            </a:r>
+          </a:p>
           <a:p>
             <a:pPr algn="ctr">
               <a:buNone/>
             </a:pPr>
             <a:r>
-              <a:rPr lang="zh-TW" altLang="en-US" sz="5400" b="1" dirty="0">
+              <a:rPr lang="zh-TW" altLang="en-US" sz="6400" b="1" dirty="0">
                 <a:solidFill>
                   <a:srgbClr val="660033"/>
                 </a:solidFill>
                 <a:latin typeface="微軟正黑體" pitchFamily="34" charset="-120"/>
                 <a:ea typeface="微軟正黑體" pitchFamily="34" charset="-120"/>
               </a:rPr>
-              <a:t>主在十架流血</a:t>
-            </a:r>
-          </a:p>
+              <a:t>只有主耶穌之寶血</a:t>
+            </a:r>
+          </a:p>
+        </p:txBody>
+      </p:sp>
+      <p:sp>
+        <p:nvSpPr>
+          <p:cNvPr id="3" name="TextBox 2">
+            <a:extLst>
+              <a:ext uri="{FF2B5EF4-FFF2-40B4-BE49-F238E27FC236}">
+                <a16:creationId xmlns:a16="http://schemas.microsoft.com/office/drawing/2014/main" id="{A01FCCE2-6D43-8E24-68D0-07ACD8939265}"/>
+              </a:ext>
+            </a:extLst>
+          </p:cNvPr>
+          <p:cNvSpPr txBox="1"/>
+          <p:nvPr/>
+        </p:nvSpPr>
+        <p:spPr>
+          <a:xfrm>
+            <a:off x="0" y="5061181"/>
+            <a:ext cx="12192000" cy="666786"/>
+          </a:xfrm>
+          <a:prstGeom prst="rect">
+            <a:avLst/>
+          </a:prstGeom>
+          <a:noFill/>
+        </p:spPr>
+        <p:txBody>
+          <a:bodyPr wrap="square" rtlCol="0">
+            <a:spAutoFit/>
+          </a:bodyPr>
+          <a:lstStyle/>
+          <a:p>
+            <a:pPr algn="ctr"/>
+            <a:r>
+              <a:rPr lang="en-US" sz="3733" b="1" dirty="0">
+                <a:solidFill>
+                  <a:srgbClr val="660033"/>
+                </a:solidFill>
+              </a:rPr>
+              <a:t>( 4 / 6 )</a:t>
+            </a:r>
+            <a:endParaRPr lang="vi-VN" sz="3733" b="1" dirty="0">
+              <a:solidFill>
+                <a:srgbClr val="660033"/>
+              </a:solidFill>
+            </a:endParaRPr>
+          </a:p>
+        </p:txBody>
+      </p:sp>
+    </p:spTree>
+    <p:extLst>
+      <p:ext uri="{BB962C8B-B14F-4D97-AF65-F5344CB8AC3E}">
+        <p14:creationId xmlns:p14="http://schemas.microsoft.com/office/powerpoint/2010/main" val="3585793622"/>
+      </p:ext>
+    </p:extLst>
+  </p:cSld>
+  <p:clrMapOvr>
+    <a:masterClrMapping/>
+  </p:clrMapOvr>
+</p:sld>
+</file>
+
+<file path=ppt/slides/slide13.xml><?xml version="1.0" encoding="utf-8"?>
+<p:sld xmlns:a="http://schemas.openxmlformats.org/drawingml/2006/main" xmlns:r="http://schemas.openxmlformats.org/officeDocument/2006/relationships" xmlns:p="http://schemas.openxmlformats.org/presentationml/2006/main">
+  <p:cSld>
+    <p:spTree>
+      <p:nvGrpSpPr>
+        <p:cNvPr id="1" name="">
+          <a:extLst>
+            <a:ext uri="{FF2B5EF4-FFF2-40B4-BE49-F238E27FC236}">
+              <a16:creationId xmlns:a16="http://schemas.microsoft.com/office/drawing/2014/main" id="{ED6FE8DF-02CF-945A-B74D-5CDC26131D02}"/>
+            </a:ext>
+          </a:extLst>
+        </p:cNvPr>
+        <p:cNvGrpSpPr/>
+        <p:nvPr/>
+      </p:nvGrpSpPr>
+      <p:grpSpPr>
+        <a:xfrm>
+          <a:off x="0" y="0"/>
+          <a:ext cx="0" cy="0"/>
+          <a:chOff x="0" y="0"/>
+          <a:chExt cx="0" cy="0"/>
+        </a:xfrm>
+      </p:grpSpPr>
+      <p:sp>
+        <p:nvSpPr>
+          <p:cNvPr id="5" name="內容版面配置區 4">
+            <a:extLst>
+              <a:ext uri="{FF2B5EF4-FFF2-40B4-BE49-F238E27FC236}">
+                <a16:creationId xmlns:a16="http://schemas.microsoft.com/office/drawing/2014/main" id="{F095A754-E27D-682B-4F6D-CA0794124623}"/>
+              </a:ext>
+            </a:extLst>
+          </p:cNvPr>
+          <p:cNvSpPr>
+            <a:spLocks noGrp="1"/>
+          </p:cNvSpPr>
+          <p:nvPr>
+            <p:ph idx="1"/>
+          </p:nvPr>
+        </p:nvSpPr>
+        <p:spPr>
+          <a:xfrm>
+            <a:off x="0" y="2084851"/>
+            <a:ext cx="12192000" cy="2404863"/>
+          </a:xfrm>
+        </p:spPr>
+        <p:txBody>
+          <a:bodyPr anchor="ctr">
+            <a:normAutofit/>
+          </a:bodyPr>
+          <a:lstStyle/>
           <a:p>
             <a:pPr algn="ctr">
               <a:buNone/>
             </a:pPr>
             <a:r>
-              <a:rPr lang="zh-TW" altLang="en-US" sz="5400" b="1" dirty="0">
+              <a:rPr lang="zh-TW" altLang="en-US" sz="6400" b="1" dirty="0">
                 <a:solidFill>
                   <a:srgbClr val="660033"/>
                 </a:solidFill>
                 <a:latin typeface="微軟正黑體" pitchFamily="34" charset="-120"/>
                 <a:ea typeface="微軟正黑體" pitchFamily="34" charset="-120"/>
               </a:rPr>
-              <a:t>洗我罪惡清潔</a:t>
+              <a:t>主在十架流血  洗我罪惡清潔</a:t>
             </a:r>
           </a:p>
           <a:p>
@@ -3708,34 +3630,802 @@
               <a:buNone/>
             </a:pPr>
             <a:r>
-              <a:rPr lang="zh-TW" altLang="en-US" sz="5400" b="1" dirty="0">
+              <a:rPr lang="zh-TW" altLang="en-US" sz="6400" b="1" dirty="0">
                 <a:solidFill>
                   <a:srgbClr val="660033"/>
                 </a:solidFill>
                 <a:latin typeface="微軟正黑體" pitchFamily="34" charset="-120"/>
                 <a:ea typeface="微軟正黑體" pitchFamily="34" charset="-120"/>
               </a:rPr>
-              <a:t>使我白超乎雪</a:t>
-            </a:r>
-          </a:p>
-          <a:p>
-            <a:pPr algn="ctr">
+              <a:t>使我白超乎雪  全賴主耶穌之寶血</a:t>
+            </a:r>
+          </a:p>
+        </p:txBody>
+      </p:sp>
+    </p:spTree>
+    <p:extLst>
+      <p:ext uri="{BB962C8B-B14F-4D97-AF65-F5344CB8AC3E}">
+        <p14:creationId xmlns:p14="http://schemas.microsoft.com/office/powerpoint/2010/main" val="3380698195"/>
+      </p:ext>
+    </p:extLst>
+  </p:cSld>
+  <p:clrMapOvr>
+    <a:masterClrMapping/>
+  </p:clrMapOvr>
+</p:sld>
+</file>
+
+<file path=ppt/slides/slide14.xml><?xml version="1.0" encoding="utf-8"?>
+<p:sld xmlns:a="http://schemas.openxmlformats.org/drawingml/2006/main" xmlns:r="http://schemas.openxmlformats.org/officeDocument/2006/relationships" xmlns:p="http://schemas.openxmlformats.org/presentationml/2006/main">
+  <p:cSld>
+    <p:spTree>
+      <p:nvGrpSpPr>
+        <p:cNvPr id="1" name="">
+          <a:extLst>
+            <a:ext uri="{FF2B5EF4-FFF2-40B4-BE49-F238E27FC236}">
+              <a16:creationId xmlns:a16="http://schemas.microsoft.com/office/drawing/2014/main" id="{936B984F-3487-C1AC-AF74-B116431BB6C5}"/>
+            </a:ext>
+          </a:extLst>
+        </p:cNvPr>
+        <p:cNvGrpSpPr/>
+        <p:nvPr/>
+      </p:nvGrpSpPr>
+      <p:grpSpPr>
+        <a:xfrm>
+          <a:off x="0" y="0"/>
+          <a:ext cx="0" cy="0"/>
+          <a:chOff x="0" y="0"/>
+          <a:chExt cx="0" cy="0"/>
+        </a:xfrm>
+      </p:grpSpPr>
+      <p:sp>
+        <p:nvSpPr>
+          <p:cNvPr id="5" name="內容版面配置區 4">
+            <a:extLst>
+              <a:ext uri="{FF2B5EF4-FFF2-40B4-BE49-F238E27FC236}">
+                <a16:creationId xmlns:a16="http://schemas.microsoft.com/office/drawing/2014/main" id="{0EEBEA69-E44A-9395-98A9-27CBF00CC656}"/>
+              </a:ext>
+            </a:extLst>
+          </p:cNvPr>
+          <p:cNvSpPr>
+            <a:spLocks noGrp="1"/>
+          </p:cNvSpPr>
+          <p:nvPr>
+            <p:ph idx="1"/>
+          </p:nvPr>
+        </p:nvSpPr>
+        <p:spPr>
+          <a:xfrm>
+            <a:off x="0" y="2084851"/>
+            <a:ext cx="12192000" cy="2404863"/>
+          </a:xfrm>
+        </p:spPr>
+        <p:txBody>
+          <a:bodyPr anchor="ctr">
+            <a:normAutofit/>
+          </a:bodyPr>
+          <a:lstStyle/>
+          <a:p>
+            <a:pPr lvl="0" algn="ctr">
               <a:buNone/>
             </a:pPr>
             <a:r>
-              <a:rPr lang="zh-TW" altLang="en-US" sz="5400" b="1" dirty="0">
+              <a:rPr lang="zh-TW" altLang="en-US" sz="6400" b="1" dirty="0">
                 <a:solidFill>
                   <a:srgbClr val="660033"/>
                 </a:solidFill>
                 <a:latin typeface="微軟正黑體" pitchFamily="34" charset="-120"/>
                 <a:ea typeface="微軟正黑體" pitchFamily="34" charset="-120"/>
               </a:rPr>
-              <a:t>全賴主耶穌之寶血</a:t>
-            </a:r>
+              <a:t>何能使我常得勝</a:t>
+            </a:r>
+          </a:p>
+          <a:p>
+            <a:pPr algn="ctr">
+              <a:buNone/>
+            </a:pPr>
+            <a:r>
+              <a:rPr lang="zh-TW" altLang="en-US" sz="6400" b="1" dirty="0">
+                <a:solidFill>
+                  <a:srgbClr val="660033"/>
+                </a:solidFill>
+                <a:latin typeface="微軟正黑體" pitchFamily="34" charset="-120"/>
+                <a:ea typeface="微軟正黑體" pitchFamily="34" charset="-120"/>
+              </a:rPr>
+              <a:t>只有主耶穌之寶血</a:t>
+            </a:r>
+          </a:p>
+        </p:txBody>
+      </p:sp>
+      <p:sp>
+        <p:nvSpPr>
+          <p:cNvPr id="3" name="TextBox 2">
+            <a:extLst>
+              <a:ext uri="{FF2B5EF4-FFF2-40B4-BE49-F238E27FC236}">
+                <a16:creationId xmlns:a16="http://schemas.microsoft.com/office/drawing/2014/main" id="{35C05BF2-7464-DFF0-1598-2D8DA3628CD6}"/>
+              </a:ext>
+            </a:extLst>
+          </p:cNvPr>
+          <p:cNvSpPr txBox="1"/>
+          <p:nvPr/>
+        </p:nvSpPr>
+        <p:spPr>
+          <a:xfrm>
+            <a:off x="0" y="5061181"/>
+            <a:ext cx="12192000" cy="666786"/>
+          </a:xfrm>
+          <a:prstGeom prst="rect">
+            <a:avLst/>
+          </a:prstGeom>
+          <a:noFill/>
+        </p:spPr>
+        <p:txBody>
+          <a:bodyPr wrap="square" rtlCol="0">
+            <a:spAutoFit/>
+          </a:bodyPr>
+          <a:lstStyle/>
+          <a:p>
+            <a:pPr algn="ctr"/>
+            <a:r>
+              <a:rPr lang="en-US" sz="3733" b="1" dirty="0">
+                <a:solidFill>
+                  <a:srgbClr val="660033"/>
+                </a:solidFill>
+              </a:rPr>
+              <a:t>( 5 / 6 )</a:t>
+            </a:r>
+            <a:endParaRPr lang="vi-VN" sz="3733" b="1" dirty="0">
+              <a:solidFill>
+                <a:srgbClr val="660033"/>
+              </a:solidFill>
+            </a:endParaRPr>
           </a:p>
         </p:txBody>
       </p:sp>
     </p:spTree>
+    <p:extLst>
+      <p:ext uri="{BB962C8B-B14F-4D97-AF65-F5344CB8AC3E}">
+        <p14:creationId xmlns:p14="http://schemas.microsoft.com/office/powerpoint/2010/main" val="3121081038"/>
+      </p:ext>
+    </p:extLst>
+  </p:cSld>
+  <p:clrMapOvr>
+    <a:masterClrMapping/>
+  </p:clrMapOvr>
+</p:sld>
+</file>
+
+<file path=ppt/slides/slide15.xml><?xml version="1.0" encoding="utf-8"?>
+<p:sld xmlns:a="http://schemas.openxmlformats.org/drawingml/2006/main" xmlns:r="http://schemas.openxmlformats.org/officeDocument/2006/relationships" xmlns:p="http://schemas.openxmlformats.org/presentationml/2006/main">
+  <p:cSld>
+    <p:spTree>
+      <p:nvGrpSpPr>
+        <p:cNvPr id="1" name="">
+          <a:extLst>
+            <a:ext uri="{FF2B5EF4-FFF2-40B4-BE49-F238E27FC236}">
+              <a16:creationId xmlns:a16="http://schemas.microsoft.com/office/drawing/2014/main" id="{4904AB77-F439-BF29-F429-CC44693CD65E}"/>
+            </a:ext>
+          </a:extLst>
+        </p:cNvPr>
+        <p:cNvGrpSpPr/>
+        <p:nvPr/>
+      </p:nvGrpSpPr>
+      <p:grpSpPr>
+        <a:xfrm>
+          <a:off x="0" y="0"/>
+          <a:ext cx="0" cy="0"/>
+          <a:chOff x="0" y="0"/>
+          <a:chExt cx="0" cy="0"/>
+        </a:xfrm>
+      </p:grpSpPr>
+      <p:sp>
+        <p:nvSpPr>
+          <p:cNvPr id="5" name="內容版面配置區 4">
+            <a:extLst>
+              <a:ext uri="{FF2B5EF4-FFF2-40B4-BE49-F238E27FC236}">
+                <a16:creationId xmlns:a16="http://schemas.microsoft.com/office/drawing/2014/main" id="{115710AC-9625-59EA-9B09-1AF6DABAA606}"/>
+              </a:ext>
+            </a:extLst>
+          </p:cNvPr>
+          <p:cNvSpPr>
+            <a:spLocks noGrp="1"/>
+          </p:cNvSpPr>
+          <p:nvPr>
+            <p:ph idx="1"/>
+          </p:nvPr>
+        </p:nvSpPr>
+        <p:spPr>
+          <a:xfrm>
+            <a:off x="0" y="2084851"/>
+            <a:ext cx="12192000" cy="2404863"/>
+          </a:xfrm>
+        </p:spPr>
+        <p:txBody>
+          <a:bodyPr anchor="ctr">
+            <a:normAutofit/>
+          </a:bodyPr>
+          <a:lstStyle/>
+          <a:p>
+            <a:pPr algn="ctr">
+              <a:buNone/>
+            </a:pPr>
+            <a:r>
+              <a:rPr lang="zh-TW" altLang="en-US" sz="6400" b="1" dirty="0">
+                <a:solidFill>
+                  <a:srgbClr val="660033"/>
+                </a:solidFill>
+                <a:latin typeface="微軟正黑體" pitchFamily="34" charset="-120"/>
+                <a:ea typeface="微軟正黑體" pitchFamily="34" charset="-120"/>
+              </a:rPr>
+              <a:t>何能使我得榮耀</a:t>
+            </a:r>
+          </a:p>
+          <a:p>
+            <a:pPr algn="ctr">
+              <a:buNone/>
+            </a:pPr>
+            <a:r>
+              <a:rPr lang="zh-TW" altLang="en-US" sz="6400" b="1" dirty="0">
+                <a:solidFill>
+                  <a:srgbClr val="660033"/>
+                </a:solidFill>
+                <a:latin typeface="微軟正黑體" pitchFamily="34" charset="-120"/>
+                <a:ea typeface="微軟正黑體" pitchFamily="34" charset="-120"/>
+              </a:rPr>
+              <a:t>只有主耶穌之寶血</a:t>
+            </a:r>
+          </a:p>
+        </p:txBody>
+      </p:sp>
+      <p:sp>
+        <p:nvSpPr>
+          <p:cNvPr id="3" name="TextBox 2">
+            <a:extLst>
+              <a:ext uri="{FF2B5EF4-FFF2-40B4-BE49-F238E27FC236}">
+                <a16:creationId xmlns:a16="http://schemas.microsoft.com/office/drawing/2014/main" id="{172A6DC3-0AEA-7348-7CDF-6715A7D2B5E7}"/>
+              </a:ext>
+            </a:extLst>
+          </p:cNvPr>
+          <p:cNvSpPr txBox="1"/>
+          <p:nvPr/>
+        </p:nvSpPr>
+        <p:spPr>
+          <a:xfrm>
+            <a:off x="0" y="5061181"/>
+            <a:ext cx="12192000" cy="666786"/>
+          </a:xfrm>
+          <a:prstGeom prst="rect">
+            <a:avLst/>
+          </a:prstGeom>
+          <a:noFill/>
+        </p:spPr>
+        <p:txBody>
+          <a:bodyPr wrap="square" rtlCol="0">
+            <a:spAutoFit/>
+          </a:bodyPr>
+          <a:lstStyle/>
+          <a:p>
+            <a:pPr algn="ctr"/>
+            <a:r>
+              <a:rPr lang="en-US" sz="3733" b="1" dirty="0">
+                <a:solidFill>
+                  <a:srgbClr val="660033"/>
+                </a:solidFill>
+              </a:rPr>
+              <a:t>( 5 / 6 )</a:t>
+            </a:r>
+            <a:endParaRPr lang="vi-VN" sz="3733" b="1" dirty="0">
+              <a:solidFill>
+                <a:srgbClr val="660033"/>
+              </a:solidFill>
+            </a:endParaRPr>
+          </a:p>
+        </p:txBody>
+      </p:sp>
+    </p:spTree>
+    <p:extLst>
+      <p:ext uri="{BB962C8B-B14F-4D97-AF65-F5344CB8AC3E}">
+        <p14:creationId xmlns:p14="http://schemas.microsoft.com/office/powerpoint/2010/main" val="3102332797"/>
+      </p:ext>
+    </p:extLst>
+  </p:cSld>
+  <p:clrMapOvr>
+    <a:masterClrMapping/>
+  </p:clrMapOvr>
+</p:sld>
+</file>
+
+<file path=ppt/slides/slide16.xml><?xml version="1.0" encoding="utf-8"?>
+<p:sld xmlns:a="http://schemas.openxmlformats.org/drawingml/2006/main" xmlns:r="http://schemas.openxmlformats.org/officeDocument/2006/relationships" xmlns:p="http://schemas.openxmlformats.org/presentationml/2006/main">
+  <p:cSld>
+    <p:spTree>
+      <p:nvGrpSpPr>
+        <p:cNvPr id="1" name="">
+          <a:extLst>
+            <a:ext uri="{FF2B5EF4-FFF2-40B4-BE49-F238E27FC236}">
+              <a16:creationId xmlns:a16="http://schemas.microsoft.com/office/drawing/2014/main" id="{A635F228-7F27-7488-265E-16E609776707}"/>
+            </a:ext>
+          </a:extLst>
+        </p:cNvPr>
+        <p:cNvGrpSpPr/>
+        <p:nvPr/>
+      </p:nvGrpSpPr>
+      <p:grpSpPr>
+        <a:xfrm>
+          <a:off x="0" y="0"/>
+          <a:ext cx="0" cy="0"/>
+          <a:chOff x="0" y="0"/>
+          <a:chExt cx="0" cy="0"/>
+        </a:xfrm>
+      </p:grpSpPr>
+      <p:sp>
+        <p:nvSpPr>
+          <p:cNvPr id="5" name="內容版面配置區 4">
+            <a:extLst>
+              <a:ext uri="{FF2B5EF4-FFF2-40B4-BE49-F238E27FC236}">
+                <a16:creationId xmlns:a16="http://schemas.microsoft.com/office/drawing/2014/main" id="{ACA8C0FF-527D-1C1B-A626-54B6AF25DB8C}"/>
+              </a:ext>
+            </a:extLst>
+          </p:cNvPr>
+          <p:cNvSpPr>
+            <a:spLocks noGrp="1"/>
+          </p:cNvSpPr>
+          <p:nvPr>
+            <p:ph idx="1"/>
+          </p:nvPr>
+        </p:nvSpPr>
+        <p:spPr>
+          <a:xfrm>
+            <a:off x="0" y="2084851"/>
+            <a:ext cx="12192000" cy="2404863"/>
+          </a:xfrm>
+        </p:spPr>
+        <p:txBody>
+          <a:bodyPr anchor="ctr">
+            <a:normAutofit/>
+          </a:bodyPr>
+          <a:lstStyle/>
+          <a:p>
+            <a:pPr algn="ctr">
+              <a:buNone/>
+            </a:pPr>
+            <a:r>
+              <a:rPr lang="zh-TW" altLang="en-US" sz="6400" b="1" dirty="0">
+                <a:solidFill>
+                  <a:srgbClr val="660033"/>
+                </a:solidFill>
+                <a:latin typeface="微軟正黑體" pitchFamily="34" charset="-120"/>
+                <a:ea typeface="微軟正黑體" pitchFamily="34" charset="-120"/>
+              </a:rPr>
+              <a:t>主在十架流血  洗我罪惡清潔</a:t>
+            </a:r>
+          </a:p>
+          <a:p>
+            <a:pPr algn="ctr">
+              <a:buNone/>
+            </a:pPr>
+            <a:r>
+              <a:rPr lang="zh-TW" altLang="en-US" sz="6400" b="1" dirty="0">
+                <a:solidFill>
+                  <a:srgbClr val="660033"/>
+                </a:solidFill>
+                <a:latin typeface="微軟正黑體" pitchFamily="34" charset="-120"/>
+                <a:ea typeface="微軟正黑體" pitchFamily="34" charset="-120"/>
+              </a:rPr>
+              <a:t>使我白超乎雪  全賴主耶穌之寶血</a:t>
+            </a:r>
+          </a:p>
+        </p:txBody>
+      </p:sp>
+    </p:spTree>
+    <p:extLst>
+      <p:ext uri="{BB962C8B-B14F-4D97-AF65-F5344CB8AC3E}">
+        <p14:creationId xmlns:p14="http://schemas.microsoft.com/office/powerpoint/2010/main" val="307521325"/>
+      </p:ext>
+    </p:extLst>
+  </p:cSld>
+  <p:clrMapOvr>
+    <a:masterClrMapping/>
+  </p:clrMapOvr>
+</p:sld>
+</file>
+
+<file path=ppt/slides/slide17.xml><?xml version="1.0" encoding="utf-8"?>
+<p:sld xmlns:a="http://schemas.openxmlformats.org/drawingml/2006/main" xmlns:r="http://schemas.openxmlformats.org/officeDocument/2006/relationships" xmlns:p="http://schemas.openxmlformats.org/presentationml/2006/main">
+  <p:cSld>
+    <p:spTree>
+      <p:nvGrpSpPr>
+        <p:cNvPr id="1" name="">
+          <a:extLst>
+            <a:ext uri="{FF2B5EF4-FFF2-40B4-BE49-F238E27FC236}">
+              <a16:creationId xmlns:a16="http://schemas.microsoft.com/office/drawing/2014/main" id="{5F5728D2-F1A4-21B4-4591-0F4D88D44B6C}"/>
+            </a:ext>
+          </a:extLst>
+        </p:cNvPr>
+        <p:cNvGrpSpPr/>
+        <p:nvPr/>
+      </p:nvGrpSpPr>
+      <p:grpSpPr>
+        <a:xfrm>
+          <a:off x="0" y="0"/>
+          <a:ext cx="0" cy="0"/>
+          <a:chOff x="0" y="0"/>
+          <a:chExt cx="0" cy="0"/>
+        </a:xfrm>
+      </p:grpSpPr>
+      <p:sp>
+        <p:nvSpPr>
+          <p:cNvPr id="5" name="內容版面配置區 4">
+            <a:extLst>
+              <a:ext uri="{FF2B5EF4-FFF2-40B4-BE49-F238E27FC236}">
+                <a16:creationId xmlns:a16="http://schemas.microsoft.com/office/drawing/2014/main" id="{CFA2D6FC-691B-3C49-4FD4-4890669D4F0B}"/>
+              </a:ext>
+            </a:extLst>
+          </p:cNvPr>
+          <p:cNvSpPr>
+            <a:spLocks noGrp="1"/>
+          </p:cNvSpPr>
+          <p:nvPr>
+            <p:ph idx="1"/>
+          </p:nvPr>
+        </p:nvSpPr>
+        <p:spPr>
+          <a:xfrm>
+            <a:off x="0" y="2084851"/>
+            <a:ext cx="12192000" cy="2404863"/>
+          </a:xfrm>
+        </p:spPr>
+        <p:txBody>
+          <a:bodyPr anchor="ctr">
+            <a:normAutofit/>
+          </a:bodyPr>
+          <a:lstStyle/>
+          <a:p>
+            <a:pPr lvl="0" algn="ctr">
+              <a:buNone/>
+            </a:pPr>
+            <a:r>
+              <a:rPr lang="zh-CN" altLang="en-US" sz="6400" b="1" dirty="0">
+                <a:solidFill>
+                  <a:srgbClr val="660033"/>
+                </a:solidFill>
+                <a:latin typeface="微軟正黑體" pitchFamily="34" charset="-120"/>
+                <a:ea typeface="微軟正黑體" pitchFamily="34" charset="-120"/>
+              </a:rPr>
+              <a:t>尊貴榮耀並頌讚</a:t>
+            </a:r>
+            <a:endParaRPr lang="en-US" altLang="zh-CN" sz="6400" b="1" dirty="0">
+              <a:solidFill>
+                <a:srgbClr val="660033"/>
+              </a:solidFill>
+              <a:latin typeface="微軟正黑體" pitchFamily="34" charset="-120"/>
+              <a:ea typeface="微軟正黑體" pitchFamily="34" charset="-120"/>
+            </a:endParaRPr>
+          </a:p>
+          <a:p>
+            <a:pPr lvl="0" algn="ctr">
+              <a:buNone/>
+            </a:pPr>
+            <a:r>
+              <a:rPr lang="zh-CN" altLang="en-US" sz="6400" b="1" dirty="0">
+                <a:solidFill>
+                  <a:srgbClr val="660033"/>
+                </a:solidFill>
+                <a:latin typeface="微軟正黑體" pitchFamily="34" charset="-120"/>
+                <a:ea typeface="微軟正黑體" pitchFamily="34" charset="-120"/>
+              </a:rPr>
+              <a:t>歸與主耶穌之寶血</a:t>
+            </a:r>
+            <a:endParaRPr lang="en-US" altLang="zh-CN" sz="6400" b="1" dirty="0">
+              <a:solidFill>
+                <a:srgbClr val="660033"/>
+              </a:solidFill>
+              <a:latin typeface="微軟正黑體" pitchFamily="34" charset="-120"/>
+              <a:ea typeface="微軟正黑體" pitchFamily="34" charset="-120"/>
+            </a:endParaRPr>
+          </a:p>
+        </p:txBody>
+      </p:sp>
+      <p:sp>
+        <p:nvSpPr>
+          <p:cNvPr id="3" name="TextBox 2">
+            <a:extLst>
+              <a:ext uri="{FF2B5EF4-FFF2-40B4-BE49-F238E27FC236}">
+                <a16:creationId xmlns:a16="http://schemas.microsoft.com/office/drawing/2014/main" id="{C07C8FE8-352B-FAF8-CD07-E1316D1D873A}"/>
+              </a:ext>
+            </a:extLst>
+          </p:cNvPr>
+          <p:cNvSpPr txBox="1"/>
+          <p:nvPr/>
+        </p:nvSpPr>
+        <p:spPr>
+          <a:xfrm>
+            <a:off x="0" y="5061181"/>
+            <a:ext cx="12192000" cy="666786"/>
+          </a:xfrm>
+          <a:prstGeom prst="rect">
+            <a:avLst/>
+          </a:prstGeom>
+          <a:noFill/>
+        </p:spPr>
+        <p:txBody>
+          <a:bodyPr wrap="square" rtlCol="0">
+            <a:spAutoFit/>
+          </a:bodyPr>
+          <a:lstStyle/>
+          <a:p>
+            <a:pPr algn="ctr"/>
+            <a:r>
+              <a:rPr lang="en-US" sz="3733" b="1" dirty="0">
+                <a:solidFill>
+                  <a:srgbClr val="660033"/>
+                </a:solidFill>
+              </a:rPr>
+              <a:t>( 6 / 6 )</a:t>
+            </a:r>
+            <a:endParaRPr lang="vi-VN" sz="3733" b="1" dirty="0">
+              <a:solidFill>
+                <a:srgbClr val="660033"/>
+              </a:solidFill>
+            </a:endParaRPr>
+          </a:p>
+        </p:txBody>
+      </p:sp>
+    </p:spTree>
+    <p:extLst>
+      <p:ext uri="{BB962C8B-B14F-4D97-AF65-F5344CB8AC3E}">
+        <p14:creationId xmlns:p14="http://schemas.microsoft.com/office/powerpoint/2010/main" val="2960420108"/>
+      </p:ext>
+    </p:extLst>
+  </p:cSld>
+  <p:clrMapOvr>
+    <a:masterClrMapping/>
+  </p:clrMapOvr>
+</p:sld>
+</file>
+
+<file path=ppt/slides/slide18.xml><?xml version="1.0" encoding="utf-8"?>
+<p:sld xmlns:a="http://schemas.openxmlformats.org/drawingml/2006/main" xmlns:r="http://schemas.openxmlformats.org/officeDocument/2006/relationships" xmlns:p="http://schemas.openxmlformats.org/presentationml/2006/main">
+  <p:cSld>
+    <p:spTree>
+      <p:nvGrpSpPr>
+        <p:cNvPr id="1" name="">
+          <a:extLst>
+            <a:ext uri="{FF2B5EF4-FFF2-40B4-BE49-F238E27FC236}">
+              <a16:creationId xmlns:a16="http://schemas.microsoft.com/office/drawing/2014/main" id="{1208C254-3A6B-A4BE-B42E-D3B0F89F17DC}"/>
+            </a:ext>
+          </a:extLst>
+        </p:cNvPr>
+        <p:cNvGrpSpPr/>
+        <p:nvPr/>
+      </p:nvGrpSpPr>
+      <p:grpSpPr>
+        <a:xfrm>
+          <a:off x="0" y="0"/>
+          <a:ext cx="0" cy="0"/>
+          <a:chOff x="0" y="0"/>
+          <a:chExt cx="0" cy="0"/>
+        </a:xfrm>
+      </p:grpSpPr>
+      <p:sp>
+        <p:nvSpPr>
+          <p:cNvPr id="5" name="內容版面配置區 4">
+            <a:extLst>
+              <a:ext uri="{FF2B5EF4-FFF2-40B4-BE49-F238E27FC236}">
+                <a16:creationId xmlns:a16="http://schemas.microsoft.com/office/drawing/2014/main" id="{CFAAA757-4C9B-74C1-59BC-A00AAC052131}"/>
+              </a:ext>
+            </a:extLst>
+          </p:cNvPr>
+          <p:cNvSpPr>
+            <a:spLocks noGrp="1"/>
+          </p:cNvSpPr>
+          <p:nvPr>
+            <p:ph idx="1"/>
+          </p:nvPr>
+        </p:nvSpPr>
+        <p:spPr>
+          <a:xfrm>
+            <a:off x="0" y="2084851"/>
+            <a:ext cx="12192000" cy="2404863"/>
+          </a:xfrm>
+        </p:spPr>
+        <p:txBody>
+          <a:bodyPr anchor="ctr">
+            <a:normAutofit/>
+          </a:bodyPr>
+          <a:lstStyle/>
+          <a:p>
+            <a:pPr algn="ctr">
+              <a:buNone/>
+            </a:pPr>
+            <a:r>
+              <a:rPr lang="zh-CN" altLang="en-US" sz="6400" b="1" dirty="0">
+                <a:solidFill>
+                  <a:srgbClr val="660033"/>
+                </a:solidFill>
+                <a:latin typeface="微軟正黑體" pitchFamily="34" charset="-120"/>
+                <a:ea typeface="微軟正黑體" pitchFamily="34" charset="-120"/>
+              </a:rPr>
+              <a:t>尊貴榮耀並頌讚</a:t>
+            </a:r>
+            <a:endParaRPr lang="en-US" altLang="zh-CN" sz="6400" b="1" dirty="0">
+              <a:solidFill>
+                <a:srgbClr val="660033"/>
+              </a:solidFill>
+              <a:latin typeface="微軟正黑體" pitchFamily="34" charset="-120"/>
+              <a:ea typeface="微軟正黑體" pitchFamily="34" charset="-120"/>
+            </a:endParaRPr>
+          </a:p>
+          <a:p>
+            <a:pPr algn="ctr">
+              <a:buNone/>
+            </a:pPr>
+            <a:r>
+              <a:rPr lang="zh-CN" altLang="en-US" sz="6400" b="1" dirty="0">
+                <a:solidFill>
+                  <a:srgbClr val="660033"/>
+                </a:solidFill>
+                <a:latin typeface="微軟正黑體" pitchFamily="34" charset="-120"/>
+                <a:ea typeface="微軟正黑體" pitchFamily="34" charset="-120"/>
+              </a:rPr>
+              <a:t>歸與主耶穌之寶血</a:t>
+            </a:r>
+            <a:endParaRPr lang="en-US" altLang="zh-CN" sz="6400" b="1" dirty="0">
+              <a:solidFill>
+                <a:srgbClr val="660033"/>
+              </a:solidFill>
+              <a:latin typeface="微軟正黑體" pitchFamily="34" charset="-120"/>
+              <a:ea typeface="微軟正黑體" pitchFamily="34" charset="-120"/>
+            </a:endParaRPr>
+          </a:p>
+        </p:txBody>
+      </p:sp>
+      <p:sp>
+        <p:nvSpPr>
+          <p:cNvPr id="3" name="TextBox 2">
+            <a:extLst>
+              <a:ext uri="{FF2B5EF4-FFF2-40B4-BE49-F238E27FC236}">
+                <a16:creationId xmlns:a16="http://schemas.microsoft.com/office/drawing/2014/main" id="{983D0350-8A84-8AF5-CE9D-259FE053A134}"/>
+              </a:ext>
+            </a:extLst>
+          </p:cNvPr>
+          <p:cNvSpPr txBox="1"/>
+          <p:nvPr/>
+        </p:nvSpPr>
+        <p:spPr>
+          <a:xfrm>
+            <a:off x="0" y="5061181"/>
+            <a:ext cx="12192000" cy="666786"/>
+          </a:xfrm>
+          <a:prstGeom prst="rect">
+            <a:avLst/>
+          </a:prstGeom>
+          <a:noFill/>
+        </p:spPr>
+        <p:txBody>
+          <a:bodyPr wrap="square" rtlCol="0">
+            <a:spAutoFit/>
+          </a:bodyPr>
+          <a:lstStyle/>
+          <a:p>
+            <a:pPr algn="ctr"/>
+            <a:r>
+              <a:rPr lang="en-US" sz="3733" b="1" dirty="0">
+                <a:solidFill>
+                  <a:srgbClr val="660033"/>
+                </a:solidFill>
+              </a:rPr>
+              <a:t>( 6 / 6 )</a:t>
+            </a:r>
+            <a:endParaRPr lang="vi-VN" sz="3733" b="1" dirty="0">
+              <a:solidFill>
+                <a:srgbClr val="660033"/>
+              </a:solidFill>
+            </a:endParaRPr>
+          </a:p>
+        </p:txBody>
+      </p:sp>
+    </p:spTree>
+    <p:extLst>
+      <p:ext uri="{BB962C8B-B14F-4D97-AF65-F5344CB8AC3E}">
+        <p14:creationId xmlns:p14="http://schemas.microsoft.com/office/powerpoint/2010/main" val="1646418867"/>
+      </p:ext>
+    </p:extLst>
+  </p:cSld>
+  <p:clrMapOvr>
+    <a:masterClrMapping/>
+  </p:clrMapOvr>
+</p:sld>
+</file>
+
+<file path=ppt/slides/slide19.xml><?xml version="1.0" encoding="utf-8"?>
+<p:sld xmlns:a="http://schemas.openxmlformats.org/drawingml/2006/main" xmlns:r="http://schemas.openxmlformats.org/officeDocument/2006/relationships" xmlns:p="http://schemas.openxmlformats.org/presentationml/2006/main">
+  <p:cSld>
+    <p:spTree>
+      <p:nvGrpSpPr>
+        <p:cNvPr id="1" name="">
+          <a:extLst>
+            <a:ext uri="{FF2B5EF4-FFF2-40B4-BE49-F238E27FC236}">
+              <a16:creationId xmlns:a16="http://schemas.microsoft.com/office/drawing/2014/main" id="{6A1E357C-1F4C-D894-0459-82FDDD1687B7}"/>
+            </a:ext>
+          </a:extLst>
+        </p:cNvPr>
+        <p:cNvGrpSpPr/>
+        <p:nvPr/>
+      </p:nvGrpSpPr>
+      <p:grpSpPr>
+        <a:xfrm>
+          <a:off x="0" y="0"/>
+          <a:ext cx="0" cy="0"/>
+          <a:chOff x="0" y="0"/>
+          <a:chExt cx="0" cy="0"/>
+        </a:xfrm>
+      </p:grpSpPr>
+      <p:sp>
+        <p:nvSpPr>
+          <p:cNvPr id="5" name="內容版面配置區 4">
+            <a:extLst>
+              <a:ext uri="{FF2B5EF4-FFF2-40B4-BE49-F238E27FC236}">
+                <a16:creationId xmlns:a16="http://schemas.microsoft.com/office/drawing/2014/main" id="{CA847EE4-7E0A-3373-C2B3-9A6E2EBCAAE1}"/>
+              </a:ext>
+            </a:extLst>
+          </p:cNvPr>
+          <p:cNvSpPr>
+            <a:spLocks noGrp="1"/>
+          </p:cNvSpPr>
+          <p:nvPr>
+            <p:ph idx="1"/>
+          </p:nvPr>
+        </p:nvSpPr>
+        <p:spPr>
+          <a:xfrm>
+            <a:off x="0" y="2084851"/>
+            <a:ext cx="12192000" cy="2404863"/>
+          </a:xfrm>
+        </p:spPr>
+        <p:txBody>
+          <a:bodyPr anchor="ctr">
+            <a:normAutofit/>
+          </a:bodyPr>
+          <a:lstStyle/>
+          <a:p>
+            <a:pPr algn="ctr">
+              <a:buNone/>
+            </a:pPr>
+            <a:r>
+              <a:rPr lang="zh-TW" altLang="en-US" sz="6400" b="1" dirty="0">
+                <a:solidFill>
+                  <a:srgbClr val="660033"/>
+                </a:solidFill>
+                <a:latin typeface="微軟正黑體" pitchFamily="34" charset="-120"/>
+                <a:ea typeface="微軟正黑體" pitchFamily="34" charset="-120"/>
+              </a:rPr>
+              <a:t>主在十架流血  洗我罪惡清潔</a:t>
+            </a:r>
+          </a:p>
+          <a:p>
+            <a:pPr algn="ctr">
+              <a:buNone/>
+            </a:pPr>
+            <a:r>
+              <a:rPr lang="zh-TW" altLang="en-US" sz="6400" b="1" dirty="0">
+                <a:solidFill>
+                  <a:srgbClr val="660033"/>
+                </a:solidFill>
+                <a:latin typeface="微軟正黑體" pitchFamily="34" charset="-120"/>
+                <a:ea typeface="微軟正黑體" pitchFamily="34" charset="-120"/>
+              </a:rPr>
+              <a:t>使我白超乎雪  全賴主耶穌之寶血</a:t>
+            </a:r>
+          </a:p>
+        </p:txBody>
+      </p:sp>
+    </p:spTree>
+    <p:extLst>
+      <p:ext uri="{BB962C8B-B14F-4D97-AF65-F5344CB8AC3E}">
+        <p14:creationId xmlns:p14="http://schemas.microsoft.com/office/powerpoint/2010/main" val="2876659247"/>
+      </p:ext>
+    </p:extLst>
   </p:cSld>
   <p:clrMapOvr>
     <a:masterClrMapping/>
@@ -3762,116 +4452,100 @@
       </p:grpSpPr>
       <p:sp>
         <p:nvSpPr>
-          <p:cNvPr id="4" name="標題 3"/>
-          <p:cNvSpPr>
-            <a:spLocks noGrp="1"/>
-          </p:cNvSpPr>
-          <p:nvPr>
-            <p:ph type="title"/>
-          </p:nvPr>
-        </p:nvSpPr>
-        <p:spPr/>
-        <p:txBody>
-          <a:bodyPr>
+          <p:cNvPr id="5" name="內容版面配置區 4"/>
+          <p:cNvSpPr>
+            <a:spLocks noGrp="1"/>
+          </p:cNvSpPr>
+          <p:nvPr>
+            <p:ph idx="1"/>
+          </p:nvPr>
+        </p:nvSpPr>
+        <p:spPr>
+          <a:xfrm>
+            <a:off x="0" y="2084851"/>
+            <a:ext cx="12192000" cy="2404863"/>
+          </a:xfrm>
+        </p:spPr>
+        <p:txBody>
+          <a:bodyPr anchor="ctr">
             <a:normAutofit/>
           </a:bodyPr>
           <a:lstStyle/>
           <a:p>
-            <a:r>
-              <a:rPr lang="zh-TW" altLang="en-US" sz="4800" b="1" dirty="0">
+            <a:pPr marL="0" indent="0" algn="ctr">
+              <a:buNone/>
+            </a:pPr>
+            <a:r>
+              <a:rPr lang="zh-TW" altLang="en-US" sz="6400" b="1" dirty="0">
                 <a:solidFill>
                   <a:srgbClr val="660033"/>
                 </a:solidFill>
-                <a:latin typeface="微軟正黑體" pitchFamily="34" charset="-120"/>
-                <a:ea typeface="微軟正黑體" pitchFamily="34" charset="-120"/>
+                <a:latin typeface="Microsoft JhengHei" pitchFamily="34" charset="-120"/>
+                <a:ea typeface="Microsoft JhengHei" pitchFamily="34" charset="-120"/>
               </a:rPr>
-              <a:t>只有寶血</a:t>
-            </a:r>
-          </a:p>
-        </p:txBody>
-      </p:sp>
-      <p:sp>
-        <p:nvSpPr>
-          <p:cNvPr id="5" name="內容版面配置區 4"/>
-          <p:cNvSpPr>
-            <a:spLocks noGrp="1"/>
-          </p:cNvSpPr>
-          <p:nvPr>
-            <p:ph idx="1"/>
-          </p:nvPr>
-        </p:nvSpPr>
-        <p:spPr/>
-        <p:txBody>
-          <a:bodyPr>
-            <a:normAutofit/>
+              <a:t>何能使我脫罪擔</a:t>
+            </a:r>
+          </a:p>
+          <a:p>
+            <a:pPr marL="0" indent="0" algn="ctr">
+              <a:buNone/>
+            </a:pPr>
+            <a:r>
+              <a:rPr lang="zh-TW" altLang="en-US" sz="6400" b="1" dirty="0">
+                <a:solidFill>
+                  <a:srgbClr val="660033"/>
+                </a:solidFill>
+                <a:latin typeface="Microsoft JhengHei" pitchFamily="34" charset="-120"/>
+                <a:ea typeface="Microsoft JhengHei" pitchFamily="34" charset="-120"/>
+              </a:rPr>
+              <a:t>只有主耶穌之寶血</a:t>
+            </a:r>
+          </a:p>
+        </p:txBody>
+      </p:sp>
+      <p:sp>
+        <p:nvSpPr>
+          <p:cNvPr id="3" name="TextBox 2"/>
+          <p:cNvSpPr txBox="1"/>
+          <p:nvPr/>
+        </p:nvSpPr>
+        <p:spPr>
+          <a:xfrm>
+            <a:off x="0" y="5061181"/>
+            <a:ext cx="12192000" cy="666786"/>
+          </a:xfrm>
+          <a:prstGeom prst="rect">
+            <a:avLst/>
+          </a:prstGeom>
+          <a:noFill/>
+        </p:spPr>
+        <p:txBody>
+          <a:bodyPr wrap="square" rtlCol="0">
+            <a:spAutoFit/>
           </a:bodyPr>
           <a:lstStyle/>
           <a:p>
-            <a:pPr algn="ctr">
-              <a:buNone/>
-            </a:pPr>
-            <a:r>
-              <a:rPr lang="zh-TW" altLang="en-US" sz="5400" b="1" dirty="0">
+            <a:pPr algn="ctr"/>
+            <a:r>
+              <a:rPr lang="en-US" sz="3733" b="1" dirty="0">
                 <a:solidFill>
                   <a:srgbClr val="660033"/>
                 </a:solidFill>
-                <a:latin typeface="微軟正黑體" pitchFamily="34" charset="-120"/>
-                <a:ea typeface="微軟正黑體" pitchFamily="34" charset="-120"/>
               </a:rPr>
-              <a:t>主在十架流血</a:t>
-            </a:r>
-          </a:p>
-          <a:p>
-            <a:pPr algn="ctr">
-              <a:buNone/>
-            </a:pPr>
-            <a:r>
-              <a:rPr lang="zh-TW" altLang="en-US" sz="5400" b="1" dirty="0">
-                <a:solidFill>
-                  <a:srgbClr val="660033"/>
-                </a:solidFill>
-                <a:latin typeface="微軟正黑體" pitchFamily="34" charset="-120"/>
-                <a:ea typeface="微軟正黑體" pitchFamily="34" charset="-120"/>
-              </a:rPr>
-              <a:t>洗我罪惡清潔</a:t>
-            </a:r>
-          </a:p>
-          <a:p>
-            <a:pPr algn="ctr">
-              <a:buNone/>
-            </a:pPr>
-            <a:r>
-              <a:rPr lang="zh-TW" altLang="en-US" sz="5400" b="1" dirty="0">
-                <a:solidFill>
-                  <a:srgbClr val="660033"/>
-                </a:solidFill>
-                <a:latin typeface="微軟正黑體" pitchFamily="34" charset="-120"/>
-                <a:ea typeface="微軟正黑體" pitchFamily="34" charset="-120"/>
-              </a:rPr>
-              <a:t>使我白超乎雪</a:t>
-            </a:r>
-          </a:p>
-          <a:p>
-            <a:pPr algn="ctr">
-              <a:buNone/>
-            </a:pPr>
-            <a:r>
-              <a:rPr lang="zh-TW" altLang="en-US" sz="5400" b="1" dirty="0">
-                <a:solidFill>
-                  <a:srgbClr val="660033"/>
-                </a:solidFill>
-                <a:latin typeface="微軟正黑體" pitchFamily="34" charset="-120"/>
-                <a:ea typeface="微軟正黑體" pitchFamily="34" charset="-120"/>
-              </a:rPr>
-              <a:t>全賴主耶穌之寶血</a:t>
-            </a:r>
+              <a:t>( 1 / 6 )</a:t>
+            </a:r>
+            <a:endParaRPr lang="vi-VN" sz="3733" b="1" dirty="0">
+              <a:solidFill>
+                <a:srgbClr val="660033"/>
+              </a:solidFill>
+            </a:endParaRPr>
           </a:p>
         </p:txBody>
       </p:sp>
     </p:spTree>
     <p:extLst>
       <p:ext uri="{BB962C8B-B14F-4D97-AF65-F5344CB8AC3E}">
-        <p14:creationId xmlns:p14="http://schemas.microsoft.com/office/powerpoint/2010/main" val="1482074734"/>
+        <p14:creationId xmlns:p14="http://schemas.microsoft.com/office/powerpoint/2010/main" val="1407003638"/>
       </p:ext>
     </p:extLst>
   </p:cSld>
@@ -3886,7 +4560,13 @@
   <p:cSld>
     <p:spTree>
       <p:nvGrpSpPr>
-        <p:cNvPr id="1" name=""/>
+        <p:cNvPr id="1" name="">
+          <a:extLst>
+            <a:ext uri="{FF2B5EF4-FFF2-40B4-BE49-F238E27FC236}">
+              <a16:creationId xmlns:a16="http://schemas.microsoft.com/office/drawing/2014/main" id="{B8888036-4CEC-2CAB-55B6-121FE3779A83}"/>
+            </a:ext>
+          </a:extLst>
+        </p:cNvPr>
         <p:cNvGrpSpPr/>
         <p:nvPr/>
       </p:nvGrpSpPr>
@@ -3900,71 +4580,52 @@
       </p:grpSpPr>
       <p:sp>
         <p:nvSpPr>
-          <p:cNvPr id="4" name="標題 3"/>
-          <p:cNvSpPr>
-            <a:spLocks noGrp="1"/>
-          </p:cNvSpPr>
-          <p:nvPr>
-            <p:ph type="title"/>
-          </p:nvPr>
-        </p:nvSpPr>
-        <p:spPr/>
-        <p:txBody>
-          <a:bodyPr>
+          <p:cNvPr id="5" name="內容版面配置區 4">
+            <a:extLst>
+              <a:ext uri="{FF2B5EF4-FFF2-40B4-BE49-F238E27FC236}">
+                <a16:creationId xmlns:a16="http://schemas.microsoft.com/office/drawing/2014/main" id="{196031B4-6BA5-6C18-80F5-883BA14F25FA}"/>
+              </a:ext>
+            </a:extLst>
+          </p:cNvPr>
+          <p:cNvSpPr>
+            <a:spLocks noGrp="1"/>
+          </p:cNvSpPr>
+          <p:nvPr>
+            <p:ph idx="1"/>
+          </p:nvPr>
+        </p:nvSpPr>
+        <p:spPr>
+          <a:xfrm>
+            <a:off x="0" y="2084851"/>
+            <a:ext cx="12192000" cy="2404863"/>
+          </a:xfrm>
+        </p:spPr>
+        <p:txBody>
+          <a:bodyPr anchor="ctr">
             <a:normAutofit/>
           </a:bodyPr>
           <a:lstStyle/>
           <a:p>
-            <a:r>
-              <a:rPr lang="zh-TW" altLang="en-US" sz="4800" b="1" dirty="0">
+            <a:pPr algn="ctr">
+              <a:buNone/>
+            </a:pPr>
+            <a:r>
+              <a:rPr lang="zh-TW" altLang="en-US" sz="6400" b="1" dirty="0">
                 <a:solidFill>
                   <a:srgbClr val="660033"/>
                 </a:solidFill>
                 <a:latin typeface="微軟正黑體" pitchFamily="34" charset="-120"/>
                 <a:ea typeface="微軟正黑體" pitchFamily="34" charset="-120"/>
               </a:rPr>
-              <a:t>只有寶血</a:t>
-            </a:r>
-          </a:p>
-        </p:txBody>
-      </p:sp>
-      <p:sp>
-        <p:nvSpPr>
-          <p:cNvPr id="5" name="內容版面配置區 4"/>
-          <p:cNvSpPr>
-            <a:spLocks noGrp="1"/>
-          </p:cNvSpPr>
-          <p:nvPr>
-            <p:ph idx="1"/>
-          </p:nvPr>
-        </p:nvSpPr>
-        <p:spPr/>
-        <p:txBody>
-          <a:bodyPr>
-            <a:normAutofit/>
-          </a:bodyPr>
-          <a:lstStyle/>
-          <a:p>
-            <a:pPr lvl="0" algn="ctr">
+              <a:t>何能使我得平安</a:t>
+            </a:r>
+          </a:p>
+          <a:p>
+            <a:pPr algn="ctr">
               <a:buNone/>
             </a:pPr>
             <a:r>
-              <a:rPr lang="zh-TW" altLang="en-US" sz="5400" b="1" dirty="0">
-                <a:solidFill>
-                  <a:srgbClr val="660033"/>
-                </a:solidFill>
-                <a:latin typeface="微軟正黑體" pitchFamily="34" charset="-120"/>
-                <a:ea typeface="微軟正黑體" pitchFamily="34" charset="-120"/>
-              </a:rPr>
-              <a:t>何能救贖我罪人</a:t>
-            </a:r>
-          </a:p>
-          <a:p>
-            <a:pPr algn="ctr">
-              <a:buNone/>
-            </a:pPr>
-            <a:r>
-              <a:rPr lang="zh-TW" altLang="en-US" sz="5400" b="1" dirty="0">
+              <a:rPr lang="zh-TW" altLang="en-US" sz="6400" b="1" dirty="0">
                 <a:solidFill>
                   <a:srgbClr val="660033"/>
                 </a:solidFill>
@@ -3974,85 +4635,24 @@
               <a:t>只有主耶穌之寶血</a:t>
             </a:r>
           </a:p>
-          <a:p>
-            <a:pPr algn="ctr">
-              <a:buNone/>
-            </a:pPr>
-            <a:r>
-              <a:rPr lang="zh-TW" altLang="en-US" sz="5400" b="1" dirty="0">
-                <a:solidFill>
-                  <a:srgbClr val="660033"/>
-                </a:solidFill>
-                <a:latin typeface="微軟正黑體" pitchFamily="34" charset="-120"/>
-                <a:ea typeface="微軟正黑體" pitchFamily="34" charset="-120"/>
-              </a:rPr>
-              <a:t>何能使</a:t>
-            </a:r>
-            <a:r>
-              <a:rPr lang="zh-TW" altLang="en-US" sz="5400" b="1" dirty="0" smtClean="0">
-                <a:solidFill>
-                  <a:srgbClr val="660033"/>
-                </a:solidFill>
-                <a:latin typeface="微軟正黑體" pitchFamily="34" charset="-120"/>
-                <a:ea typeface="微軟正黑體" pitchFamily="34" charset="-120"/>
-              </a:rPr>
-              <a:t>我</a:t>
-            </a:r>
-            <a:r>
-              <a:rPr lang="zh-CN" altLang="en-US" sz="5400" b="1" dirty="0">
-                <a:solidFill>
-                  <a:srgbClr val="660033"/>
-                </a:solidFill>
-                <a:latin typeface="微軟正黑體" pitchFamily="34" charset="-120"/>
-                <a:ea typeface="微軟正黑體" pitchFamily="34" charset="-120"/>
-              </a:rPr>
-              <a:t>與</a:t>
-            </a:r>
-            <a:r>
-              <a:rPr lang="zh-TW" altLang="en-US" sz="5400" b="1" dirty="0" smtClean="0">
-                <a:solidFill>
-                  <a:srgbClr val="660033"/>
-                </a:solidFill>
-                <a:latin typeface="微軟正黑體" pitchFamily="34" charset="-120"/>
-                <a:ea typeface="微軟正黑體" pitchFamily="34" charset="-120"/>
-              </a:rPr>
-              <a:t>神近</a:t>
-            </a:r>
-            <a:endParaRPr lang="zh-TW" altLang="en-US" sz="5400" b="1" dirty="0">
-              <a:solidFill>
-                <a:srgbClr val="660033"/>
-              </a:solidFill>
-              <a:latin typeface="微軟正黑體" pitchFamily="34" charset="-120"/>
-              <a:ea typeface="微軟正黑體" pitchFamily="34" charset="-120"/>
-            </a:endParaRPr>
-          </a:p>
-          <a:p>
-            <a:pPr algn="ctr">
-              <a:buNone/>
-            </a:pPr>
-            <a:r>
-              <a:rPr lang="zh-TW" altLang="en-US" sz="5400" b="1" dirty="0">
-                <a:solidFill>
-                  <a:srgbClr val="660033"/>
-                </a:solidFill>
-                <a:latin typeface="微軟正黑體" pitchFamily="34" charset="-120"/>
-                <a:ea typeface="微軟正黑體" pitchFamily="34" charset="-120"/>
-              </a:rPr>
-              <a:t>只有主耶穌之寶血</a:t>
-            </a:r>
-          </a:p>
-        </p:txBody>
-      </p:sp>
-      <p:sp>
-        <p:nvSpPr>
-          <p:cNvPr id="6" name="TextBox 5"/>
+        </p:txBody>
+      </p:sp>
+      <p:sp>
+        <p:nvSpPr>
+          <p:cNvPr id="3" name="TextBox 2">
+            <a:extLst>
+              <a:ext uri="{FF2B5EF4-FFF2-40B4-BE49-F238E27FC236}">
+                <a16:creationId xmlns:a16="http://schemas.microsoft.com/office/drawing/2014/main" id="{97C54344-B973-DA10-9CCC-6094ECF4CEE5}"/>
+              </a:ext>
+            </a:extLst>
+          </p:cNvPr>
           <p:cNvSpPr txBox="1"/>
           <p:nvPr/>
         </p:nvSpPr>
         <p:spPr>
           <a:xfrm>
-            <a:off x="1415480" y="1772816"/>
-            <a:ext cx="1008112" cy="830997"/>
+            <a:off x="0" y="5061181"/>
+            <a:ext cx="12192000" cy="666786"/>
           </a:xfrm>
           <a:prstGeom prst="rect">
             <a:avLst/>
@@ -4065,25 +4665,29 @@
           </a:bodyPr>
           <a:lstStyle/>
           <a:p>
-            <a:r>
-              <a:rPr lang="en-US" sz="4800" b="1" dirty="0" smtClean="0">
+            <a:pPr algn="ctr"/>
+            <a:r>
+              <a:rPr lang="en-US" sz="3733" b="1" dirty="0">
                 <a:solidFill>
                   <a:srgbClr val="660033"/>
                 </a:solidFill>
-                <a:ea typeface="微軟正黑體" pitchFamily="34" charset="-120"/>
               </a:rPr>
-              <a:t>2.</a:t>
-            </a:r>
-            <a:endParaRPr lang="vi-VN" sz="4800" b="1" dirty="0">
+              <a:t>( 1 / 6 )</a:t>
+            </a:r>
+            <a:endParaRPr lang="vi-VN" sz="3733" b="1" dirty="0">
               <a:solidFill>
                 <a:srgbClr val="660033"/>
               </a:solidFill>
-              <a:ea typeface="微軟正黑體" pitchFamily="34" charset="-120"/>
             </a:endParaRPr>
           </a:p>
         </p:txBody>
       </p:sp>
     </p:spTree>
+    <p:extLst>
+      <p:ext uri="{BB962C8B-B14F-4D97-AF65-F5344CB8AC3E}">
+        <p14:creationId xmlns:p14="http://schemas.microsoft.com/office/powerpoint/2010/main" val="449930655"/>
+      </p:ext>
+    </p:extLst>
   </p:cSld>
   <p:clrMapOvr>
     <a:masterClrMapping/>
@@ -4096,7 +4700,13 @@
   <p:cSld>
     <p:spTree>
       <p:nvGrpSpPr>
-        <p:cNvPr id="1" name=""/>
+        <p:cNvPr id="1" name="">
+          <a:extLst>
+            <a:ext uri="{FF2B5EF4-FFF2-40B4-BE49-F238E27FC236}">
+              <a16:creationId xmlns:a16="http://schemas.microsoft.com/office/drawing/2014/main" id="{E404DE5D-D316-5E83-004B-D9F18328807B}"/>
+            </a:ext>
+          </a:extLst>
+        </p:cNvPr>
         <p:cNvGrpSpPr/>
         <p:nvPr/>
       </p:nvGrpSpPr>
@@ -4110,113 +4720,69 @@
       </p:grpSpPr>
       <p:sp>
         <p:nvSpPr>
-          <p:cNvPr id="4" name="標題 3"/>
-          <p:cNvSpPr>
-            <a:spLocks noGrp="1"/>
-          </p:cNvSpPr>
-          <p:nvPr>
-            <p:ph type="title"/>
-          </p:nvPr>
-        </p:nvSpPr>
-        <p:spPr/>
-        <p:txBody>
-          <a:bodyPr>
+          <p:cNvPr id="5" name="內容版面配置區 4">
+            <a:extLst>
+              <a:ext uri="{FF2B5EF4-FFF2-40B4-BE49-F238E27FC236}">
+                <a16:creationId xmlns:a16="http://schemas.microsoft.com/office/drawing/2014/main" id="{5CC1434B-6019-1646-B621-77FCE115DA3E}"/>
+              </a:ext>
+            </a:extLst>
+          </p:cNvPr>
+          <p:cNvSpPr>
+            <a:spLocks noGrp="1"/>
+          </p:cNvSpPr>
+          <p:nvPr>
+            <p:ph idx="1"/>
+          </p:nvPr>
+        </p:nvSpPr>
+        <p:spPr>
+          <a:xfrm>
+            <a:off x="0" y="2084851"/>
+            <a:ext cx="12192000" cy="2404863"/>
+          </a:xfrm>
+        </p:spPr>
+        <p:txBody>
+          <a:bodyPr anchor="ctr">
             <a:normAutofit/>
           </a:bodyPr>
           <a:lstStyle/>
           <a:p>
-            <a:r>
-              <a:rPr lang="zh-TW" altLang="en-US" sz="4800" b="1" dirty="0">
+            <a:pPr algn="ctr">
+              <a:buNone/>
+            </a:pPr>
+            <a:r>
+              <a:rPr lang="zh-TW" altLang="en-US" sz="6400" b="1" dirty="0">
                 <a:solidFill>
                   <a:srgbClr val="660033"/>
                 </a:solidFill>
                 <a:latin typeface="微軟正黑體" pitchFamily="34" charset="-120"/>
                 <a:ea typeface="微軟正黑體" pitchFamily="34" charset="-120"/>
               </a:rPr>
-              <a:t>只有寶血</a:t>
-            </a:r>
-          </a:p>
-        </p:txBody>
-      </p:sp>
-      <p:sp>
-        <p:nvSpPr>
-          <p:cNvPr id="5" name="內容版面配置區 4"/>
-          <p:cNvSpPr>
-            <a:spLocks noGrp="1"/>
-          </p:cNvSpPr>
-          <p:nvPr>
-            <p:ph idx="1"/>
-          </p:nvPr>
-        </p:nvSpPr>
-        <p:spPr/>
-        <p:txBody>
-          <a:bodyPr>
-            <a:normAutofit/>
-          </a:bodyPr>
-          <a:lstStyle/>
+              <a:t>主在十架流血  洗我罪惡清潔</a:t>
+            </a:r>
+          </a:p>
           <a:p>
             <a:pPr algn="ctr">
               <a:buNone/>
             </a:pPr>
             <a:r>
-              <a:rPr lang="zh-TW" altLang="en-US" sz="5400" b="1" dirty="0">
+              <a:rPr lang="zh-TW" altLang="en-US" sz="6400" b="1" dirty="0">
                 <a:solidFill>
                   <a:srgbClr val="660033"/>
                 </a:solidFill>
                 <a:latin typeface="微軟正黑體" pitchFamily="34" charset="-120"/>
                 <a:ea typeface="微軟正黑體" pitchFamily="34" charset="-120"/>
               </a:rPr>
-              <a:t>主在十架流血</a:t>
-            </a:r>
-          </a:p>
-          <a:p>
-            <a:pPr algn="ctr">
-              <a:buNone/>
-            </a:pPr>
-            <a:r>
-              <a:rPr lang="zh-TW" altLang="en-US" sz="5400" b="1" dirty="0">
-                <a:solidFill>
-                  <a:srgbClr val="660033"/>
-                </a:solidFill>
-                <a:latin typeface="微軟正黑體" pitchFamily="34" charset="-120"/>
-                <a:ea typeface="微軟正黑體" pitchFamily="34" charset="-120"/>
-              </a:rPr>
-              <a:t>洗我罪惡清潔</a:t>
-            </a:r>
-          </a:p>
-          <a:p>
-            <a:pPr algn="ctr">
-              <a:buNone/>
-            </a:pPr>
-            <a:r>
-              <a:rPr lang="zh-TW" altLang="en-US" sz="5400" b="1" dirty="0">
-                <a:solidFill>
-                  <a:srgbClr val="660033"/>
-                </a:solidFill>
-                <a:latin typeface="微軟正黑體" pitchFamily="34" charset="-120"/>
-                <a:ea typeface="微軟正黑體" pitchFamily="34" charset="-120"/>
-              </a:rPr>
-              <a:t>使我白超乎雪</a:t>
-            </a:r>
-          </a:p>
-          <a:p>
-            <a:pPr algn="ctr">
-              <a:buNone/>
-            </a:pPr>
-            <a:r>
-              <a:rPr lang="zh-TW" altLang="en-US" sz="5400" b="1" dirty="0">
-                <a:solidFill>
-                  <a:srgbClr val="660033"/>
-                </a:solidFill>
-                <a:latin typeface="微軟正黑體" pitchFamily="34" charset="-120"/>
-                <a:ea typeface="微軟正黑體" pitchFamily="34" charset="-120"/>
-              </a:rPr>
-              <a:t>全賴主耶穌之寶血</a:t>
+              <a:t>使我白超乎雪  全賴主耶穌之寶血</a:t>
             </a:r>
           </a:p>
         </p:txBody>
       </p:sp>
     </p:spTree>
+    <p:extLst>
+      <p:ext uri="{BB962C8B-B14F-4D97-AF65-F5344CB8AC3E}">
+        <p14:creationId xmlns:p14="http://schemas.microsoft.com/office/powerpoint/2010/main" val="1606306332"/>
+      </p:ext>
+    </p:extLst>
   </p:cSld>
   <p:clrMapOvr>
     <a:masterClrMapping/>
@@ -4229,7 +4795,13 @@
   <p:cSld>
     <p:spTree>
       <p:nvGrpSpPr>
-        <p:cNvPr id="1" name=""/>
+        <p:cNvPr id="1" name="">
+          <a:extLst>
+            <a:ext uri="{FF2B5EF4-FFF2-40B4-BE49-F238E27FC236}">
+              <a16:creationId xmlns:a16="http://schemas.microsoft.com/office/drawing/2014/main" id="{94D92745-F6F2-B5C7-599F-34943B591307}"/>
+            </a:ext>
+          </a:extLst>
+        </p:cNvPr>
         <p:cNvGrpSpPr/>
         <p:nvPr/>
       </p:nvGrpSpPr>
@@ -4243,71 +4815,52 @@
       </p:grpSpPr>
       <p:sp>
         <p:nvSpPr>
-          <p:cNvPr id="4" name="標題 3"/>
-          <p:cNvSpPr>
-            <a:spLocks noGrp="1"/>
-          </p:cNvSpPr>
-          <p:nvPr>
-            <p:ph type="title"/>
-          </p:nvPr>
-        </p:nvSpPr>
-        <p:spPr/>
-        <p:txBody>
-          <a:bodyPr>
+          <p:cNvPr id="5" name="內容版面配置區 4">
+            <a:extLst>
+              <a:ext uri="{FF2B5EF4-FFF2-40B4-BE49-F238E27FC236}">
+                <a16:creationId xmlns:a16="http://schemas.microsoft.com/office/drawing/2014/main" id="{C559D22F-E2A8-D5FD-BC4A-10CEFAA7B0AA}"/>
+              </a:ext>
+            </a:extLst>
+          </p:cNvPr>
+          <p:cNvSpPr>
+            <a:spLocks noGrp="1"/>
+          </p:cNvSpPr>
+          <p:nvPr>
+            <p:ph idx="1"/>
+          </p:nvPr>
+        </p:nvSpPr>
+        <p:spPr>
+          <a:xfrm>
+            <a:off x="0" y="2084851"/>
+            <a:ext cx="12192000" cy="2404863"/>
+          </a:xfrm>
+        </p:spPr>
+        <p:txBody>
+          <a:bodyPr anchor="ctr">
             <a:normAutofit/>
           </a:bodyPr>
           <a:lstStyle/>
           <a:p>
-            <a:r>
-              <a:rPr lang="zh-TW" altLang="en-US" sz="4800" b="1" dirty="0">
+            <a:pPr lvl="0" algn="ctr">
+              <a:buNone/>
+            </a:pPr>
+            <a:r>
+              <a:rPr lang="zh-TW" altLang="en-US" sz="6400" b="1" dirty="0">
                 <a:solidFill>
                   <a:srgbClr val="660033"/>
                 </a:solidFill>
                 <a:latin typeface="微軟正黑體" pitchFamily="34" charset="-120"/>
                 <a:ea typeface="微軟正黑體" pitchFamily="34" charset="-120"/>
               </a:rPr>
-              <a:t>只有寶血</a:t>
-            </a:r>
-          </a:p>
-        </p:txBody>
-      </p:sp>
-      <p:sp>
-        <p:nvSpPr>
-          <p:cNvPr id="5" name="內容版面配置區 4"/>
-          <p:cNvSpPr>
-            <a:spLocks noGrp="1"/>
-          </p:cNvSpPr>
-          <p:nvPr>
-            <p:ph idx="1"/>
-          </p:nvPr>
-        </p:nvSpPr>
-        <p:spPr/>
-        <p:txBody>
-          <a:bodyPr>
-            <a:normAutofit/>
-          </a:bodyPr>
-          <a:lstStyle/>
-          <a:p>
-            <a:pPr lvl="0" algn="ctr">
+              <a:t>何能救贖我罪人</a:t>
+            </a:r>
+          </a:p>
+          <a:p>
+            <a:pPr algn="ctr">
               <a:buNone/>
             </a:pPr>
             <a:r>
-              <a:rPr lang="zh-TW" altLang="en-US" sz="5400" b="1" dirty="0">
-                <a:solidFill>
-                  <a:srgbClr val="660033"/>
-                </a:solidFill>
-                <a:latin typeface="微軟正黑體" pitchFamily="34" charset="-120"/>
-                <a:ea typeface="微軟正黑體" pitchFamily="34" charset="-120"/>
-              </a:rPr>
-              <a:t>何能救我免地獄</a:t>
-            </a:r>
-          </a:p>
-          <a:p>
-            <a:pPr algn="ctr">
-              <a:buNone/>
-            </a:pPr>
-            <a:r>
-              <a:rPr lang="zh-TW" altLang="en-US" sz="5400" b="1" dirty="0">
+              <a:rPr lang="zh-TW" altLang="en-US" sz="6400" b="1" dirty="0">
                 <a:solidFill>
                   <a:srgbClr val="660033"/>
                 </a:solidFill>
@@ -4317,55 +4870,24 @@
               <a:t>只有主耶穌之寶血</a:t>
             </a:r>
           </a:p>
-          <a:p>
-            <a:pPr algn="ctr">
-              <a:buNone/>
-            </a:pPr>
-            <a:r>
-              <a:rPr lang="zh-TW" altLang="en-US" sz="5400" b="1" dirty="0">
-                <a:solidFill>
-                  <a:srgbClr val="660033"/>
-                </a:solidFill>
-                <a:latin typeface="微軟正黑體" pitchFamily="34" charset="-120"/>
-                <a:ea typeface="微軟正黑體" pitchFamily="34" charset="-120"/>
-              </a:rPr>
-              <a:t>何能引我上天堂</a:t>
-            </a:r>
-          </a:p>
-          <a:p>
-            <a:pPr algn="ctr">
-              <a:buNone/>
-            </a:pPr>
-            <a:r>
-              <a:rPr lang="zh-TW" altLang="en-US" sz="5400" b="1" dirty="0">
-                <a:solidFill>
-                  <a:srgbClr val="660033"/>
-                </a:solidFill>
-                <a:latin typeface="微軟正黑體" pitchFamily="34" charset="-120"/>
-                <a:ea typeface="微軟正黑體" pitchFamily="34" charset="-120"/>
-              </a:rPr>
-              <a:t>只有主耶穌之寶血</a:t>
-            </a:r>
-            <a:endParaRPr lang="zh-TW" altLang="en-US" sz="5400" b="1" dirty="0">
-              <a:solidFill>
-                <a:srgbClr val="660033"/>
-              </a:solidFill>
-              <a:latin typeface="微軟正黑體" pitchFamily="34" charset="-120"/>
-              <a:ea typeface="微軟正黑體" pitchFamily="34" charset="-120"/>
-            </a:endParaRPr>
-          </a:p>
-        </p:txBody>
-      </p:sp>
-      <p:sp>
-        <p:nvSpPr>
-          <p:cNvPr id="6" name="TextBox 5"/>
+        </p:txBody>
+      </p:sp>
+      <p:sp>
+        <p:nvSpPr>
+          <p:cNvPr id="3" name="TextBox 2">
+            <a:extLst>
+              <a:ext uri="{FF2B5EF4-FFF2-40B4-BE49-F238E27FC236}">
+                <a16:creationId xmlns:a16="http://schemas.microsoft.com/office/drawing/2014/main" id="{AD33B642-0C0E-E862-7953-7DC924DAB449}"/>
+              </a:ext>
+            </a:extLst>
+          </p:cNvPr>
           <p:cNvSpPr txBox="1"/>
           <p:nvPr/>
         </p:nvSpPr>
         <p:spPr>
           <a:xfrm>
-            <a:off x="1415480" y="1772816"/>
-            <a:ext cx="1008112" cy="830997"/>
+            <a:off x="0" y="5061181"/>
+            <a:ext cx="12192000" cy="666786"/>
           </a:xfrm>
           <a:prstGeom prst="rect">
             <a:avLst/>
@@ -4378,34 +4900,29 @@
           </a:bodyPr>
           <a:lstStyle/>
           <a:p>
-            <a:r>
-              <a:rPr lang="en-US" sz="4800" b="1" dirty="0">
+            <a:pPr algn="ctr"/>
+            <a:r>
+              <a:rPr lang="en-US" sz="3733" b="1" dirty="0">
                 <a:solidFill>
                   <a:srgbClr val="660033"/>
                 </a:solidFill>
-                <a:ea typeface="微軟正黑體" pitchFamily="34" charset="-120"/>
               </a:rPr>
-              <a:t>3</a:t>
-            </a:r>
-            <a:r>
-              <a:rPr lang="en-US" sz="4800" b="1" dirty="0" smtClean="0">
-                <a:solidFill>
-                  <a:srgbClr val="660033"/>
-                </a:solidFill>
-                <a:ea typeface="微軟正黑體" pitchFamily="34" charset="-120"/>
-              </a:rPr>
-              <a:t>.</a:t>
-            </a:r>
-            <a:endParaRPr lang="vi-VN" sz="4800" b="1" dirty="0">
+              <a:t>( 2 / 6 )</a:t>
+            </a:r>
+            <a:endParaRPr lang="vi-VN" sz="3733" b="1" dirty="0">
               <a:solidFill>
                 <a:srgbClr val="660033"/>
               </a:solidFill>
-              <a:ea typeface="微軟正黑體" pitchFamily="34" charset="-120"/>
             </a:endParaRPr>
           </a:p>
         </p:txBody>
       </p:sp>
     </p:spTree>
+    <p:extLst>
+      <p:ext uri="{BB962C8B-B14F-4D97-AF65-F5344CB8AC3E}">
+        <p14:creationId xmlns:p14="http://schemas.microsoft.com/office/powerpoint/2010/main" val="3944827599"/>
+      </p:ext>
+    </p:extLst>
   </p:cSld>
   <p:clrMapOvr>
     <a:masterClrMapping/>
@@ -4418,7 +4935,13 @@
   <p:cSld>
     <p:spTree>
       <p:nvGrpSpPr>
-        <p:cNvPr id="1" name=""/>
+        <p:cNvPr id="1" name="">
+          <a:extLst>
+            <a:ext uri="{FF2B5EF4-FFF2-40B4-BE49-F238E27FC236}">
+              <a16:creationId xmlns:a16="http://schemas.microsoft.com/office/drawing/2014/main" id="{C6F274D7-5363-6758-A2AF-7895830A8EDC}"/>
+            </a:ext>
+          </a:extLst>
+        </p:cNvPr>
         <p:cNvGrpSpPr/>
         <p:nvPr/>
       </p:nvGrpSpPr>
@@ -4432,78 +4955,64 @@
       </p:grpSpPr>
       <p:sp>
         <p:nvSpPr>
-          <p:cNvPr id="4" name="標題 3"/>
-          <p:cNvSpPr>
-            <a:spLocks noGrp="1"/>
-          </p:cNvSpPr>
-          <p:nvPr>
-            <p:ph type="title"/>
-          </p:nvPr>
-        </p:nvSpPr>
-        <p:spPr/>
-        <p:txBody>
-          <a:bodyPr>
+          <p:cNvPr id="5" name="內容版面配置區 4">
+            <a:extLst>
+              <a:ext uri="{FF2B5EF4-FFF2-40B4-BE49-F238E27FC236}">
+                <a16:creationId xmlns:a16="http://schemas.microsoft.com/office/drawing/2014/main" id="{816AB343-DB54-C18B-86FB-F5E1C4E50F39}"/>
+              </a:ext>
+            </a:extLst>
+          </p:cNvPr>
+          <p:cNvSpPr>
+            <a:spLocks noGrp="1"/>
+          </p:cNvSpPr>
+          <p:nvPr>
+            <p:ph idx="1"/>
+          </p:nvPr>
+        </p:nvSpPr>
+        <p:spPr>
+          <a:xfrm>
+            <a:off x="0" y="2084851"/>
+            <a:ext cx="12192000" cy="2404863"/>
+          </a:xfrm>
+        </p:spPr>
+        <p:txBody>
+          <a:bodyPr anchor="ctr">
             <a:normAutofit/>
           </a:bodyPr>
           <a:lstStyle/>
           <a:p>
-            <a:r>
-              <a:rPr lang="zh-TW" altLang="en-US" sz="4800" b="1" dirty="0">
+            <a:pPr algn="ctr">
+              <a:buNone/>
+            </a:pPr>
+            <a:r>
+              <a:rPr lang="zh-TW" altLang="en-US" sz="6400" b="1" dirty="0">
                 <a:solidFill>
                   <a:srgbClr val="660033"/>
                 </a:solidFill>
                 <a:latin typeface="微軟正黑體" pitchFamily="34" charset="-120"/>
                 <a:ea typeface="微軟正黑體" pitchFamily="34" charset="-120"/>
               </a:rPr>
-              <a:t>只有寶血</a:t>
-            </a:r>
-          </a:p>
-        </p:txBody>
-      </p:sp>
-      <p:sp>
-        <p:nvSpPr>
-          <p:cNvPr id="5" name="內容版面配置區 4"/>
-          <p:cNvSpPr>
-            <a:spLocks noGrp="1"/>
-          </p:cNvSpPr>
-          <p:nvPr>
-            <p:ph idx="1"/>
-          </p:nvPr>
-        </p:nvSpPr>
-        <p:spPr/>
-        <p:txBody>
-          <a:bodyPr>
-            <a:normAutofit/>
-          </a:bodyPr>
-          <a:lstStyle/>
-          <a:p>
-            <a:pPr algn="ctr">
-              <a:buNone/>
-            </a:pPr>
-            <a:r>
-              <a:rPr lang="zh-TW" altLang="en-US" sz="5400" b="1" dirty="0">
+              <a:t>何能使我</a:t>
+            </a:r>
+            <a:r>
+              <a:rPr lang="zh-CN" altLang="en-US" sz="6400" b="1" dirty="0">
                 <a:solidFill>
                   <a:srgbClr val="660033"/>
                 </a:solidFill>
                 <a:latin typeface="微軟正黑體" pitchFamily="34" charset="-120"/>
                 <a:ea typeface="微軟正黑體" pitchFamily="34" charset="-120"/>
               </a:rPr>
-              <a:t>主在十架流血</a:t>
-            </a:r>
-          </a:p>
-          <a:p>
-            <a:pPr algn="ctr">
-              <a:buNone/>
-            </a:pPr>
-            <a:r>
-              <a:rPr lang="zh-TW" altLang="en-US" sz="5400" b="1" dirty="0">
+              <a:t>與</a:t>
+            </a:r>
+            <a:r>
+              <a:rPr lang="zh-TW" altLang="en-US" sz="6400" b="1" dirty="0">
                 <a:solidFill>
                   <a:srgbClr val="660033"/>
                 </a:solidFill>
                 <a:latin typeface="微軟正黑體" pitchFamily="34" charset="-120"/>
                 <a:ea typeface="微軟正黑體" pitchFamily="34" charset="-120"/>
               </a:rPr>
-              <a:t>洗我罪惡清潔</a:t>
+              <a:t>神近</a:t>
             </a:r>
           </a:p>
           <a:p>
@@ -4511,37 +5020,67 @@
               <a:buNone/>
             </a:pPr>
             <a:r>
-              <a:rPr lang="zh-TW" altLang="en-US" sz="5400" b="1" dirty="0">
+              <a:rPr lang="zh-TW" altLang="en-US" sz="6400" b="1" dirty="0">
                 <a:solidFill>
                   <a:srgbClr val="660033"/>
                 </a:solidFill>
                 <a:latin typeface="微軟正黑體" pitchFamily="34" charset="-120"/>
                 <a:ea typeface="微軟正黑體" pitchFamily="34" charset="-120"/>
               </a:rPr>
-              <a:t>使我白超乎雪</a:t>
-            </a:r>
-          </a:p>
-          <a:p>
-            <a:pPr algn="ctr">
-              <a:buNone/>
-            </a:pPr>
-            <a:r>
-              <a:rPr lang="zh-TW" altLang="en-US" sz="5400" b="1" dirty="0">
+              <a:t>只有主耶穌之寶血</a:t>
+            </a:r>
+          </a:p>
+        </p:txBody>
+      </p:sp>
+      <p:sp>
+        <p:nvSpPr>
+          <p:cNvPr id="3" name="TextBox 2">
+            <a:extLst>
+              <a:ext uri="{FF2B5EF4-FFF2-40B4-BE49-F238E27FC236}">
+                <a16:creationId xmlns:a16="http://schemas.microsoft.com/office/drawing/2014/main" id="{15092C65-9368-940F-CAF2-1F96DBD1FB58}"/>
+              </a:ext>
+            </a:extLst>
+          </p:cNvPr>
+          <p:cNvSpPr txBox="1"/>
+          <p:nvPr/>
+        </p:nvSpPr>
+        <p:spPr>
+          <a:xfrm>
+            <a:off x="0" y="5061181"/>
+            <a:ext cx="12192000" cy="666786"/>
+          </a:xfrm>
+          <a:prstGeom prst="rect">
+            <a:avLst/>
+          </a:prstGeom>
+          <a:noFill/>
+        </p:spPr>
+        <p:txBody>
+          <a:bodyPr wrap="square" rtlCol="0">
+            <a:spAutoFit/>
+          </a:bodyPr>
+          <a:lstStyle/>
+          <a:p>
+            <a:pPr algn="ctr"/>
+            <a:r>
+              <a:rPr lang="en-US" sz="3733" b="1" dirty="0">
                 <a:solidFill>
                   <a:srgbClr val="660033"/>
                 </a:solidFill>
-                <a:latin typeface="微軟正黑體" pitchFamily="34" charset="-120"/>
-                <a:ea typeface="微軟正黑體" pitchFamily="34" charset="-120"/>
               </a:rPr>
-              <a:t>全賴主耶穌之寶血</a:t>
-            </a:r>
+              <a:t>( 2 / 6 )</a:t>
+            </a:r>
+            <a:endParaRPr lang="vi-VN" sz="3733" b="1" dirty="0">
+              <a:solidFill>
+                <a:srgbClr val="660033"/>
+              </a:solidFill>
+            </a:endParaRPr>
           </a:p>
         </p:txBody>
       </p:sp>
     </p:spTree>
     <p:extLst>
       <p:ext uri="{BB962C8B-B14F-4D97-AF65-F5344CB8AC3E}">
-        <p14:creationId xmlns:p14="http://schemas.microsoft.com/office/powerpoint/2010/main" val="3063356115"/>
+        <p14:creationId xmlns:p14="http://schemas.microsoft.com/office/powerpoint/2010/main" val="2385453200"/>
       </p:ext>
     </p:extLst>
   </p:cSld>
@@ -4556,7 +5095,13 @@
   <p:cSld>
     <p:spTree>
       <p:nvGrpSpPr>
-        <p:cNvPr id="1" name=""/>
+        <p:cNvPr id="1" name="">
+          <a:extLst>
+            <a:ext uri="{FF2B5EF4-FFF2-40B4-BE49-F238E27FC236}">
+              <a16:creationId xmlns:a16="http://schemas.microsoft.com/office/drawing/2014/main" id="{DC2A8439-7449-A9D5-9FCD-B6AFFF09EF9C}"/>
+            </a:ext>
+          </a:extLst>
+        </p:cNvPr>
         <p:cNvGrpSpPr/>
         <p:nvPr/>
       </p:nvGrpSpPr>
@@ -4570,169 +5115,69 @@
       </p:grpSpPr>
       <p:sp>
         <p:nvSpPr>
-          <p:cNvPr id="4" name="標題 3"/>
-          <p:cNvSpPr>
-            <a:spLocks noGrp="1"/>
-          </p:cNvSpPr>
-          <p:nvPr>
-            <p:ph type="title"/>
-          </p:nvPr>
-        </p:nvSpPr>
-        <p:spPr/>
-        <p:txBody>
-          <a:bodyPr>
+          <p:cNvPr id="5" name="內容版面配置區 4">
+            <a:extLst>
+              <a:ext uri="{FF2B5EF4-FFF2-40B4-BE49-F238E27FC236}">
+                <a16:creationId xmlns:a16="http://schemas.microsoft.com/office/drawing/2014/main" id="{7D570D32-B023-11AD-B0F6-EC1A1DA9BB73}"/>
+              </a:ext>
+            </a:extLst>
+          </p:cNvPr>
+          <p:cNvSpPr>
+            <a:spLocks noGrp="1"/>
+          </p:cNvSpPr>
+          <p:nvPr>
+            <p:ph idx="1"/>
+          </p:nvPr>
+        </p:nvSpPr>
+        <p:spPr>
+          <a:xfrm>
+            <a:off x="0" y="2084851"/>
+            <a:ext cx="12192000" cy="2404863"/>
+          </a:xfrm>
+        </p:spPr>
+        <p:txBody>
+          <a:bodyPr anchor="ctr">
             <a:normAutofit/>
           </a:bodyPr>
           <a:lstStyle/>
           <a:p>
-            <a:r>
-              <a:rPr lang="zh-TW" altLang="en-US" sz="4800" b="1" dirty="0">
+            <a:pPr algn="ctr">
+              <a:buNone/>
+            </a:pPr>
+            <a:r>
+              <a:rPr lang="zh-TW" altLang="en-US" sz="6400" b="1" dirty="0">
                 <a:solidFill>
                   <a:srgbClr val="660033"/>
                 </a:solidFill>
                 <a:latin typeface="微軟正黑體" pitchFamily="34" charset="-120"/>
                 <a:ea typeface="微軟正黑體" pitchFamily="34" charset="-120"/>
               </a:rPr>
-              <a:t>只有寶血</a:t>
-            </a:r>
-          </a:p>
-        </p:txBody>
-      </p:sp>
-      <p:sp>
-        <p:nvSpPr>
-          <p:cNvPr id="5" name="內容版面配置區 4"/>
-          <p:cNvSpPr>
-            <a:spLocks noGrp="1"/>
-          </p:cNvSpPr>
-          <p:nvPr>
-            <p:ph idx="1"/>
-          </p:nvPr>
-        </p:nvSpPr>
-        <p:spPr/>
-        <p:txBody>
-          <a:bodyPr>
-            <a:normAutofit/>
-          </a:bodyPr>
-          <a:lstStyle/>
-          <a:p>
-            <a:pPr lvl="0" algn="ctr">
+              <a:t>主在十架流血  洗我罪惡清潔</a:t>
+            </a:r>
+          </a:p>
+          <a:p>
+            <a:pPr algn="ctr">
               <a:buNone/>
             </a:pPr>
             <a:r>
-              <a:rPr lang="zh-TW" altLang="en-US" sz="5400" b="1" dirty="0">
+              <a:rPr lang="zh-TW" altLang="en-US" sz="6400" b="1" dirty="0">
                 <a:solidFill>
                   <a:srgbClr val="660033"/>
                 </a:solidFill>
                 <a:latin typeface="微軟正黑體" pitchFamily="34" charset="-120"/>
                 <a:ea typeface="微軟正黑體" pitchFamily="34" charset="-120"/>
               </a:rPr>
-              <a:t>何能使我得稱義</a:t>
-            </a:r>
-          </a:p>
-          <a:p>
-            <a:pPr algn="ctr">
-              <a:buNone/>
-            </a:pPr>
-            <a:r>
-              <a:rPr lang="zh-TW" altLang="en-US" sz="5400" b="1" dirty="0">
-                <a:solidFill>
-                  <a:srgbClr val="660033"/>
-                </a:solidFill>
-                <a:latin typeface="微軟正黑體" pitchFamily="34" charset="-120"/>
-                <a:ea typeface="微軟正黑體" pitchFamily="34" charset="-120"/>
-              </a:rPr>
-              <a:t>只有主耶穌之寶血</a:t>
-            </a:r>
-          </a:p>
-          <a:p>
-            <a:pPr algn="ctr">
-              <a:buNone/>
-            </a:pPr>
-            <a:r>
-              <a:rPr lang="zh-TW" altLang="en-US" sz="5400" b="1" dirty="0">
-                <a:solidFill>
-                  <a:srgbClr val="660033"/>
-                </a:solidFill>
-                <a:latin typeface="微軟正黑體" pitchFamily="34" charset="-120"/>
-                <a:ea typeface="微軟正黑體" pitchFamily="34" charset="-120"/>
-              </a:rPr>
-              <a:t>何能使我得成聖</a:t>
-            </a:r>
-          </a:p>
-          <a:p>
-            <a:pPr algn="ctr">
-              <a:buNone/>
-            </a:pPr>
-            <a:r>
-              <a:rPr lang="zh-TW" altLang="en-US" sz="5400" b="1" dirty="0">
-                <a:solidFill>
-                  <a:srgbClr val="660033"/>
-                </a:solidFill>
-                <a:latin typeface="微軟正黑體" pitchFamily="34" charset="-120"/>
-                <a:ea typeface="微軟正黑體" pitchFamily="34" charset="-120"/>
-              </a:rPr>
-              <a:t>只有主耶穌之寶血</a:t>
-            </a:r>
-            <a:endParaRPr lang="zh-TW" altLang="en-US" sz="5400" b="1" dirty="0">
-              <a:solidFill>
-                <a:srgbClr val="660033"/>
-              </a:solidFill>
-              <a:latin typeface="微軟正黑體" pitchFamily="34" charset="-120"/>
-              <a:ea typeface="微軟正黑體" pitchFamily="34" charset="-120"/>
-            </a:endParaRPr>
-          </a:p>
-        </p:txBody>
-      </p:sp>
-      <p:sp>
-        <p:nvSpPr>
-          <p:cNvPr id="6" name="TextBox 5"/>
-          <p:cNvSpPr txBox="1"/>
-          <p:nvPr/>
-        </p:nvSpPr>
-        <p:spPr>
-          <a:xfrm>
-            <a:off x="1415480" y="1772816"/>
-            <a:ext cx="1008112" cy="830997"/>
-          </a:xfrm>
-          <a:prstGeom prst="rect">
-            <a:avLst/>
-          </a:prstGeom>
-          <a:noFill/>
-        </p:spPr>
-        <p:txBody>
-          <a:bodyPr wrap="square" rtlCol="0">
-            <a:spAutoFit/>
-          </a:bodyPr>
-          <a:lstStyle/>
-          <a:p>
-            <a:r>
-              <a:rPr lang="en-US" sz="4800" b="1" dirty="0">
-                <a:solidFill>
-                  <a:srgbClr val="660033"/>
-                </a:solidFill>
-                <a:ea typeface="微軟正黑體" pitchFamily="34" charset="-120"/>
-              </a:rPr>
-              <a:t>4</a:t>
-            </a:r>
-            <a:r>
-              <a:rPr lang="en-US" sz="4800" b="1" dirty="0" smtClean="0">
-                <a:solidFill>
-                  <a:srgbClr val="660033"/>
-                </a:solidFill>
-                <a:ea typeface="微軟正黑體" pitchFamily="34" charset="-120"/>
-              </a:rPr>
-              <a:t>.</a:t>
-            </a:r>
-            <a:endParaRPr lang="vi-VN" sz="4800" b="1" dirty="0">
-              <a:solidFill>
-                <a:srgbClr val="660033"/>
-              </a:solidFill>
-              <a:ea typeface="微軟正黑體" pitchFamily="34" charset="-120"/>
-            </a:endParaRPr>
+              <a:t>使我白超乎雪  全賴主耶穌之寶血</a:t>
+            </a:r>
           </a:p>
         </p:txBody>
       </p:sp>
     </p:spTree>
+    <p:extLst>
+      <p:ext uri="{BB962C8B-B14F-4D97-AF65-F5344CB8AC3E}">
+        <p14:creationId xmlns:p14="http://schemas.microsoft.com/office/powerpoint/2010/main" val="3212116920"/>
+      </p:ext>
+    </p:extLst>
   </p:cSld>
   <p:clrMapOvr>
     <a:masterClrMapping/>
@@ -4745,7 +5190,13 @@
   <p:cSld>
     <p:spTree>
       <p:nvGrpSpPr>
-        <p:cNvPr id="1" name=""/>
+        <p:cNvPr id="1" name="">
+          <a:extLst>
+            <a:ext uri="{FF2B5EF4-FFF2-40B4-BE49-F238E27FC236}">
+              <a16:creationId xmlns:a16="http://schemas.microsoft.com/office/drawing/2014/main" id="{0EC372D8-2A6A-6EF2-7221-9140C394D6EA}"/>
+            </a:ext>
+          </a:extLst>
+        </p:cNvPr>
         <p:cNvGrpSpPr/>
         <p:nvPr/>
       </p:nvGrpSpPr>
@@ -4759,113 +5210,114 @@
       </p:grpSpPr>
       <p:sp>
         <p:nvSpPr>
-          <p:cNvPr id="4" name="標題 3"/>
-          <p:cNvSpPr>
-            <a:spLocks noGrp="1"/>
-          </p:cNvSpPr>
-          <p:nvPr>
-            <p:ph type="title"/>
-          </p:nvPr>
-        </p:nvSpPr>
-        <p:spPr/>
-        <p:txBody>
-          <a:bodyPr>
+          <p:cNvPr id="5" name="內容版面配置區 4">
+            <a:extLst>
+              <a:ext uri="{FF2B5EF4-FFF2-40B4-BE49-F238E27FC236}">
+                <a16:creationId xmlns:a16="http://schemas.microsoft.com/office/drawing/2014/main" id="{E2457D70-DC16-7AB7-FE79-A789E3C3C214}"/>
+              </a:ext>
+            </a:extLst>
+          </p:cNvPr>
+          <p:cNvSpPr>
+            <a:spLocks noGrp="1"/>
+          </p:cNvSpPr>
+          <p:nvPr>
+            <p:ph idx="1"/>
+          </p:nvPr>
+        </p:nvSpPr>
+        <p:spPr>
+          <a:xfrm>
+            <a:off x="0" y="2084851"/>
+            <a:ext cx="12192000" cy="2404863"/>
+          </a:xfrm>
+        </p:spPr>
+        <p:txBody>
+          <a:bodyPr anchor="ctr">
             <a:normAutofit/>
           </a:bodyPr>
           <a:lstStyle/>
           <a:p>
-            <a:r>
-              <a:rPr lang="zh-TW" altLang="en-US" sz="4800" b="1" dirty="0">
+            <a:pPr lvl="0" algn="ctr">
+              <a:buNone/>
+            </a:pPr>
+            <a:r>
+              <a:rPr lang="zh-TW" altLang="en-US" sz="6400" b="1" dirty="0">
                 <a:solidFill>
                   <a:srgbClr val="660033"/>
                 </a:solidFill>
                 <a:latin typeface="微軟正黑體" pitchFamily="34" charset="-120"/>
                 <a:ea typeface="微軟正黑體" pitchFamily="34" charset="-120"/>
               </a:rPr>
-              <a:t>只有寶血</a:t>
-            </a:r>
-          </a:p>
-        </p:txBody>
-      </p:sp>
-      <p:sp>
-        <p:nvSpPr>
-          <p:cNvPr id="5" name="內容版面配置區 4"/>
-          <p:cNvSpPr>
-            <a:spLocks noGrp="1"/>
-          </p:cNvSpPr>
-          <p:nvPr>
-            <p:ph idx="1"/>
-          </p:nvPr>
-        </p:nvSpPr>
-        <p:spPr/>
-        <p:txBody>
-          <a:bodyPr>
-            <a:normAutofit/>
-          </a:bodyPr>
-          <a:lstStyle/>
+              <a:t>何能救我免地獄</a:t>
+            </a:r>
+          </a:p>
           <a:p>
             <a:pPr algn="ctr">
               <a:buNone/>
             </a:pPr>
             <a:r>
-              <a:rPr lang="zh-TW" altLang="en-US" sz="5400" b="1" dirty="0">
+              <a:rPr lang="zh-TW" altLang="en-US" sz="6400" b="1" dirty="0">
                 <a:solidFill>
                   <a:srgbClr val="660033"/>
                 </a:solidFill>
                 <a:latin typeface="微軟正黑體" pitchFamily="34" charset="-120"/>
                 <a:ea typeface="微軟正黑體" pitchFamily="34" charset="-120"/>
               </a:rPr>
-              <a:t>主在十架流血</a:t>
-            </a:r>
-          </a:p>
-          <a:p>
-            <a:pPr algn="ctr">
-              <a:buNone/>
-            </a:pPr>
-            <a:r>
-              <a:rPr lang="zh-TW" altLang="en-US" sz="5400" b="1" dirty="0">
+              <a:t>只有主耶穌之寶血</a:t>
+            </a:r>
+          </a:p>
+        </p:txBody>
+      </p:sp>
+      <p:sp>
+        <p:nvSpPr>
+          <p:cNvPr id="3" name="TextBox 2">
+            <a:extLst>
+              <a:ext uri="{FF2B5EF4-FFF2-40B4-BE49-F238E27FC236}">
+                <a16:creationId xmlns:a16="http://schemas.microsoft.com/office/drawing/2014/main" id="{3DD81576-1BC3-129C-8D75-8C02E58BC3DE}"/>
+              </a:ext>
+            </a:extLst>
+          </p:cNvPr>
+          <p:cNvSpPr txBox="1"/>
+          <p:nvPr/>
+        </p:nvSpPr>
+        <p:spPr>
+          <a:xfrm>
+            <a:off x="0" y="5061181"/>
+            <a:ext cx="12192000" cy="666786"/>
+          </a:xfrm>
+          <a:prstGeom prst="rect">
+            <a:avLst/>
+          </a:prstGeom>
+          <a:noFill/>
+        </p:spPr>
+        <p:txBody>
+          <a:bodyPr wrap="square" rtlCol="0">
+            <a:spAutoFit/>
+          </a:bodyPr>
+          <a:lstStyle/>
+          <a:p>
+            <a:pPr algn="ctr"/>
+            <a:r>
+              <a:rPr lang="en-US" sz="3733" b="1" dirty="0">
                 <a:solidFill>
                   <a:srgbClr val="660033"/>
                 </a:solidFill>
-                <a:latin typeface="微軟正黑體" pitchFamily="34" charset="-120"/>
-                <a:ea typeface="微軟正黑體" pitchFamily="34" charset="-120"/>
               </a:rPr>
-              <a:t>洗我罪惡清潔</a:t>
-            </a:r>
-          </a:p>
-          <a:p>
-            <a:pPr algn="ctr">
-              <a:buNone/>
-            </a:pPr>
-            <a:r>
-              <a:rPr lang="zh-TW" altLang="en-US" sz="5400" b="1" dirty="0">
-                <a:solidFill>
-                  <a:srgbClr val="660033"/>
-                </a:solidFill>
-                <a:latin typeface="微軟正黑體" pitchFamily="34" charset="-120"/>
-                <a:ea typeface="微軟正黑體" pitchFamily="34" charset="-120"/>
-              </a:rPr>
-              <a:t>使我白超乎雪</a:t>
-            </a:r>
-          </a:p>
-          <a:p>
-            <a:pPr algn="ctr">
-              <a:buNone/>
-            </a:pPr>
-            <a:r>
-              <a:rPr lang="zh-TW" altLang="en-US" sz="5400" b="1" dirty="0">
-                <a:solidFill>
-                  <a:srgbClr val="660033"/>
-                </a:solidFill>
-                <a:latin typeface="微軟正黑體" pitchFamily="34" charset="-120"/>
-                <a:ea typeface="微軟正黑體" pitchFamily="34" charset="-120"/>
-              </a:rPr>
-              <a:t>全賴主耶穌之寶血</a:t>
-            </a:r>
+              <a:t>( 3 / 6 )</a:t>
+            </a:r>
+            <a:endParaRPr lang="vi-VN" sz="3733" b="1" dirty="0">
+              <a:solidFill>
+                <a:srgbClr val="660033"/>
+              </a:solidFill>
+            </a:endParaRPr>
           </a:p>
         </p:txBody>
       </p:sp>
     </p:spTree>
+    <p:extLst>
+      <p:ext uri="{BB962C8B-B14F-4D97-AF65-F5344CB8AC3E}">
+        <p14:creationId xmlns:p14="http://schemas.microsoft.com/office/powerpoint/2010/main" val="1102113498"/>
+      </p:ext>
+    </p:extLst>
   </p:cSld>
   <p:clrMapOvr>
     <a:masterClrMapping/>
@@ -4878,7 +5330,13 @@
   <p:cSld>
     <p:spTree>
       <p:nvGrpSpPr>
-        <p:cNvPr id="1" name=""/>
+        <p:cNvPr id="1" name="">
+          <a:extLst>
+            <a:ext uri="{FF2B5EF4-FFF2-40B4-BE49-F238E27FC236}">
+              <a16:creationId xmlns:a16="http://schemas.microsoft.com/office/drawing/2014/main" id="{349FDA1B-72F4-448A-24D3-D1EDEE691A76}"/>
+            </a:ext>
+          </a:extLst>
+        </p:cNvPr>
         <p:cNvGrpSpPr/>
         <p:nvPr/>
       </p:nvGrpSpPr>
@@ -4892,71 +5350,52 @@
       </p:grpSpPr>
       <p:sp>
         <p:nvSpPr>
-          <p:cNvPr id="4" name="標題 3"/>
-          <p:cNvSpPr>
-            <a:spLocks noGrp="1"/>
-          </p:cNvSpPr>
-          <p:nvPr>
-            <p:ph type="title"/>
-          </p:nvPr>
-        </p:nvSpPr>
-        <p:spPr/>
-        <p:txBody>
-          <a:bodyPr>
+          <p:cNvPr id="5" name="內容版面配置區 4">
+            <a:extLst>
+              <a:ext uri="{FF2B5EF4-FFF2-40B4-BE49-F238E27FC236}">
+                <a16:creationId xmlns:a16="http://schemas.microsoft.com/office/drawing/2014/main" id="{66AA3198-42AA-3CE4-B236-CC697212CD93}"/>
+              </a:ext>
+            </a:extLst>
+          </p:cNvPr>
+          <p:cNvSpPr>
+            <a:spLocks noGrp="1"/>
+          </p:cNvSpPr>
+          <p:nvPr>
+            <p:ph idx="1"/>
+          </p:nvPr>
+        </p:nvSpPr>
+        <p:spPr>
+          <a:xfrm>
+            <a:off x="0" y="2084851"/>
+            <a:ext cx="12192000" cy="2404863"/>
+          </a:xfrm>
+        </p:spPr>
+        <p:txBody>
+          <a:bodyPr anchor="ctr">
             <a:normAutofit/>
           </a:bodyPr>
           <a:lstStyle/>
           <a:p>
-            <a:r>
-              <a:rPr lang="zh-TW" altLang="en-US" sz="4800" b="1" dirty="0">
+            <a:pPr algn="ctr">
+              <a:buNone/>
+            </a:pPr>
+            <a:r>
+              <a:rPr lang="zh-TW" altLang="en-US" sz="6400" b="1" dirty="0">
                 <a:solidFill>
                   <a:srgbClr val="660033"/>
                 </a:solidFill>
                 <a:latin typeface="微軟正黑體" pitchFamily="34" charset="-120"/>
                 <a:ea typeface="微軟正黑體" pitchFamily="34" charset="-120"/>
               </a:rPr>
-              <a:t>只有寶血</a:t>
-            </a:r>
-          </a:p>
-        </p:txBody>
-      </p:sp>
-      <p:sp>
-        <p:nvSpPr>
-          <p:cNvPr id="5" name="內容版面配置區 4"/>
-          <p:cNvSpPr>
-            <a:spLocks noGrp="1"/>
-          </p:cNvSpPr>
-          <p:nvPr>
-            <p:ph idx="1"/>
-          </p:nvPr>
-        </p:nvSpPr>
-        <p:spPr/>
-        <p:txBody>
-          <a:bodyPr>
-            <a:normAutofit/>
-          </a:bodyPr>
-          <a:lstStyle/>
-          <a:p>
-            <a:pPr lvl="0" algn="ctr">
+              <a:t>何能引我上天堂</a:t>
+            </a:r>
+          </a:p>
+          <a:p>
+            <a:pPr algn="ctr">
               <a:buNone/>
             </a:pPr>
             <a:r>
-              <a:rPr lang="zh-TW" altLang="en-US" sz="5400" b="1" dirty="0">
-                <a:solidFill>
-                  <a:srgbClr val="660033"/>
-                </a:solidFill>
-                <a:latin typeface="微軟正黑體" pitchFamily="34" charset="-120"/>
-                <a:ea typeface="微軟正黑體" pitchFamily="34" charset="-120"/>
-              </a:rPr>
-              <a:t>何能使我常得勝</a:t>
-            </a:r>
-          </a:p>
-          <a:p>
-            <a:pPr algn="ctr">
-              <a:buNone/>
-            </a:pPr>
-            <a:r>
-              <a:rPr lang="zh-TW" altLang="en-US" sz="5400" b="1" dirty="0">
+              <a:rPr lang="zh-TW" altLang="en-US" sz="6400" b="1" dirty="0">
                 <a:solidFill>
                   <a:srgbClr val="660033"/>
                 </a:solidFill>
@@ -4966,55 +5405,24 @@
               <a:t>只有主耶穌之寶血</a:t>
             </a:r>
           </a:p>
-          <a:p>
-            <a:pPr algn="ctr">
-              <a:buNone/>
-            </a:pPr>
-            <a:r>
-              <a:rPr lang="zh-TW" altLang="en-US" sz="5400" b="1" dirty="0">
-                <a:solidFill>
-                  <a:srgbClr val="660033"/>
-                </a:solidFill>
-                <a:latin typeface="微軟正黑體" pitchFamily="34" charset="-120"/>
-                <a:ea typeface="微軟正黑體" pitchFamily="34" charset="-120"/>
-              </a:rPr>
-              <a:t>何能使我得榮耀</a:t>
-            </a:r>
-          </a:p>
-          <a:p>
-            <a:pPr algn="ctr">
-              <a:buNone/>
-            </a:pPr>
-            <a:r>
-              <a:rPr lang="zh-TW" altLang="en-US" sz="5400" b="1" dirty="0">
-                <a:solidFill>
-                  <a:srgbClr val="660033"/>
-                </a:solidFill>
-                <a:latin typeface="微軟正黑體" pitchFamily="34" charset="-120"/>
-                <a:ea typeface="微軟正黑體" pitchFamily="34" charset="-120"/>
-              </a:rPr>
-              <a:t>只有主耶穌之寶血</a:t>
-            </a:r>
-            <a:endParaRPr lang="zh-TW" altLang="en-US" sz="5400" b="1" dirty="0">
-              <a:solidFill>
-                <a:srgbClr val="660033"/>
-              </a:solidFill>
-              <a:latin typeface="微軟正黑體" pitchFamily="34" charset="-120"/>
-              <a:ea typeface="微軟正黑體" pitchFamily="34" charset="-120"/>
-            </a:endParaRPr>
-          </a:p>
-        </p:txBody>
-      </p:sp>
-      <p:sp>
-        <p:nvSpPr>
-          <p:cNvPr id="6" name="TextBox 5"/>
+        </p:txBody>
+      </p:sp>
+      <p:sp>
+        <p:nvSpPr>
+          <p:cNvPr id="3" name="TextBox 2">
+            <a:extLst>
+              <a:ext uri="{FF2B5EF4-FFF2-40B4-BE49-F238E27FC236}">
+                <a16:creationId xmlns:a16="http://schemas.microsoft.com/office/drawing/2014/main" id="{49BEDD92-1738-D3C1-7153-34AE21D6DC36}"/>
+              </a:ext>
+            </a:extLst>
+          </p:cNvPr>
           <p:cNvSpPr txBox="1"/>
           <p:nvPr/>
         </p:nvSpPr>
         <p:spPr>
           <a:xfrm>
-            <a:off x="1415480" y="1772816"/>
-            <a:ext cx="1008112" cy="830997"/>
+            <a:off x="0" y="5061181"/>
+            <a:ext cx="12192000" cy="666786"/>
           </a:xfrm>
           <a:prstGeom prst="rect">
             <a:avLst/>
@@ -5027,25 +5435,29 @@
           </a:bodyPr>
           <a:lstStyle/>
           <a:p>
-            <a:r>
-              <a:rPr lang="en-US" sz="4800" b="1" dirty="0" smtClean="0">
+            <a:pPr algn="ctr"/>
+            <a:r>
+              <a:rPr lang="en-US" sz="3733" b="1" dirty="0">
                 <a:solidFill>
                   <a:srgbClr val="660033"/>
                 </a:solidFill>
-                <a:ea typeface="微軟正黑體" pitchFamily="34" charset="-120"/>
               </a:rPr>
-              <a:t>5.</a:t>
-            </a:r>
-            <a:endParaRPr lang="vi-VN" sz="4800" b="1" dirty="0">
+              <a:t>( 3 / 6 )</a:t>
+            </a:r>
+            <a:endParaRPr lang="vi-VN" sz="3733" b="1" dirty="0">
               <a:solidFill>
                 <a:srgbClr val="660033"/>
               </a:solidFill>
-              <a:ea typeface="微軟正黑體" pitchFamily="34" charset="-120"/>
             </a:endParaRPr>
           </a:p>
         </p:txBody>
       </p:sp>
     </p:spTree>
+    <p:extLst>
+      <p:ext uri="{BB962C8B-B14F-4D97-AF65-F5344CB8AC3E}">
+        <p14:creationId xmlns:p14="http://schemas.microsoft.com/office/powerpoint/2010/main" val="2767649902"/>
+      </p:ext>
+    </p:extLst>
   </p:cSld>
   <p:clrMapOvr>
     <a:masterClrMapping/>
